--- a/Fihirana Fanampiny/FF 19.pptx
+++ b/Fihirana Fanampiny/FF 19.pptx
@@ -12,16 +12,16 @@
     <p:sldId id="259" r:id="rId6"/>
     <p:sldId id="261" r:id="rId7"/>
     <p:sldId id="264" r:id="rId8"/>
-    <p:sldId id="267" r:id="rId9"/>
-    <p:sldId id="268" r:id="rId10"/>
+    <p:sldId id="273" r:id="rId9"/>
+    <p:sldId id="274" r:id="rId10"/>
     <p:sldId id="262" r:id="rId11"/>
     <p:sldId id="265" r:id="rId12"/>
-    <p:sldId id="269" r:id="rId13"/>
-    <p:sldId id="272" r:id="rId14"/>
+    <p:sldId id="275" r:id="rId13"/>
+    <p:sldId id="276" r:id="rId14"/>
     <p:sldId id="266" r:id="rId15"/>
     <p:sldId id="263" r:id="rId16"/>
-    <p:sldId id="270" r:id="rId17"/>
-    <p:sldId id="271" r:id="rId18"/>
+    <p:sldId id="277" r:id="rId17"/>
+    <p:sldId id="278" r:id="rId18"/>
   </p:sldIdLst>
   <p:sldSz cx="12192000" cy="6858000"/>
   <p:notesSz cx="6858000" cy="9144000"/>
@@ -122,7 +122,18 @@
   </p:defaultTextStyle>
   <p:extLst>
     <p:ext uri="{EFAFB233-063F-42B5-8137-9DF3F51BA10A}">
-      <p15:sldGuideLst xmlns:p15="http://schemas.microsoft.com/office/powerpoint/2012/main" xmlns=""/>
+      <p15:sldGuideLst xmlns:p15="http://schemas.microsoft.com/office/powerpoint/2012/main">
+        <p15:guide id="1" orient="horz" pos="2160">
+          <p15:clr>
+            <a:srgbClr val="A4A3A4"/>
+          </p15:clr>
+        </p15:guide>
+        <p15:guide id="2" pos="3840">
+          <p15:clr>
+            <a:srgbClr val="A4A3A4"/>
+          </p15:clr>
+        </p15:guide>
+      </p15:sldGuideLst>
     </p:ext>
   </p:extLst>
 </p:presentation>
@@ -259,7 +270,7 @@
           <a:p>
             <a:fld id="{ECEBDA0E-6EF4-4022-A577-0EB53B39D5C6}" type="datetimeFigureOut">
               <a:rPr lang="fr-FR" smtClean="0"/>
-              <a:t>08/11/2014</a:t>
+              <a:t>16/11/2025</a:t>
             </a:fld>
             <a:endParaRPr lang="fr-FR"/>
           </a:p>
@@ -429,7 +440,7 @@
           <a:p>
             <a:fld id="{ECEBDA0E-6EF4-4022-A577-0EB53B39D5C6}" type="datetimeFigureOut">
               <a:rPr lang="fr-FR" smtClean="0"/>
-              <a:t>08/11/2014</a:t>
+              <a:t>16/11/2025</a:t>
             </a:fld>
             <a:endParaRPr lang="fr-FR"/>
           </a:p>
@@ -609,7 +620,7 @@
           <a:p>
             <a:fld id="{ECEBDA0E-6EF4-4022-A577-0EB53B39D5C6}" type="datetimeFigureOut">
               <a:rPr lang="fr-FR" smtClean="0"/>
-              <a:t>08/11/2014</a:t>
+              <a:t>16/11/2025</a:t>
             </a:fld>
             <a:endParaRPr lang="fr-FR"/>
           </a:p>
@@ -779,7 +790,7 @@
           <a:p>
             <a:fld id="{ECEBDA0E-6EF4-4022-A577-0EB53B39D5C6}" type="datetimeFigureOut">
               <a:rPr lang="fr-FR" smtClean="0"/>
-              <a:t>08/11/2014</a:t>
+              <a:t>16/11/2025</a:t>
             </a:fld>
             <a:endParaRPr lang="fr-FR"/>
           </a:p>
@@ -1025,7 +1036,7 @@
           <a:p>
             <a:fld id="{ECEBDA0E-6EF4-4022-A577-0EB53B39D5C6}" type="datetimeFigureOut">
               <a:rPr lang="fr-FR" smtClean="0"/>
-              <a:t>08/11/2014</a:t>
+              <a:t>16/11/2025</a:t>
             </a:fld>
             <a:endParaRPr lang="fr-FR"/>
           </a:p>
@@ -1257,7 +1268,7 @@
           <a:p>
             <a:fld id="{ECEBDA0E-6EF4-4022-A577-0EB53B39D5C6}" type="datetimeFigureOut">
               <a:rPr lang="fr-FR" smtClean="0"/>
-              <a:t>08/11/2014</a:t>
+              <a:t>16/11/2025</a:t>
             </a:fld>
             <a:endParaRPr lang="fr-FR"/>
           </a:p>
@@ -1624,7 +1635,7 @@
           <a:p>
             <a:fld id="{ECEBDA0E-6EF4-4022-A577-0EB53B39D5C6}" type="datetimeFigureOut">
               <a:rPr lang="fr-FR" smtClean="0"/>
-              <a:t>08/11/2014</a:t>
+              <a:t>16/11/2025</a:t>
             </a:fld>
             <a:endParaRPr lang="fr-FR"/>
           </a:p>
@@ -1742,7 +1753,7 @@
           <a:p>
             <a:fld id="{ECEBDA0E-6EF4-4022-A577-0EB53B39D5C6}" type="datetimeFigureOut">
               <a:rPr lang="fr-FR" smtClean="0"/>
-              <a:t>08/11/2014</a:t>
+              <a:t>16/11/2025</a:t>
             </a:fld>
             <a:endParaRPr lang="fr-FR"/>
           </a:p>
@@ -1837,7 +1848,7 @@
           <a:p>
             <a:fld id="{ECEBDA0E-6EF4-4022-A577-0EB53B39D5C6}" type="datetimeFigureOut">
               <a:rPr lang="fr-FR" smtClean="0"/>
-              <a:t>08/11/2014</a:t>
+              <a:t>16/11/2025</a:t>
             </a:fld>
             <a:endParaRPr lang="fr-FR"/>
           </a:p>
@@ -2114,7 +2125,7 @@
           <a:p>
             <a:fld id="{ECEBDA0E-6EF4-4022-A577-0EB53B39D5C6}" type="datetimeFigureOut">
               <a:rPr lang="fr-FR" smtClean="0"/>
-              <a:t>08/11/2014</a:t>
+              <a:t>16/11/2025</a:t>
             </a:fld>
             <a:endParaRPr lang="fr-FR"/>
           </a:p>
@@ -2367,7 +2378,7 @@
           <a:p>
             <a:fld id="{ECEBDA0E-6EF4-4022-A577-0EB53B39D5C6}" type="datetimeFigureOut">
               <a:rPr lang="fr-FR" smtClean="0"/>
-              <a:t>08/11/2014</a:t>
+              <a:t>16/11/2025</a:t>
             </a:fld>
             <a:endParaRPr lang="fr-FR"/>
           </a:p>
@@ -2580,7 +2591,7 @@
           <a:p>
             <a:fld id="{ECEBDA0E-6EF4-4022-A577-0EB53B39D5C6}" type="datetimeFigureOut">
               <a:rPr lang="fr-FR" smtClean="0"/>
-              <a:t>08/11/2014</a:t>
+              <a:t>16/11/2025</a:t>
             </a:fld>
             <a:endParaRPr lang="fr-FR"/>
           </a:p>
@@ -3017,7 +3028,7 @@
         </p:spPr>
         <p:txBody>
           <a:bodyPr>
-            <a:normAutofit/>
+            <a:normAutofit fontScale="92500" lnSpcReduction="10000"/>
           </a:bodyPr>
           <a:lstStyle/>
           <a:p>
@@ -3146,7 +3157,7 @@
         <p:spPr>
           <a:xfrm>
             <a:off x="0" y="865909"/>
-            <a:ext cx="12192000" cy="5509200"/>
+            <a:ext cx="12192000" cy="5016758"/>
           </a:xfrm>
           <a:prstGeom prst="rect">
             <a:avLst/>
@@ -3161,30 +3172,30 @@
           <a:p>
             <a:pPr algn="ctr"/>
             <a:r>
-              <a:rPr lang="en-GB" sz="8800" b="1" dirty="0">
+              <a:rPr lang="en-GB" sz="8000" b="1" dirty="0">
                 <a:latin typeface="Apache" pitchFamily="2" charset="0"/>
               </a:rPr>
               <a:t>3 </a:t>
             </a:r>
             <a:r>
-              <a:rPr lang="en-GB" sz="8800" b="1" dirty="0" err="1">
+              <a:rPr lang="en-GB" sz="8000" b="1" dirty="0" err="1">
                 <a:latin typeface="Apache" pitchFamily="2" charset="0"/>
               </a:rPr>
               <a:t>Eo</a:t>
             </a:r>
             <a:r>
-              <a:rPr lang="en-GB" sz="8800" b="1" dirty="0">
-                <a:latin typeface="Apache" pitchFamily="2" charset="0"/>
-              </a:rPr>
-              <a:t> </a:t>
-            </a:r>
-            <a:r>
-              <a:rPr lang="en-GB" sz="8800" b="1" dirty="0" err="1">
+              <a:rPr lang="en-GB" sz="8000" b="1" dirty="0">
+                <a:latin typeface="Apache" pitchFamily="2" charset="0"/>
+              </a:rPr>
+              <a:t> </a:t>
+            </a:r>
+            <a:r>
+              <a:rPr lang="en-GB" sz="8000" b="1" dirty="0" err="1">
                 <a:latin typeface="Apache" pitchFamily="2" charset="0"/>
               </a:rPr>
               <a:t>imasom-pahavalo</a:t>
             </a:r>
-            <a:endParaRPr lang="fr-FR" sz="8800" b="1" dirty="0" smtClean="0">
+            <a:endParaRPr lang="fr-FR" sz="8000" b="1" dirty="0" smtClean="0">
               <a:effectLst/>
               <a:latin typeface="Apache" pitchFamily="2" charset="0"/>
             </a:endParaRPr>
@@ -3192,48 +3203,48 @@
           <a:p>
             <a:pPr algn="ctr"/>
             <a:r>
-              <a:rPr lang="en-GB" sz="8800" b="1" dirty="0">
+              <a:rPr lang="en-GB" sz="8000" b="1" dirty="0">
                 <a:latin typeface="Apache" pitchFamily="2" charset="0"/>
               </a:rPr>
               <a:t>   </a:t>
             </a:r>
             <a:r>
-              <a:rPr lang="en-GB" sz="8800" b="1" dirty="0" err="1">
+              <a:rPr lang="en-GB" sz="8000" b="1" dirty="0" err="1">
                 <a:latin typeface="Apache" pitchFamily="2" charset="0"/>
               </a:rPr>
               <a:t>Ny</a:t>
             </a:r>
             <a:r>
-              <a:rPr lang="en-GB" sz="8800" b="1" dirty="0">
-                <a:latin typeface="Apache" pitchFamily="2" charset="0"/>
-              </a:rPr>
-              <a:t> </a:t>
-            </a:r>
-            <a:r>
-              <a:rPr lang="en-GB" sz="8800" b="1" dirty="0" err="1">
+              <a:rPr lang="en-GB" sz="8000" b="1" dirty="0">
+                <a:latin typeface="Apache" pitchFamily="2" charset="0"/>
+              </a:rPr>
+              <a:t> </a:t>
+            </a:r>
+            <a:r>
+              <a:rPr lang="en-GB" sz="8000" b="1" dirty="0" err="1">
                 <a:latin typeface="Apache" pitchFamily="2" charset="0"/>
               </a:rPr>
               <a:t>latabatro</a:t>
             </a:r>
             <a:r>
-              <a:rPr lang="en-GB" sz="8800" b="1" dirty="0">
-                <a:latin typeface="Apache" pitchFamily="2" charset="0"/>
-              </a:rPr>
-              <a:t> </a:t>
-            </a:r>
-            <a:r>
-              <a:rPr lang="en-GB" sz="8800" b="1" dirty="0" err="1" smtClean="0">
+              <a:rPr lang="en-GB" sz="8000" b="1" dirty="0">
+                <a:latin typeface="Apache" pitchFamily="2" charset="0"/>
+              </a:rPr>
+              <a:t> </a:t>
+            </a:r>
+            <a:r>
+              <a:rPr lang="en-GB" sz="8000" b="1" dirty="0" err="1" smtClean="0">
                 <a:latin typeface="Apache" pitchFamily="2" charset="0"/>
               </a:rPr>
               <a:t>velariny</a:t>
             </a:r>
             <a:r>
-              <a:rPr lang="en-GB" sz="8800" b="1" dirty="0" smtClean="0">
+              <a:rPr lang="en-GB" sz="8000" b="1" dirty="0" smtClean="0">
                 <a:latin typeface="Apache" pitchFamily="2" charset="0"/>
               </a:rPr>
               <a:t>;</a:t>
             </a:r>
-            <a:endParaRPr lang="fr-FR" sz="8800" b="1" dirty="0" smtClean="0">
+            <a:endParaRPr lang="fr-FR" sz="8000" b="1" dirty="0" smtClean="0">
               <a:effectLst/>
               <a:latin typeface="Apache" pitchFamily="2" charset="0"/>
             </a:endParaRPr>
@@ -3241,118 +3252,48 @@
           <a:p>
             <a:pPr algn="ctr"/>
             <a:r>
-              <a:rPr lang="en-GB" sz="8800" b="1" dirty="0">
+              <a:rPr lang="en-GB" sz="8000" b="1" dirty="0">
                 <a:latin typeface="Apache" pitchFamily="2" charset="0"/>
               </a:rPr>
               <a:t>   </a:t>
             </a:r>
             <a:r>
-              <a:rPr lang="en-GB" sz="8800" b="1" dirty="0" err="1">
+              <a:rPr lang="en-GB" sz="8000" b="1" dirty="0" err="1">
                 <a:latin typeface="Apache" pitchFamily="2" charset="0"/>
               </a:rPr>
               <a:t>Diloilo</a:t>
             </a:r>
             <a:r>
-              <a:rPr lang="en-GB" sz="8800" b="1" dirty="0">
-                <a:latin typeface="Apache" pitchFamily="2" charset="0"/>
-              </a:rPr>
-              <a:t> </a:t>
-            </a:r>
-            <a:r>
-              <a:rPr lang="en-GB" sz="8800" b="1" dirty="0" err="1">
+              <a:rPr lang="en-GB" sz="8000" b="1" dirty="0">
+                <a:latin typeface="Apache" pitchFamily="2" charset="0"/>
+              </a:rPr>
+              <a:t> </a:t>
+            </a:r>
+            <a:r>
+              <a:rPr lang="en-GB" sz="8000" b="1" dirty="0" err="1">
                 <a:latin typeface="Apache" pitchFamily="2" charset="0"/>
               </a:rPr>
               <a:t>feno</a:t>
             </a:r>
             <a:r>
-              <a:rPr lang="en-GB" sz="8800" b="1" dirty="0">
-                <a:latin typeface="Apache" pitchFamily="2" charset="0"/>
-              </a:rPr>
-              <a:t> </a:t>
-            </a:r>
-            <a:r>
-              <a:rPr lang="en-GB" sz="8800" b="1" dirty="0" err="1">
+              <a:rPr lang="en-GB" sz="8000" b="1" dirty="0">
+                <a:latin typeface="Apache" pitchFamily="2" charset="0"/>
+              </a:rPr>
+              <a:t> </a:t>
+            </a:r>
+            <a:r>
+              <a:rPr lang="en-GB" sz="8000" b="1" dirty="0" err="1">
                 <a:latin typeface="Apache" pitchFamily="2" charset="0"/>
               </a:rPr>
               <a:t>hanitra</a:t>
             </a:r>
-            <a:endParaRPr lang="fr-FR" sz="8800" b="1" dirty="0" smtClean="0">
+            <a:endParaRPr lang="fr-FR" sz="8000" b="1" dirty="0" smtClean="0">
               <a:effectLst/>
               <a:latin typeface="Apache" pitchFamily="2" charset="0"/>
             </a:endParaRPr>
           </a:p>
           <a:p>
             <a:pPr algn="ctr"/>
-            <a:r>
-              <a:rPr lang="en-GB" sz="8800" b="1" i="1" dirty="0" smtClean="0">
-                <a:solidFill>
-                  <a:schemeClr val="accent6">
-                    <a:lumMod val="75000"/>
-                  </a:schemeClr>
-                </a:solidFill>
-              </a:rPr>
-              <a:t> </a:t>
-            </a:r>
-            <a:r>
-              <a:rPr lang="en-GB" sz="8000" b="1" i="1" dirty="0">
-                <a:solidFill>
-                  <a:schemeClr val="accent6">
-                    <a:lumMod val="75000"/>
-                  </a:schemeClr>
-                </a:solidFill>
-              </a:rPr>
-              <a:t>(</a:t>
-            </a:r>
-            <a:r>
-              <a:rPr lang="en-GB" sz="8000" b="1" i="1" dirty="0" err="1">
-                <a:solidFill>
-                  <a:schemeClr val="accent6">
-                    <a:lumMod val="75000"/>
-                  </a:schemeClr>
-                </a:solidFill>
-              </a:rPr>
-              <a:t>Efa</a:t>
-            </a:r>
-            <a:r>
-              <a:rPr lang="en-GB" sz="8000" b="1" i="1" dirty="0">
-                <a:solidFill>
-                  <a:schemeClr val="accent6">
-                    <a:lumMod val="75000"/>
-                  </a:schemeClr>
-                </a:solidFill>
-              </a:rPr>
-              <a:t> </a:t>
-            </a:r>
-            <a:r>
-              <a:rPr lang="en-GB" sz="8000" b="1" i="1" dirty="0" err="1">
-                <a:solidFill>
-                  <a:schemeClr val="accent6">
-                    <a:lumMod val="75000"/>
-                  </a:schemeClr>
-                </a:solidFill>
-              </a:rPr>
-              <a:t>namotosany</a:t>
-            </a:r>
-            <a:r>
-              <a:rPr lang="en-GB" sz="8000" b="1" i="1" dirty="0">
-                <a:solidFill>
-                  <a:schemeClr val="accent6">
-                    <a:lumMod val="75000"/>
-                  </a:schemeClr>
-                </a:solidFill>
-              </a:rPr>
-              <a:t> </a:t>
-            </a:r>
-            <a:r>
-              <a:rPr lang="en-GB" sz="8000" b="1" i="1" dirty="0" err="1">
-                <a:solidFill>
-                  <a:schemeClr val="accent6">
-                    <a:lumMod val="75000"/>
-                  </a:schemeClr>
-                </a:solidFill>
-              </a:rPr>
-              <a:t>ahy</a:t>
-            </a:r>
             <a:r>
               <a:rPr lang="en-GB" sz="8000" b="1" i="1" dirty="0" smtClean="0">
                 <a:solidFill>
@@ -3361,9 +3302,79 @@
                   </a:schemeClr>
                 </a:solidFill>
               </a:rPr>
+              <a:t> </a:t>
+            </a:r>
+            <a:r>
+              <a:rPr lang="en-GB" sz="7200" b="1" i="1" dirty="0">
+                <a:solidFill>
+                  <a:schemeClr val="accent6">
+                    <a:lumMod val="75000"/>
+                  </a:schemeClr>
+                </a:solidFill>
+              </a:rPr>
+              <a:t>(</a:t>
+            </a:r>
+            <a:r>
+              <a:rPr lang="en-GB" sz="7200" b="1" i="1" dirty="0" err="1">
+                <a:solidFill>
+                  <a:schemeClr val="accent6">
+                    <a:lumMod val="75000"/>
+                  </a:schemeClr>
+                </a:solidFill>
+              </a:rPr>
+              <a:t>Efa</a:t>
+            </a:r>
+            <a:r>
+              <a:rPr lang="en-GB" sz="7200" b="1" i="1" dirty="0">
+                <a:solidFill>
+                  <a:schemeClr val="accent6">
+                    <a:lumMod val="75000"/>
+                  </a:schemeClr>
+                </a:solidFill>
+              </a:rPr>
+              <a:t> </a:t>
+            </a:r>
+            <a:r>
+              <a:rPr lang="en-GB" sz="7200" b="1" i="1" dirty="0" err="1">
+                <a:solidFill>
+                  <a:schemeClr val="accent6">
+                    <a:lumMod val="75000"/>
+                  </a:schemeClr>
+                </a:solidFill>
+              </a:rPr>
+              <a:t>namotosany</a:t>
+            </a:r>
+            <a:r>
+              <a:rPr lang="en-GB" sz="7200" b="1" i="1" dirty="0">
+                <a:solidFill>
+                  <a:schemeClr val="accent6">
+                    <a:lumMod val="75000"/>
+                  </a:schemeClr>
+                </a:solidFill>
+              </a:rPr>
+              <a:t> </a:t>
+            </a:r>
+            <a:r>
+              <a:rPr lang="en-GB" sz="7200" b="1" i="1" dirty="0" err="1">
+                <a:solidFill>
+                  <a:schemeClr val="accent6">
+                    <a:lumMod val="75000"/>
+                  </a:schemeClr>
+                </a:solidFill>
+              </a:rPr>
+              <a:t>ahy</a:t>
+            </a:r>
+            <a:r>
+              <a:rPr lang="en-GB" sz="7200" b="1" i="1" dirty="0" smtClean="0">
+                <a:solidFill>
+                  <a:schemeClr val="accent6">
+                    <a:lumMod val="75000"/>
+                  </a:schemeClr>
+                </a:solidFill>
+              </a:rPr>
               <a:t>)</a:t>
             </a:r>
-            <a:endParaRPr lang="fr-FR" sz="8000" b="1" i="1" dirty="0">
+            <a:endParaRPr lang="fr-FR" sz="7200" b="1" i="1" dirty="0">
               <a:solidFill>
                 <a:schemeClr val="accent6">
                   <a:lumMod val="75000"/>
@@ -3418,8 +3429,8 @@
         </p:nvSpPr>
         <p:spPr>
           <a:xfrm>
-            <a:off x="0" y="584661"/>
-            <a:ext cx="12192000" cy="6001643"/>
+            <a:off x="0" y="489125"/>
+            <a:ext cx="12192000" cy="5632311"/>
           </a:xfrm>
           <a:prstGeom prst="rect">
             <a:avLst/>
@@ -3434,66 +3445,66 @@
           <a:p>
             <a:pPr algn="ctr"/>
             <a:r>
-              <a:rPr lang="en-GB" sz="9600" b="1" dirty="0" err="1" smtClean="0">
+              <a:rPr lang="en-GB" sz="7200" b="1" dirty="0" err="1" smtClean="0">
                 <a:latin typeface="Apache" pitchFamily="2" charset="0"/>
               </a:rPr>
               <a:t>Safononoka</a:t>
             </a:r>
             <a:r>
-              <a:rPr lang="en-GB" sz="9600" b="1" dirty="0" smtClean="0">
-                <a:latin typeface="Apache" pitchFamily="2" charset="0"/>
-              </a:rPr>
-              <a:t> </a:t>
-            </a:r>
-            <a:r>
-              <a:rPr lang="en-GB" sz="9600" b="1" dirty="0" err="1" smtClean="0">
+              <a:rPr lang="en-GB" sz="7200" b="1" dirty="0" smtClean="0">
+                <a:latin typeface="Apache" pitchFamily="2" charset="0"/>
+              </a:rPr>
+              <a:t> </a:t>
+            </a:r>
+            <a:r>
+              <a:rPr lang="en-GB" sz="7200" b="1" dirty="0" err="1" smtClean="0">
                 <a:latin typeface="Apache" pitchFamily="2" charset="0"/>
               </a:rPr>
               <a:t>tantely</a:t>
             </a:r>
-            <a:endParaRPr lang="fr-FR" sz="9600" b="1" dirty="0">
+            <a:endParaRPr lang="fr-FR" sz="7200" b="1" dirty="0">
               <a:latin typeface="Apache" pitchFamily="2" charset="0"/>
             </a:endParaRPr>
           </a:p>
           <a:p>
             <a:pPr algn="ctr"/>
             <a:r>
-              <a:rPr lang="en-GB" sz="9600" b="1" dirty="0" smtClean="0">
-                <a:latin typeface="Apache" pitchFamily="2" charset="0"/>
-              </a:rPr>
-              <a:t> </a:t>
-            </a:r>
-            <a:r>
-              <a:rPr lang="en-GB" sz="9600" b="1" dirty="0" err="1" smtClean="0">
+              <a:rPr lang="en-GB" sz="7200" b="1" dirty="0" smtClean="0">
+                <a:latin typeface="Apache" pitchFamily="2" charset="0"/>
+              </a:rPr>
+              <a:t> </a:t>
+            </a:r>
+            <a:r>
+              <a:rPr lang="en-GB" sz="7200" b="1" dirty="0" err="1" smtClean="0">
                 <a:latin typeface="Apache" pitchFamily="2" charset="0"/>
               </a:rPr>
               <a:t>Ny</a:t>
             </a:r>
             <a:r>
-              <a:rPr lang="en-GB" sz="9600" b="1" dirty="0" smtClean="0">
-                <a:latin typeface="Apache" pitchFamily="2" charset="0"/>
-              </a:rPr>
-              <a:t> </a:t>
-            </a:r>
-            <a:r>
-              <a:rPr lang="en-GB" sz="9600" b="1" dirty="0" err="1">
+              <a:rPr lang="en-GB" sz="7200" b="1" dirty="0" smtClean="0">
+                <a:latin typeface="Apache" pitchFamily="2" charset="0"/>
+              </a:rPr>
+              <a:t> </a:t>
+            </a:r>
+            <a:r>
+              <a:rPr lang="en-GB" sz="7200" b="1" dirty="0" err="1">
                 <a:latin typeface="Apache" pitchFamily="2" charset="0"/>
               </a:rPr>
               <a:t>kapoakako</a:t>
             </a:r>
             <a:r>
-              <a:rPr lang="en-GB" sz="9600" b="1" dirty="0">
-                <a:latin typeface="Apache" pitchFamily="2" charset="0"/>
-              </a:rPr>
-              <a:t> </a:t>
-            </a:r>
-            <a:r>
-              <a:rPr lang="en-GB" sz="9600" b="1" dirty="0" err="1">
+              <a:rPr lang="en-GB" sz="7200" b="1" dirty="0">
+                <a:latin typeface="Apache" pitchFamily="2" charset="0"/>
+              </a:rPr>
+              <a:t> </a:t>
+            </a:r>
+            <a:r>
+              <a:rPr lang="en-GB" sz="7200" b="1" dirty="0" err="1">
                 <a:latin typeface="Apache" pitchFamily="2" charset="0"/>
               </a:rPr>
               <a:t>namboariny</a:t>
             </a:r>
-            <a:endParaRPr lang="fr-FR" sz="9600" b="1" dirty="0" smtClean="0">
+            <a:endParaRPr lang="fr-FR" sz="7200" b="1" dirty="0" smtClean="0">
               <a:effectLst/>
               <a:latin typeface="Apache" pitchFamily="2" charset="0"/>
             </a:endParaRPr>
@@ -3501,67 +3512,67 @@
           <a:p>
             <a:pPr algn="ctr"/>
             <a:r>
-              <a:rPr lang="en-GB" sz="9600" b="1" dirty="0" err="1" smtClean="0">
+              <a:rPr lang="en-GB" sz="7200" b="1" dirty="0" err="1" smtClean="0">
                 <a:latin typeface="Apache" pitchFamily="2" charset="0"/>
               </a:rPr>
               <a:t>Fahasoavana</a:t>
             </a:r>
             <a:r>
-              <a:rPr lang="en-GB" sz="9600" b="1" dirty="0" smtClean="0">
-                <a:latin typeface="Apache" pitchFamily="2" charset="0"/>
-              </a:rPr>
-              <a:t> </a:t>
-            </a:r>
-            <a:r>
-              <a:rPr lang="en-GB" sz="9600" b="1" dirty="0">
+              <a:rPr lang="en-GB" sz="7200" b="1" dirty="0" smtClean="0">
+                <a:latin typeface="Apache" pitchFamily="2" charset="0"/>
+              </a:rPr>
+              <a:t> </a:t>
+            </a:r>
+            <a:r>
+              <a:rPr lang="en-GB" sz="7200" b="1" dirty="0">
                 <a:latin typeface="Apache" pitchFamily="2" charset="0"/>
               </a:rPr>
               <a:t>no </a:t>
             </a:r>
             <a:r>
-              <a:rPr lang="en-GB" sz="9600" b="1" dirty="0" err="1" smtClean="0">
+              <a:rPr lang="en-GB" sz="7200" b="1" dirty="0" err="1" smtClean="0">
                 <a:latin typeface="Apache" pitchFamily="2" charset="0"/>
               </a:rPr>
               <a:t>sisa</a:t>
             </a:r>
             <a:r>
-              <a:rPr lang="en-GB" sz="9600" b="1" dirty="0" smtClean="0">
+              <a:rPr lang="en-GB" sz="7200" b="1" dirty="0" smtClean="0">
                 <a:latin typeface="Apache" pitchFamily="2" charset="0"/>
               </a:rPr>
               <a:t>, </a:t>
             </a:r>
             <a:r>
-              <a:rPr lang="en-GB" sz="9600" b="1" dirty="0" err="1" smtClean="0">
+              <a:rPr lang="en-GB" sz="7200" b="1" dirty="0" err="1" smtClean="0">
                 <a:latin typeface="Apache" pitchFamily="2" charset="0"/>
               </a:rPr>
               <a:t>afaka</a:t>
             </a:r>
             <a:r>
-              <a:rPr lang="en-GB" sz="9600" b="1" dirty="0" smtClean="0">
-                <a:latin typeface="Apache" pitchFamily="2" charset="0"/>
-              </a:rPr>
-              <a:t> </a:t>
-            </a:r>
-            <a:r>
-              <a:rPr lang="en-GB" sz="9600" b="1" dirty="0" err="1" smtClean="0">
+              <a:rPr lang="en-GB" sz="7200" b="1" dirty="0" smtClean="0">
+                <a:latin typeface="Apache" pitchFamily="2" charset="0"/>
+              </a:rPr>
+              <a:t> </a:t>
+            </a:r>
+            <a:r>
+              <a:rPr lang="en-GB" sz="7200" b="1" dirty="0" err="1" smtClean="0">
                 <a:latin typeface="Apache" pitchFamily="2" charset="0"/>
               </a:rPr>
               <a:t>ahiahy</a:t>
             </a:r>
-            <a:endParaRPr lang="fr-FR" sz="9600" b="1" dirty="0">
+            <a:endParaRPr lang="fr-FR" sz="7200" b="1" dirty="0">
               <a:latin typeface="Apache" pitchFamily="2" charset="0"/>
             </a:endParaRPr>
           </a:p>
           <a:p>
             <a:pPr algn="ctr"/>
             <a:r>
-              <a:rPr lang="en-GB" sz="9600" b="1" dirty="0" smtClean="0">
+              <a:rPr lang="en-GB" sz="7200" b="1" dirty="0" smtClean="0">
                 <a:latin typeface="Apache" pitchFamily="2" charset="0"/>
               </a:rPr>
               <a:t>  </a:t>
             </a:r>
             <a:r>
-              <a:rPr lang="en-GB" sz="9600" b="1" i="1" dirty="0" smtClean="0">
+              <a:rPr lang="en-GB" sz="7200" b="1" i="1" dirty="0" smtClean="0">
                 <a:solidFill>
                   <a:schemeClr val="accent6">
                     <a:lumMod val="75000"/>
@@ -3571,7 +3582,7 @@
               <a:t>(</a:t>
             </a:r>
             <a:r>
-              <a:rPr lang="en-GB" sz="9600" b="1" i="1" dirty="0" err="1">
+              <a:rPr lang="en-GB" sz="7200" b="1" i="1" dirty="0" err="1">
                 <a:solidFill>
                   <a:schemeClr val="accent6">
                     <a:lumMod val="75000"/>
@@ -3581,7 +3592,7 @@
               <a:t>Afaka</a:t>
             </a:r>
             <a:r>
-              <a:rPr lang="en-GB" sz="9600" b="1" i="1" dirty="0">
+              <a:rPr lang="en-GB" sz="7200" b="1" i="1" dirty="0">
                 <a:solidFill>
                   <a:schemeClr val="accent6">
                     <a:lumMod val="75000"/>
@@ -3591,7 +3602,7 @@
               <a:t> </a:t>
             </a:r>
             <a:r>
-              <a:rPr lang="en-GB" sz="9600" b="1" i="1" dirty="0" err="1">
+              <a:rPr lang="en-GB" sz="7200" b="1" i="1" dirty="0" err="1">
                 <a:solidFill>
                   <a:schemeClr val="accent6">
                     <a:lumMod val="75000"/>
@@ -3601,7 +3612,7 @@
               <a:t>ahiahy</a:t>
             </a:r>
             <a:r>
-              <a:rPr lang="en-GB" sz="9600" b="1" i="1" dirty="0" smtClean="0">
+              <a:rPr lang="en-GB" sz="7200" b="1" i="1" dirty="0" smtClean="0">
                 <a:solidFill>
                   <a:schemeClr val="accent6">
                     <a:lumMod val="75000"/>
@@ -3610,7 +3621,7 @@
               </a:rPr>
               <a:t>).</a:t>
             </a:r>
-            <a:endParaRPr lang="fr-FR" sz="9600" b="1" i="1" dirty="0">
+            <a:endParaRPr lang="fr-FR" sz="7200" b="1" i="1" dirty="0">
               <a:solidFill>
                 <a:schemeClr val="accent6">
                   <a:lumMod val="75000"/>
@@ -3665,12 +3676,13 @@
         </p:nvSpPr>
         <p:spPr>
           <a:xfrm>
-            <a:off x="0" y="235527"/>
-            <a:ext cx="12298680" cy="6001643"/>
+            <a:off x="-13648" y="368405"/>
+            <a:ext cx="12298680" cy="5632311"/>
           </a:xfrm>
           <a:prstGeom prst="rect">
             <a:avLst/>
           </a:prstGeom>
+          <a:noFill/>
         </p:spPr>
         <p:style>
           <a:lnRef idx="0">
@@ -3692,299 +3704,429 @@
           <a:p>
             <a:pPr algn="ctr"/>
             <a:r>
-              <a:rPr lang="en-GB" sz="9600" b="1" dirty="0" err="1" smtClean="0">
-                <a:solidFill>
-                  <a:schemeClr val="accent4"/>
-                </a:solidFill>
+              <a:rPr lang="en-GB" sz="7200" b="1" dirty="0" err="1" smtClean="0">
+                <a:effectLst>
+                  <a:outerShdw blurRad="38100" dist="38100" dir="2700000" algn="tl">
+                    <a:srgbClr val="000000">
+                      <a:alpha val="43137"/>
+                    </a:srgbClr>
+                  </a:outerShdw>
+                </a:effectLst>
                 <a:latin typeface="Apache" pitchFamily="2" charset="0"/>
               </a:rPr>
               <a:t>Raha</a:t>
             </a:r>
             <a:r>
-              <a:rPr lang="en-GB" sz="9600" b="1" dirty="0" smtClean="0">
-                <a:solidFill>
-                  <a:schemeClr val="accent4"/>
-                </a:solidFill>
-                <a:latin typeface="Apache" pitchFamily="2" charset="0"/>
-              </a:rPr>
-              <a:t> </a:t>
-            </a:r>
-            <a:r>
-              <a:rPr lang="en-GB" sz="9600" b="1" dirty="0">
-                <a:solidFill>
-                  <a:schemeClr val="accent4"/>
-                </a:solidFill>
+              <a:rPr lang="en-GB" sz="7200" b="1" dirty="0" smtClean="0">
+                <a:effectLst>
+                  <a:outerShdw blurRad="38100" dist="38100" dir="2700000" algn="tl">
+                    <a:srgbClr val="000000">
+                      <a:alpha val="43137"/>
+                    </a:srgbClr>
+                  </a:outerShdw>
+                </a:effectLst>
+                <a:latin typeface="Apache" pitchFamily="2" charset="0"/>
+              </a:rPr>
+              <a:t> </a:t>
+            </a:r>
+            <a:r>
+              <a:rPr lang="en-GB" sz="7200" b="1" dirty="0">
+                <a:effectLst>
+                  <a:outerShdw blurRad="38100" dist="38100" dir="2700000" algn="tl">
+                    <a:srgbClr val="000000">
+                      <a:alpha val="43137"/>
+                    </a:srgbClr>
+                  </a:outerShdw>
+                </a:effectLst>
                 <a:latin typeface="Apache" pitchFamily="2" charset="0"/>
               </a:rPr>
               <a:t>Jehovah no </a:t>
             </a:r>
             <a:r>
-              <a:rPr lang="en-GB" sz="9600" b="1" dirty="0" err="1" smtClean="0">
-                <a:solidFill>
-                  <a:schemeClr val="accent4"/>
-                </a:solidFill>
+              <a:rPr lang="en-GB" sz="7200" b="1" dirty="0" err="1" smtClean="0">
+                <a:effectLst>
+                  <a:outerShdw blurRad="38100" dist="38100" dir="2700000" algn="tl">
+                    <a:srgbClr val="000000">
+                      <a:alpha val="43137"/>
+                    </a:srgbClr>
+                  </a:outerShdw>
+                </a:effectLst>
                 <a:latin typeface="Apache" pitchFamily="2" charset="0"/>
               </a:rPr>
               <a:t>mpiandry</a:t>
             </a:r>
-            <a:endParaRPr lang="fr-FR" sz="9600" b="1" dirty="0">
-              <a:solidFill>
-                <a:schemeClr val="accent4"/>
-              </a:solidFill>
+            <a:endParaRPr lang="fr-FR" sz="7200" b="1" dirty="0">
+              <a:effectLst>
+                <a:outerShdw blurRad="38100" dist="38100" dir="2700000" algn="tl">
+                  <a:srgbClr val="000000">
+                    <a:alpha val="43137"/>
+                  </a:srgbClr>
+                </a:outerShdw>
+              </a:effectLst>
               <a:latin typeface="Apache" pitchFamily="2" charset="0"/>
             </a:endParaRPr>
           </a:p>
           <a:p>
             <a:pPr algn="ctr"/>
             <a:r>
-              <a:rPr lang="en-GB" sz="9600" b="1" dirty="0" smtClean="0">
-                <a:solidFill>
-                  <a:schemeClr val="accent4"/>
-                </a:solidFill>
-                <a:latin typeface="Apache" pitchFamily="2" charset="0"/>
-              </a:rPr>
-              <a:t> </a:t>
-            </a:r>
-            <a:r>
-              <a:rPr lang="en-GB" sz="9600" b="1" dirty="0" err="1">
-                <a:solidFill>
-                  <a:schemeClr val="accent4"/>
-                </a:solidFill>
+              <a:rPr lang="en-GB" sz="7200" b="1" dirty="0" smtClean="0">
+                <a:effectLst>
+                  <a:outerShdw blurRad="38100" dist="38100" dir="2700000" algn="tl">
+                    <a:srgbClr val="000000">
+                      <a:alpha val="43137"/>
+                    </a:srgbClr>
+                  </a:outerShdw>
+                </a:effectLst>
+                <a:latin typeface="Apache" pitchFamily="2" charset="0"/>
+              </a:rPr>
+              <a:t> </a:t>
+            </a:r>
+            <a:r>
+              <a:rPr lang="en-GB" sz="7200" b="1" dirty="0" err="1">
+                <a:effectLst>
+                  <a:outerShdw blurRad="38100" dist="38100" dir="2700000" algn="tl">
+                    <a:srgbClr val="000000">
+                      <a:alpha val="43137"/>
+                    </a:srgbClr>
+                  </a:outerShdw>
+                </a:effectLst>
                 <a:latin typeface="Apache" pitchFamily="2" charset="0"/>
               </a:rPr>
               <a:t>Tsy</a:t>
             </a:r>
             <a:r>
-              <a:rPr lang="en-GB" sz="9600" b="1" dirty="0">
-                <a:solidFill>
-                  <a:schemeClr val="accent4"/>
-                </a:solidFill>
-                <a:latin typeface="Apache" pitchFamily="2" charset="0"/>
-              </a:rPr>
-              <a:t> </a:t>
-            </a:r>
-            <a:r>
-              <a:rPr lang="en-GB" sz="9600" b="1" dirty="0" err="1">
-                <a:solidFill>
-                  <a:schemeClr val="accent4"/>
-                </a:solidFill>
+              <a:rPr lang="en-GB" sz="7200" b="1" dirty="0">
+                <a:effectLst>
+                  <a:outerShdw blurRad="38100" dist="38100" dir="2700000" algn="tl">
+                    <a:srgbClr val="000000">
+                      <a:alpha val="43137"/>
+                    </a:srgbClr>
+                  </a:outerShdw>
+                </a:effectLst>
+                <a:latin typeface="Apache" pitchFamily="2" charset="0"/>
+              </a:rPr>
+              <a:t> </a:t>
+            </a:r>
+            <a:r>
+              <a:rPr lang="en-GB" sz="7200" b="1" dirty="0" err="1">
+                <a:effectLst>
+                  <a:outerShdw blurRad="38100" dist="38100" dir="2700000" algn="tl">
+                    <a:srgbClr val="000000">
+                      <a:alpha val="43137"/>
+                    </a:srgbClr>
+                  </a:outerShdw>
+                </a:effectLst>
                 <a:latin typeface="Apache" pitchFamily="2" charset="0"/>
               </a:rPr>
               <a:t>mba</a:t>
             </a:r>
             <a:r>
-              <a:rPr lang="en-GB" sz="9600" b="1" dirty="0">
-                <a:solidFill>
-                  <a:schemeClr val="accent4"/>
-                </a:solidFill>
-                <a:latin typeface="Apache" pitchFamily="2" charset="0"/>
-              </a:rPr>
-              <a:t> </a:t>
-            </a:r>
-            <a:r>
-              <a:rPr lang="en-GB" sz="9600" b="1" dirty="0" err="1">
-                <a:solidFill>
-                  <a:schemeClr val="accent4"/>
-                </a:solidFill>
+              <a:rPr lang="en-GB" sz="7200" b="1" dirty="0">
+                <a:effectLst>
+                  <a:outerShdw blurRad="38100" dist="38100" dir="2700000" algn="tl">
+                    <a:srgbClr val="000000">
+                      <a:alpha val="43137"/>
+                    </a:srgbClr>
+                  </a:outerShdw>
+                </a:effectLst>
+                <a:latin typeface="Apache" pitchFamily="2" charset="0"/>
+              </a:rPr>
+              <a:t> </a:t>
+            </a:r>
+            <a:r>
+              <a:rPr lang="en-GB" sz="7200" b="1" dirty="0" err="1">
+                <a:effectLst>
+                  <a:outerShdw blurRad="38100" dist="38100" dir="2700000" algn="tl">
+                    <a:srgbClr val="000000">
+                      <a:alpha val="43137"/>
+                    </a:srgbClr>
+                  </a:outerShdw>
+                </a:effectLst>
                 <a:latin typeface="Apache" pitchFamily="2" charset="0"/>
               </a:rPr>
               <a:t>hisy</a:t>
             </a:r>
             <a:r>
-              <a:rPr lang="en-GB" sz="9600" b="1" dirty="0">
-                <a:solidFill>
-                  <a:schemeClr val="accent4"/>
-                </a:solidFill>
-                <a:latin typeface="Apache" pitchFamily="2" charset="0"/>
-              </a:rPr>
-              <a:t> </a:t>
-            </a:r>
-            <a:r>
-              <a:rPr lang="en-GB" sz="9600" b="1" dirty="0" err="1" smtClean="0">
-                <a:solidFill>
-                  <a:schemeClr val="accent4"/>
-                </a:solidFill>
+              <a:rPr lang="en-GB" sz="7200" b="1" dirty="0">
+                <a:effectLst>
+                  <a:outerShdw blurRad="38100" dist="38100" dir="2700000" algn="tl">
+                    <a:srgbClr val="000000">
+                      <a:alpha val="43137"/>
+                    </a:srgbClr>
+                  </a:outerShdw>
+                </a:effectLst>
+                <a:latin typeface="Apache" pitchFamily="2" charset="0"/>
+              </a:rPr>
+              <a:t> </a:t>
+            </a:r>
+            <a:r>
+              <a:rPr lang="en-GB" sz="7200" b="1" dirty="0" err="1" smtClean="0">
+                <a:effectLst>
+                  <a:outerShdw blurRad="38100" dist="38100" dir="2700000" algn="tl">
+                    <a:srgbClr val="000000">
+                      <a:alpha val="43137"/>
+                    </a:srgbClr>
+                  </a:outerShdw>
+                </a:effectLst>
                 <a:latin typeface="Apache" pitchFamily="2" charset="0"/>
               </a:rPr>
               <a:t>izay</a:t>
             </a:r>
             <a:r>
-              <a:rPr lang="en-GB" sz="9600" b="1" dirty="0" smtClean="0">
-                <a:solidFill>
-                  <a:schemeClr val="accent4"/>
-                </a:solidFill>
-                <a:latin typeface="Apache" pitchFamily="2" charset="0"/>
-              </a:rPr>
-              <a:t> </a:t>
-            </a:r>
-            <a:r>
-              <a:rPr lang="en-GB" sz="9600" b="1" dirty="0" err="1">
-                <a:solidFill>
-                  <a:schemeClr val="accent4"/>
-                </a:solidFill>
+              <a:rPr lang="en-GB" sz="7200" b="1" dirty="0" smtClean="0">
+                <a:effectLst>
+                  <a:outerShdw blurRad="38100" dist="38100" dir="2700000" algn="tl">
+                    <a:srgbClr val="000000">
+                      <a:alpha val="43137"/>
+                    </a:srgbClr>
+                  </a:outerShdw>
+                </a:effectLst>
+                <a:latin typeface="Apache" pitchFamily="2" charset="0"/>
+              </a:rPr>
+              <a:t> </a:t>
+            </a:r>
+            <a:r>
+              <a:rPr lang="en-GB" sz="7200" b="1" dirty="0" err="1">
+                <a:effectLst>
+                  <a:outerShdw blurRad="38100" dist="38100" dir="2700000" algn="tl">
+                    <a:srgbClr val="000000">
+                      <a:alpha val="43137"/>
+                    </a:srgbClr>
+                  </a:outerShdw>
+                </a:effectLst>
                 <a:latin typeface="Apache" pitchFamily="2" charset="0"/>
               </a:rPr>
               <a:t>m</a:t>
             </a:r>
             <a:r>
-              <a:rPr lang="en-GB" sz="9600" b="1" dirty="0" err="1" smtClean="0">
-                <a:solidFill>
-                  <a:schemeClr val="accent4"/>
-                </a:solidFill>
+              <a:rPr lang="en-GB" sz="7200" b="1" dirty="0" err="1" smtClean="0">
+                <a:effectLst>
+                  <a:outerShdw blurRad="38100" dist="38100" dir="2700000" algn="tl">
+                    <a:srgbClr val="000000">
+                      <a:alpha val="43137"/>
+                    </a:srgbClr>
+                  </a:outerShdw>
+                </a:effectLst>
                 <a:latin typeface="Apache" pitchFamily="2" charset="0"/>
               </a:rPr>
               <a:t>ampahory</a:t>
             </a:r>
             <a:r>
-              <a:rPr lang="en-GB" sz="9600" b="1" dirty="0">
-                <a:solidFill>
-                  <a:schemeClr val="accent4"/>
-                </a:solidFill>
+              <a:rPr lang="en-GB" sz="7200" b="1" dirty="0">
+                <a:effectLst>
+                  <a:outerShdw blurRad="38100" dist="38100" dir="2700000" algn="tl">
+                    <a:srgbClr val="000000">
+                      <a:alpha val="43137"/>
+                    </a:srgbClr>
+                  </a:outerShdw>
+                </a:effectLst>
                 <a:latin typeface="Apache" pitchFamily="2" charset="0"/>
               </a:rPr>
               <a:t>,</a:t>
             </a:r>
-            <a:endParaRPr lang="fr-FR" sz="9600" b="1" dirty="0" smtClean="0">
-              <a:solidFill>
-                <a:schemeClr val="accent4"/>
-              </a:solidFill>
-              <a:effectLst/>
+            <a:endParaRPr lang="fr-FR" sz="7200" b="1" dirty="0" smtClean="0">
+              <a:effectLst>
+                <a:outerShdw blurRad="38100" dist="38100" dir="2700000" algn="tl">
+                  <a:srgbClr val="000000">
+                    <a:alpha val="43137"/>
+                  </a:srgbClr>
+                </a:outerShdw>
+              </a:effectLst>
               <a:latin typeface="Apache" pitchFamily="2" charset="0"/>
             </a:endParaRPr>
           </a:p>
           <a:p>
             <a:pPr algn="ctr"/>
             <a:r>
-              <a:rPr lang="en-GB" sz="9600" b="1" dirty="0">
-                <a:solidFill>
-                  <a:schemeClr val="accent4"/>
-                </a:solidFill>
-                <a:latin typeface="Apache" pitchFamily="2" charset="0"/>
-              </a:rPr>
-              <a:t> </a:t>
-            </a:r>
-            <a:r>
-              <a:rPr lang="en-GB" sz="9600" b="1" dirty="0" err="1" smtClean="0">
-                <a:solidFill>
-                  <a:schemeClr val="accent4"/>
-                </a:solidFill>
+              <a:rPr lang="en-GB" sz="7200" b="1" dirty="0">
+                <a:effectLst>
+                  <a:outerShdw blurRad="38100" dist="38100" dir="2700000" algn="tl">
+                    <a:srgbClr val="000000">
+                      <a:alpha val="43137"/>
+                    </a:srgbClr>
+                  </a:outerShdw>
+                </a:effectLst>
+                <a:latin typeface="Apache" pitchFamily="2" charset="0"/>
+              </a:rPr>
+              <a:t> </a:t>
+            </a:r>
+            <a:r>
+              <a:rPr lang="en-GB" sz="7200" b="1" dirty="0" err="1" smtClean="0">
+                <a:effectLst>
+                  <a:outerShdw blurRad="38100" dist="38100" dir="2700000" algn="tl">
+                    <a:srgbClr val="000000">
+                      <a:alpha val="43137"/>
+                    </a:srgbClr>
+                  </a:outerShdw>
+                </a:effectLst>
                 <a:latin typeface="Apache" pitchFamily="2" charset="0"/>
               </a:rPr>
               <a:t>Ahimaintso</a:t>
             </a:r>
             <a:r>
-              <a:rPr lang="en-GB" sz="9600" b="1" dirty="0" smtClean="0">
-                <a:solidFill>
-                  <a:schemeClr val="accent4"/>
-                </a:solidFill>
-                <a:latin typeface="Apache" pitchFamily="2" charset="0"/>
-              </a:rPr>
-              <a:t> </a:t>
-            </a:r>
-            <a:r>
-              <a:rPr lang="en-GB" sz="9600" b="1" dirty="0">
-                <a:solidFill>
-                  <a:schemeClr val="accent4"/>
-                </a:solidFill>
+              <a:rPr lang="en-GB" sz="7200" b="1" dirty="0" smtClean="0">
+                <a:effectLst>
+                  <a:outerShdw blurRad="38100" dist="38100" dir="2700000" algn="tl">
+                    <a:srgbClr val="000000">
+                      <a:alpha val="43137"/>
+                    </a:srgbClr>
+                  </a:outerShdw>
+                </a:effectLst>
+                <a:latin typeface="Apache" pitchFamily="2" charset="0"/>
+              </a:rPr>
+              <a:t> </a:t>
+            </a:r>
+            <a:r>
+              <a:rPr lang="en-GB" sz="7200" b="1" dirty="0">
+                <a:effectLst>
+                  <a:outerShdw blurRad="38100" dist="38100" dir="2700000" algn="tl">
+                    <a:srgbClr val="000000">
+                      <a:alpha val="43137"/>
+                    </a:srgbClr>
+                  </a:outerShdw>
+                </a:effectLst>
                 <a:latin typeface="Apache" pitchFamily="2" charset="0"/>
               </a:rPr>
               <a:t>no </a:t>
             </a:r>
             <a:r>
-              <a:rPr lang="en-GB" sz="9600" b="1" dirty="0" err="1">
-                <a:solidFill>
-                  <a:schemeClr val="accent4"/>
-                </a:solidFill>
+              <a:rPr lang="en-GB" sz="7200" b="1" dirty="0" err="1">
+                <a:effectLst>
+                  <a:outerShdw blurRad="38100" dist="38100" dir="2700000" algn="tl">
+                    <a:srgbClr val="000000">
+                      <a:alpha val="43137"/>
+                    </a:srgbClr>
+                  </a:outerShdw>
+                </a:effectLst>
                 <a:latin typeface="Apache" pitchFamily="2" charset="0"/>
               </a:rPr>
               <a:t>handriako</a:t>
             </a:r>
-            <a:endParaRPr lang="fr-FR" sz="9600" b="1" dirty="0" smtClean="0">
-              <a:solidFill>
-                <a:schemeClr val="accent4"/>
-              </a:solidFill>
-              <a:effectLst/>
+            <a:endParaRPr lang="fr-FR" sz="7200" b="1" dirty="0" smtClean="0">
+              <a:effectLst>
+                <a:outerShdw blurRad="38100" dist="38100" dir="2700000" algn="tl">
+                  <a:srgbClr val="000000">
+                    <a:alpha val="43137"/>
+                  </a:srgbClr>
+                </a:outerShdw>
+              </a:effectLst>
               <a:latin typeface="Apache" pitchFamily="2" charset="0"/>
             </a:endParaRPr>
           </a:p>
           <a:p>
             <a:pPr algn="ctr"/>
             <a:r>
-              <a:rPr lang="en-GB" sz="9600" b="1" dirty="0">
-                <a:solidFill>
-                  <a:schemeClr val="accent4"/>
-                </a:solidFill>
+              <a:rPr lang="en-GB" sz="7200" b="1" dirty="0">
+                <a:effectLst>
+                  <a:outerShdw blurRad="38100" dist="38100" dir="2700000" algn="tl">
+                    <a:srgbClr val="000000">
+                      <a:alpha val="43137"/>
+                    </a:srgbClr>
+                  </a:outerShdw>
+                </a:effectLst>
                 <a:latin typeface="Apache" pitchFamily="2" charset="0"/>
               </a:rPr>
               <a:t>  </a:t>
             </a:r>
             <a:r>
-              <a:rPr lang="en-GB" sz="9600" b="1" dirty="0" smtClean="0">
-                <a:solidFill>
-                  <a:schemeClr val="accent4"/>
-                </a:solidFill>
-                <a:latin typeface="Apache" pitchFamily="2" charset="0"/>
-              </a:rPr>
-              <a:t> </a:t>
-            </a:r>
-            <a:r>
-              <a:rPr lang="en-GB" sz="9600" b="1" dirty="0" err="1" smtClean="0">
-                <a:solidFill>
-                  <a:schemeClr val="accent4"/>
-                </a:solidFill>
+              <a:rPr lang="en-GB" sz="7200" b="1" dirty="0" smtClean="0">
+                <a:effectLst>
+                  <a:outerShdw blurRad="38100" dist="38100" dir="2700000" algn="tl">
+                    <a:srgbClr val="000000">
+                      <a:alpha val="43137"/>
+                    </a:srgbClr>
+                  </a:outerShdw>
+                </a:effectLst>
+                <a:latin typeface="Apache" pitchFamily="2" charset="0"/>
+              </a:rPr>
+              <a:t> </a:t>
+            </a:r>
+            <a:r>
+              <a:rPr lang="en-GB" sz="7200" b="1" dirty="0" err="1" smtClean="0">
+                <a:effectLst>
+                  <a:outerShdw blurRad="38100" dist="38100" dir="2700000" algn="tl">
+                    <a:srgbClr val="000000">
+                      <a:alpha val="43137"/>
+                    </a:srgbClr>
+                  </a:outerShdw>
+                </a:effectLst>
                 <a:latin typeface="Apache" pitchFamily="2" charset="0"/>
               </a:rPr>
               <a:t>Ranon’aina</a:t>
             </a:r>
             <a:r>
-              <a:rPr lang="en-GB" sz="9600" b="1" dirty="0" smtClean="0">
-                <a:solidFill>
-                  <a:schemeClr val="accent4"/>
-                </a:solidFill>
-                <a:latin typeface="Apache" pitchFamily="2" charset="0"/>
-              </a:rPr>
-              <a:t> </a:t>
-            </a:r>
-            <a:r>
-              <a:rPr lang="en-GB" sz="9600" b="1" dirty="0" err="1">
-                <a:solidFill>
-                  <a:schemeClr val="accent4"/>
-                </a:solidFill>
+              <a:rPr lang="en-GB" sz="7200" b="1" dirty="0" smtClean="0">
+                <a:effectLst>
+                  <a:outerShdw blurRad="38100" dist="38100" dir="2700000" algn="tl">
+                    <a:srgbClr val="000000">
+                      <a:alpha val="43137"/>
+                    </a:srgbClr>
+                  </a:outerShdw>
+                </a:effectLst>
+                <a:latin typeface="Apache" pitchFamily="2" charset="0"/>
+              </a:rPr>
+              <a:t> </a:t>
+            </a:r>
+            <a:r>
+              <a:rPr lang="en-GB" sz="7200" b="1" dirty="0" err="1">
+                <a:effectLst>
+                  <a:outerShdw blurRad="38100" dist="38100" dir="2700000" algn="tl">
+                    <a:srgbClr val="000000">
+                      <a:alpha val="43137"/>
+                    </a:srgbClr>
+                  </a:outerShdw>
+                </a:effectLst>
                 <a:latin typeface="Apache" pitchFamily="2" charset="0"/>
               </a:rPr>
               <a:t>ho</a:t>
             </a:r>
             <a:r>
-              <a:rPr lang="en-GB" sz="9600" b="1" dirty="0">
-                <a:solidFill>
-                  <a:schemeClr val="accent4"/>
-                </a:solidFill>
-                <a:latin typeface="Apache" pitchFamily="2" charset="0"/>
-              </a:rPr>
-              <a:t> </a:t>
-            </a:r>
-            <a:r>
-              <a:rPr lang="en-GB" sz="9600" b="1" dirty="0" err="1" smtClean="0">
-                <a:solidFill>
-                  <a:schemeClr val="accent4"/>
-                </a:solidFill>
+              <a:rPr lang="en-GB" sz="7200" b="1" dirty="0">
+                <a:effectLst>
+                  <a:outerShdw blurRad="38100" dist="38100" dir="2700000" algn="tl">
+                    <a:srgbClr val="000000">
+                      <a:alpha val="43137"/>
+                    </a:srgbClr>
+                  </a:outerShdw>
+                </a:effectLst>
+                <a:latin typeface="Apache" pitchFamily="2" charset="0"/>
+              </a:rPr>
+              <a:t> </a:t>
+            </a:r>
+            <a:r>
+              <a:rPr lang="en-GB" sz="7200" b="1" dirty="0" err="1" smtClean="0">
+                <a:effectLst>
+                  <a:outerShdw blurRad="38100" dist="38100" dir="2700000" algn="tl">
+                    <a:srgbClr val="000000">
+                      <a:alpha val="43137"/>
+                    </a:srgbClr>
+                  </a:outerShdw>
+                </a:effectLst>
                 <a:latin typeface="Apache" pitchFamily="2" charset="0"/>
               </a:rPr>
               <a:t>sotroiko</a:t>
             </a:r>
             <a:r>
-              <a:rPr lang="en-GB" sz="9600" b="1" dirty="0" smtClean="0">
-                <a:solidFill>
-                  <a:schemeClr val="accent4"/>
-                </a:solidFill>
-                <a:latin typeface="Apache" pitchFamily="2" charset="0"/>
-              </a:rPr>
-              <a:t> </a:t>
-            </a:r>
-            <a:endParaRPr lang="fr-FR" sz="9600" b="1" dirty="0">
-              <a:solidFill>
-                <a:schemeClr val="accent4"/>
-              </a:solidFill>
+              <a:rPr lang="en-GB" sz="7200" b="1" dirty="0" smtClean="0">
+                <a:effectLst>
+                  <a:outerShdw blurRad="38100" dist="38100" dir="2700000" algn="tl">
+                    <a:srgbClr val="000000">
+                      <a:alpha val="43137"/>
+                    </a:srgbClr>
+                  </a:outerShdw>
+                </a:effectLst>
+                <a:latin typeface="Apache" pitchFamily="2" charset="0"/>
+              </a:rPr>
+              <a:t>   </a:t>
+            </a:r>
+            <a:endParaRPr lang="fr-FR" sz="7200" b="1" dirty="0">
+              <a:effectLst>
+                <a:outerShdw blurRad="38100" dist="38100" dir="2700000" algn="tl">
+                  <a:srgbClr val="000000">
+                    <a:alpha val="43137"/>
+                  </a:srgbClr>
+                </a:outerShdw>
+              </a:effectLst>
               <a:latin typeface="Apache" pitchFamily="2" charset="0"/>
             </a:endParaRPr>
           </a:p>
@@ -3993,7 +4135,7 @@
     </p:spTree>
     <p:extLst>
       <p:ext uri="{BB962C8B-B14F-4D97-AF65-F5344CB8AC3E}">
-        <p14:creationId xmlns:p14="http://schemas.microsoft.com/office/powerpoint/2010/main" val="312847061"/>
+        <p14:creationId xmlns:p14="http://schemas.microsoft.com/office/powerpoint/2010/main" val="2098024306"/>
       </p:ext>
     </p:extLst>
   </p:cSld>
@@ -4035,12 +4177,13 @@
         </p:nvSpPr>
         <p:spPr>
           <a:xfrm>
-            <a:off x="0" y="346363"/>
-            <a:ext cx="12192000" cy="6001643"/>
+            <a:off x="0" y="81888"/>
+            <a:ext cx="12192000" cy="6562630"/>
           </a:xfrm>
           <a:prstGeom prst="rect">
             <a:avLst/>
           </a:prstGeom>
+          <a:noFill/>
         </p:spPr>
         <p:style>
           <a:lnRef idx="0">
@@ -4060,302 +4203,457 @@
           </a:bodyPr>
           <a:lstStyle/>
           <a:p>
-            <a:pPr algn="ctr"/>
-            <a:r>
-              <a:rPr lang="en-GB" sz="2800" b="1" dirty="0" smtClean="0"/>
-              <a:t> </a:t>
-            </a:r>
-            <a:r>
-              <a:rPr lang="en-GB" sz="9600" b="1" dirty="0" err="1">
-                <a:solidFill>
-                  <a:schemeClr val="accent4"/>
-                </a:solidFill>
+            <a:pPr algn="ctr">
+              <a:lnSpc>
+                <a:spcPct val="150000"/>
+              </a:lnSpc>
+            </a:pPr>
+            <a:r>
+              <a:rPr lang="en-GB" b="1" dirty="0" smtClean="0">
+                <a:effectLst>
+                  <a:outerShdw blurRad="38100" dist="38100" dir="2700000" algn="tl">
+                    <a:srgbClr val="000000">
+                      <a:alpha val="43137"/>
+                    </a:srgbClr>
+                  </a:outerShdw>
+                </a:effectLst>
+              </a:rPr>
+              <a:t> </a:t>
+            </a:r>
+            <a:r>
+              <a:rPr lang="en-GB" sz="7200" b="1" dirty="0" err="1">
+                <a:effectLst>
+                  <a:outerShdw blurRad="38100" dist="38100" dir="2700000" algn="tl">
+                    <a:srgbClr val="000000">
+                      <a:alpha val="43137"/>
+                    </a:srgbClr>
+                  </a:outerShdw>
+                </a:effectLst>
                 <a:latin typeface="Apache" pitchFamily="2" charset="0"/>
               </a:rPr>
               <a:t>Ny</a:t>
             </a:r>
             <a:r>
-              <a:rPr lang="en-GB" sz="9600" b="1" dirty="0">
-                <a:solidFill>
-                  <a:schemeClr val="accent4"/>
-                </a:solidFill>
-                <a:latin typeface="Apache" pitchFamily="2" charset="0"/>
-              </a:rPr>
-              <a:t> </a:t>
-            </a:r>
-            <a:r>
-              <a:rPr lang="en-GB" sz="9600" b="1" dirty="0" err="1">
-                <a:solidFill>
-                  <a:schemeClr val="accent4"/>
-                </a:solidFill>
+              <a:rPr lang="en-GB" sz="7200" b="1" dirty="0">
+                <a:effectLst>
+                  <a:outerShdw blurRad="38100" dist="38100" dir="2700000" algn="tl">
+                    <a:srgbClr val="000000">
+                      <a:alpha val="43137"/>
+                    </a:srgbClr>
+                  </a:outerShdw>
+                </a:effectLst>
+                <a:latin typeface="Apache" pitchFamily="2" charset="0"/>
+              </a:rPr>
+              <a:t> </a:t>
+            </a:r>
+            <a:r>
+              <a:rPr lang="en-GB" sz="7200" b="1" dirty="0" err="1">
+                <a:effectLst>
+                  <a:outerShdw blurRad="38100" dist="38100" dir="2700000" algn="tl">
+                    <a:srgbClr val="000000">
+                      <a:alpha val="43137"/>
+                    </a:srgbClr>
+                  </a:outerShdw>
+                </a:effectLst>
                 <a:latin typeface="Apache" pitchFamily="2" charset="0"/>
               </a:rPr>
               <a:t>fanahiko</a:t>
             </a:r>
             <a:r>
-              <a:rPr lang="en-GB" sz="9600" b="1" dirty="0">
-                <a:solidFill>
-                  <a:schemeClr val="accent4"/>
-                </a:solidFill>
-                <a:latin typeface="Apache" pitchFamily="2" charset="0"/>
-              </a:rPr>
-              <a:t> </a:t>
-            </a:r>
-            <a:r>
-              <a:rPr lang="en-GB" sz="9600" b="1" dirty="0" err="1">
-                <a:solidFill>
-                  <a:schemeClr val="accent4"/>
-                </a:solidFill>
+              <a:rPr lang="en-GB" sz="7200" b="1" dirty="0">
+                <a:effectLst>
+                  <a:outerShdw blurRad="38100" dist="38100" dir="2700000" algn="tl">
+                    <a:srgbClr val="000000">
+                      <a:alpha val="43137"/>
+                    </a:srgbClr>
+                  </a:outerShdw>
+                </a:effectLst>
+                <a:latin typeface="Apache" pitchFamily="2" charset="0"/>
+              </a:rPr>
+              <a:t> </a:t>
+            </a:r>
+            <a:r>
+              <a:rPr lang="en-GB" sz="7200" b="1" dirty="0" err="1">
+                <a:effectLst>
+                  <a:outerShdw blurRad="38100" dist="38100" dir="2700000" algn="tl">
+                    <a:srgbClr val="000000">
+                      <a:alpha val="43137"/>
+                    </a:srgbClr>
+                  </a:outerShdw>
+                </a:effectLst>
                 <a:latin typeface="Apache" pitchFamily="2" charset="0"/>
               </a:rPr>
               <a:t>ho</a:t>
             </a:r>
             <a:r>
-              <a:rPr lang="en-GB" sz="9600" b="1" dirty="0">
-                <a:solidFill>
-                  <a:schemeClr val="accent4"/>
-                </a:solidFill>
-                <a:latin typeface="Apache" pitchFamily="2" charset="0"/>
-              </a:rPr>
-              <a:t> </a:t>
-            </a:r>
-            <a:r>
-              <a:rPr lang="en-GB" sz="9600" b="1" dirty="0" err="1">
-                <a:solidFill>
-                  <a:schemeClr val="accent4"/>
-                </a:solidFill>
+              <a:rPr lang="en-GB" sz="7200" b="1" dirty="0">
+                <a:effectLst>
+                  <a:outerShdw blurRad="38100" dist="38100" dir="2700000" algn="tl">
+                    <a:srgbClr val="000000">
+                      <a:alpha val="43137"/>
+                    </a:srgbClr>
+                  </a:outerShdw>
+                </a:effectLst>
+                <a:latin typeface="Apache" pitchFamily="2" charset="0"/>
+              </a:rPr>
+              <a:t> </a:t>
+            </a:r>
+            <a:r>
+              <a:rPr lang="en-GB" sz="7200" b="1" dirty="0" err="1">
+                <a:effectLst>
+                  <a:outerShdw blurRad="38100" dist="38100" dir="2700000" algn="tl">
+                    <a:srgbClr val="000000">
+                      <a:alpha val="43137"/>
+                    </a:srgbClr>
+                  </a:outerShdw>
+                </a:effectLst>
                 <a:latin typeface="Apache" pitchFamily="2" charset="0"/>
               </a:rPr>
               <a:t>velominy</a:t>
             </a:r>
-            <a:endParaRPr lang="fr-FR" sz="9600" b="1" dirty="0">
-              <a:solidFill>
-                <a:schemeClr val="accent4"/>
-              </a:solidFill>
+            <a:endParaRPr lang="fr-FR" sz="7200" b="1" dirty="0">
+              <a:effectLst>
+                <a:outerShdw blurRad="38100" dist="38100" dir="2700000" algn="tl">
+                  <a:srgbClr val="000000">
+                    <a:alpha val="43137"/>
+                  </a:srgbClr>
+                </a:outerShdw>
+              </a:effectLst>
               <a:latin typeface="Apache" pitchFamily="2" charset="0"/>
             </a:endParaRPr>
           </a:p>
           <a:p>
-            <a:pPr algn="ctr"/>
-            <a:r>
-              <a:rPr lang="en-GB" sz="9600" b="1" dirty="0" err="1">
-                <a:solidFill>
-                  <a:schemeClr val="accent4"/>
-                </a:solidFill>
+            <a:pPr algn="ctr">
+              <a:lnSpc>
+                <a:spcPct val="150000"/>
+              </a:lnSpc>
+            </a:pPr>
+            <a:r>
+              <a:rPr lang="en-GB" sz="7200" b="1" dirty="0" err="1">
+                <a:effectLst>
+                  <a:outerShdw blurRad="38100" dist="38100" dir="2700000" algn="tl">
+                    <a:srgbClr val="000000">
+                      <a:alpha val="43137"/>
+                    </a:srgbClr>
+                  </a:outerShdw>
+                </a:effectLst>
                 <a:latin typeface="Apache" pitchFamily="2" charset="0"/>
               </a:rPr>
               <a:t>Miasa</a:t>
             </a:r>
             <a:r>
-              <a:rPr lang="en-GB" sz="9600" b="1" dirty="0">
-                <a:solidFill>
-                  <a:schemeClr val="accent4"/>
-                </a:solidFill>
-                <a:latin typeface="Apache" pitchFamily="2" charset="0"/>
-              </a:rPr>
-              <a:t> </a:t>
-            </a:r>
-            <a:r>
-              <a:rPr lang="en-GB" sz="9600" b="1" dirty="0" err="1">
-                <a:solidFill>
-                  <a:schemeClr val="accent4"/>
-                </a:solidFill>
+              <a:rPr lang="en-GB" sz="7200" b="1" dirty="0">
+                <a:effectLst>
+                  <a:outerShdw blurRad="38100" dist="38100" dir="2700000" algn="tl">
+                    <a:srgbClr val="000000">
+                      <a:alpha val="43137"/>
+                    </a:srgbClr>
+                  </a:outerShdw>
+                </a:effectLst>
+                <a:latin typeface="Apache" pitchFamily="2" charset="0"/>
+              </a:rPr>
+              <a:t> </a:t>
+            </a:r>
+            <a:r>
+              <a:rPr lang="en-GB" sz="7200" b="1" dirty="0" err="1">
+                <a:effectLst>
+                  <a:outerShdw blurRad="38100" dist="38100" dir="2700000" algn="tl">
+                    <a:srgbClr val="000000">
+                      <a:alpha val="43137"/>
+                    </a:srgbClr>
+                  </a:outerShdw>
+                </a:effectLst>
                 <a:latin typeface="Apache" pitchFamily="2" charset="0"/>
               </a:rPr>
               <a:t>Izy</a:t>
             </a:r>
             <a:r>
-              <a:rPr lang="en-GB" sz="9600" b="1" dirty="0">
-                <a:solidFill>
-                  <a:schemeClr val="accent4"/>
-                </a:solidFill>
-                <a:latin typeface="Apache" pitchFamily="2" charset="0"/>
-              </a:rPr>
-              <a:t> </a:t>
-            </a:r>
-            <a:r>
-              <a:rPr lang="en-GB" sz="9600" b="1" dirty="0" err="1">
-                <a:solidFill>
-                  <a:schemeClr val="accent4"/>
-                </a:solidFill>
+              <a:rPr lang="en-GB" sz="7200" b="1" dirty="0">
+                <a:effectLst>
+                  <a:outerShdw blurRad="38100" dist="38100" dir="2700000" algn="tl">
+                    <a:srgbClr val="000000">
+                      <a:alpha val="43137"/>
+                    </a:srgbClr>
+                  </a:outerShdw>
+                </a:effectLst>
+                <a:latin typeface="Apache" pitchFamily="2" charset="0"/>
+              </a:rPr>
+              <a:t> </a:t>
+            </a:r>
+            <a:r>
+              <a:rPr lang="en-GB" sz="7200" b="1" dirty="0" err="1">
+                <a:effectLst>
+                  <a:outerShdw blurRad="38100" dist="38100" dir="2700000" algn="tl">
+                    <a:srgbClr val="000000">
+                      <a:alpha val="43137"/>
+                    </a:srgbClr>
+                  </a:outerShdw>
+                </a:effectLst>
                 <a:latin typeface="Apache" pitchFamily="2" charset="0"/>
               </a:rPr>
               <a:t>tsy</a:t>
             </a:r>
             <a:r>
-              <a:rPr lang="en-GB" sz="9600" b="1" dirty="0">
-                <a:solidFill>
-                  <a:schemeClr val="accent4"/>
-                </a:solidFill>
-                <a:latin typeface="Apache" pitchFamily="2" charset="0"/>
-              </a:rPr>
-              <a:t> </a:t>
-            </a:r>
-            <a:r>
-              <a:rPr lang="en-GB" sz="9600" b="1" dirty="0" err="1">
-                <a:solidFill>
-                  <a:schemeClr val="accent4"/>
-                </a:solidFill>
+              <a:rPr lang="en-GB" sz="7200" b="1" dirty="0">
+                <a:effectLst>
+                  <a:outerShdw blurRad="38100" dist="38100" dir="2700000" algn="tl">
+                    <a:srgbClr val="000000">
+                      <a:alpha val="43137"/>
+                    </a:srgbClr>
+                  </a:outerShdw>
+                </a:effectLst>
+                <a:latin typeface="Apache" pitchFamily="2" charset="0"/>
+              </a:rPr>
+              <a:t> </a:t>
+            </a:r>
+            <a:r>
+              <a:rPr lang="en-GB" sz="7200" b="1" dirty="0" err="1">
+                <a:effectLst>
+                  <a:outerShdw blurRad="38100" dist="38100" dir="2700000" algn="tl">
+                    <a:srgbClr val="000000">
+                      <a:alpha val="43137"/>
+                    </a:srgbClr>
+                  </a:outerShdw>
+                </a:effectLst>
                 <a:latin typeface="Apache" pitchFamily="2" charset="0"/>
               </a:rPr>
               <a:t>mba</a:t>
             </a:r>
             <a:r>
-              <a:rPr lang="en-GB" sz="9600" b="1" dirty="0">
-                <a:solidFill>
-                  <a:schemeClr val="accent4"/>
-                </a:solidFill>
-                <a:latin typeface="Apache" pitchFamily="2" charset="0"/>
-              </a:rPr>
-              <a:t> </a:t>
-            </a:r>
-            <a:r>
-              <a:rPr lang="en-GB" sz="9600" b="1" dirty="0" err="1">
-                <a:solidFill>
-                  <a:schemeClr val="accent4"/>
-                </a:solidFill>
+              <a:rPr lang="en-GB" sz="7200" b="1" dirty="0">
+                <a:effectLst>
+                  <a:outerShdw blurRad="38100" dist="38100" dir="2700000" algn="tl">
+                    <a:srgbClr val="000000">
+                      <a:alpha val="43137"/>
+                    </a:srgbClr>
+                  </a:outerShdw>
+                </a:effectLst>
+                <a:latin typeface="Apache" pitchFamily="2" charset="0"/>
+              </a:rPr>
+              <a:t> </a:t>
+            </a:r>
+            <a:r>
+              <a:rPr lang="en-GB" sz="7200" b="1" dirty="0" err="1">
+                <a:effectLst>
+                  <a:outerShdw blurRad="38100" dist="38100" dir="2700000" algn="tl">
+                    <a:srgbClr val="000000">
+                      <a:alpha val="43137"/>
+                    </a:srgbClr>
+                  </a:outerShdw>
+                </a:effectLst>
                 <a:latin typeface="Apache" pitchFamily="2" charset="0"/>
               </a:rPr>
               <a:t>matory</a:t>
             </a:r>
             <a:r>
-              <a:rPr lang="en-GB" sz="9600" b="1" dirty="0">
-                <a:solidFill>
-                  <a:schemeClr val="accent4"/>
-                </a:solidFill>
+              <a:rPr lang="en-GB" sz="7200" b="1" dirty="0">
+                <a:effectLst>
+                  <a:outerShdw blurRad="38100" dist="38100" dir="2700000" algn="tl">
+                    <a:srgbClr val="000000">
+                      <a:alpha val="43137"/>
+                    </a:srgbClr>
+                  </a:outerShdw>
+                </a:effectLst>
                 <a:latin typeface="Apache" pitchFamily="2" charset="0"/>
               </a:rPr>
               <a:t>,</a:t>
             </a:r>
-            <a:endParaRPr lang="fr-FR" sz="9600" b="1" dirty="0">
-              <a:solidFill>
-                <a:schemeClr val="accent4"/>
-              </a:solidFill>
+            <a:endParaRPr lang="fr-FR" sz="7200" b="1" dirty="0">
+              <a:effectLst>
+                <a:outerShdw blurRad="38100" dist="38100" dir="2700000" algn="tl">
+                  <a:srgbClr val="000000">
+                    <a:alpha val="43137"/>
+                  </a:srgbClr>
+                </a:outerShdw>
+              </a:effectLst>
               <a:latin typeface="Apache" pitchFamily="2" charset="0"/>
             </a:endParaRPr>
           </a:p>
           <a:p>
-            <a:pPr algn="ctr"/>
-            <a:r>
-              <a:rPr lang="en-GB" sz="9600" b="1" dirty="0">
-                <a:solidFill>
-                  <a:schemeClr val="accent4"/>
-                </a:solidFill>
+            <a:pPr algn="ctr">
+              <a:lnSpc>
+                <a:spcPct val="150000"/>
+              </a:lnSpc>
+            </a:pPr>
+            <a:r>
+              <a:rPr lang="en-GB" sz="7200" b="1" dirty="0">
+                <a:effectLst>
+                  <a:outerShdw blurRad="38100" dist="38100" dir="2700000" algn="tl">
+                    <a:srgbClr val="000000">
+                      <a:alpha val="43137"/>
+                    </a:srgbClr>
+                  </a:outerShdw>
+                </a:effectLst>
                 <a:latin typeface="Apache" pitchFamily="2" charset="0"/>
               </a:rPr>
               <a:t>  </a:t>
             </a:r>
             <a:r>
-              <a:rPr lang="en-GB" sz="9600" b="1" dirty="0" err="1">
-                <a:solidFill>
-                  <a:schemeClr val="accent4"/>
-                </a:solidFill>
+              <a:rPr lang="en-GB" sz="7200" b="1" dirty="0" err="1">
+                <a:effectLst>
+                  <a:outerShdw blurRad="38100" dist="38100" dir="2700000" algn="tl">
+                    <a:srgbClr val="000000">
+                      <a:alpha val="43137"/>
+                    </a:srgbClr>
+                  </a:outerShdw>
+                </a:effectLst>
                 <a:latin typeface="Apache" pitchFamily="2" charset="0"/>
               </a:rPr>
               <a:t>Lala</a:t>
             </a:r>
             <a:r>
-              <a:rPr lang="en-GB" sz="9600" b="1" dirty="0">
-                <a:solidFill>
-                  <a:schemeClr val="accent4"/>
-                </a:solidFill>
+              <a:rPr lang="en-GB" sz="7200" b="1" dirty="0">
+                <a:effectLst>
+                  <a:outerShdw blurRad="38100" dist="38100" dir="2700000" algn="tl">
+                    <a:srgbClr val="000000">
+                      <a:alpha val="43137"/>
+                    </a:srgbClr>
+                  </a:outerShdw>
+                </a:effectLst>
                 <a:latin typeface="Apache" pitchFamily="2" charset="0"/>
               </a:rPr>
               <a:t>-marina </a:t>
             </a:r>
             <a:r>
-              <a:rPr lang="en-GB" sz="9600" b="1" dirty="0" err="1">
-                <a:solidFill>
-                  <a:schemeClr val="accent4"/>
-                </a:solidFill>
+              <a:rPr lang="en-GB" sz="7200" b="1" dirty="0" err="1">
+                <a:effectLst>
+                  <a:outerShdw blurRad="38100" dist="38100" dir="2700000" algn="tl">
+                    <a:srgbClr val="000000">
+                      <a:alpha val="43137"/>
+                    </a:srgbClr>
+                  </a:outerShdw>
+                </a:effectLst>
                 <a:latin typeface="Apache" pitchFamily="2" charset="0"/>
               </a:rPr>
               <a:t>itondrany</a:t>
             </a:r>
-            <a:endParaRPr lang="fr-FR" sz="9600" b="1" dirty="0">
-              <a:solidFill>
-                <a:schemeClr val="accent4"/>
-              </a:solidFill>
+            <a:endParaRPr lang="fr-FR" sz="7200" b="1" dirty="0">
+              <a:effectLst>
+                <a:outerShdw blurRad="38100" dist="38100" dir="2700000" algn="tl">
+                  <a:srgbClr val="000000">
+                    <a:alpha val="43137"/>
+                  </a:srgbClr>
+                </a:outerShdw>
+              </a:effectLst>
               <a:latin typeface="Apache" pitchFamily="2" charset="0"/>
             </a:endParaRPr>
           </a:p>
           <a:p>
-            <a:pPr algn="ctr"/>
-            <a:r>
-              <a:rPr lang="en-GB" sz="9600" b="1" dirty="0">
-                <a:solidFill>
-                  <a:schemeClr val="accent4"/>
-                </a:solidFill>
+            <a:pPr algn="ctr">
+              <a:lnSpc>
+                <a:spcPct val="150000"/>
+              </a:lnSpc>
+            </a:pPr>
+            <a:r>
+              <a:rPr lang="en-GB" sz="7200" b="1" dirty="0">
+                <a:effectLst>
+                  <a:outerShdw blurRad="38100" dist="38100" dir="2700000" algn="tl">
+                    <a:srgbClr val="000000">
+                      <a:alpha val="43137"/>
+                    </a:srgbClr>
+                  </a:outerShdw>
+                </a:effectLst>
                 <a:latin typeface="Apache" pitchFamily="2" charset="0"/>
               </a:rPr>
               <a:t>  </a:t>
             </a:r>
             <a:r>
-              <a:rPr lang="en-GB" sz="9600" b="1" dirty="0" err="1" smtClean="0">
-                <a:solidFill>
-                  <a:schemeClr val="accent4"/>
-                </a:solidFill>
+              <a:rPr lang="en-GB" sz="7200" b="1" dirty="0" err="1" smtClean="0">
+                <a:effectLst>
+                  <a:outerShdw blurRad="38100" dist="38100" dir="2700000" algn="tl">
+                    <a:srgbClr val="000000">
+                      <a:alpha val="43137"/>
+                    </a:srgbClr>
+                  </a:outerShdw>
+                </a:effectLst>
                 <a:latin typeface="Apache" pitchFamily="2" charset="0"/>
               </a:rPr>
               <a:t>Tsy</a:t>
             </a:r>
             <a:r>
-              <a:rPr lang="en-GB" sz="9600" b="1" dirty="0" smtClean="0">
-                <a:solidFill>
-                  <a:schemeClr val="accent4"/>
-                </a:solidFill>
-                <a:latin typeface="Apache" pitchFamily="2" charset="0"/>
-              </a:rPr>
-              <a:t> </a:t>
-            </a:r>
-            <a:r>
-              <a:rPr lang="en-GB" sz="9600" b="1" dirty="0" err="1">
-                <a:solidFill>
-                  <a:schemeClr val="accent4"/>
-                </a:solidFill>
+              <a:rPr lang="en-GB" sz="7200" b="1" dirty="0" smtClean="0">
+                <a:effectLst>
+                  <a:outerShdw blurRad="38100" dist="38100" dir="2700000" algn="tl">
+                    <a:srgbClr val="000000">
+                      <a:alpha val="43137"/>
+                    </a:srgbClr>
+                  </a:outerShdw>
+                </a:effectLst>
+                <a:latin typeface="Apache" pitchFamily="2" charset="0"/>
+              </a:rPr>
+              <a:t> </a:t>
+            </a:r>
+            <a:r>
+              <a:rPr lang="en-GB" sz="7200" b="1" dirty="0" err="1">
+                <a:effectLst>
+                  <a:outerShdw blurRad="38100" dist="38100" dir="2700000" algn="tl">
+                    <a:srgbClr val="000000">
+                      <a:alpha val="43137"/>
+                    </a:srgbClr>
+                  </a:outerShdw>
+                </a:effectLst>
                 <a:latin typeface="Apache" pitchFamily="2" charset="0"/>
               </a:rPr>
               <a:t>ho</a:t>
             </a:r>
             <a:r>
-              <a:rPr lang="en-GB" sz="9600" b="1" dirty="0">
-                <a:solidFill>
-                  <a:schemeClr val="accent4"/>
-                </a:solidFill>
-                <a:latin typeface="Apache" pitchFamily="2" charset="0"/>
-              </a:rPr>
-              <a:t> </a:t>
-            </a:r>
-            <a:r>
-              <a:rPr lang="en-GB" sz="9600" b="1" dirty="0" err="1">
-                <a:solidFill>
-                  <a:schemeClr val="accent4"/>
-                </a:solidFill>
+              <a:rPr lang="en-GB" sz="7200" b="1" dirty="0">
+                <a:effectLst>
+                  <a:outerShdw blurRad="38100" dist="38100" dir="2700000" algn="tl">
+                    <a:srgbClr val="000000">
+                      <a:alpha val="43137"/>
+                    </a:srgbClr>
+                  </a:outerShdw>
+                </a:effectLst>
+                <a:latin typeface="Apache" pitchFamily="2" charset="0"/>
+              </a:rPr>
+              <a:t> </a:t>
+            </a:r>
+            <a:r>
+              <a:rPr lang="en-GB" sz="7200" b="1" dirty="0" err="1">
+                <a:effectLst>
+                  <a:outerShdw blurRad="38100" dist="38100" dir="2700000" algn="tl">
+                    <a:srgbClr val="000000">
+                      <a:alpha val="43137"/>
+                    </a:srgbClr>
+                  </a:outerShdw>
+                </a:effectLst>
                 <a:latin typeface="Apache" pitchFamily="2" charset="0"/>
               </a:rPr>
               <a:t>foiko</a:t>
             </a:r>
             <a:r>
-              <a:rPr lang="en-GB" sz="9600" b="1" dirty="0">
-                <a:solidFill>
-                  <a:schemeClr val="accent4"/>
-                </a:solidFill>
+              <a:rPr lang="en-GB" sz="7200" b="1" dirty="0">
+                <a:effectLst>
+                  <a:outerShdw blurRad="38100" dist="38100" dir="2700000" algn="tl">
+                    <a:srgbClr val="000000">
+                      <a:alpha val="43137"/>
+                    </a:srgbClr>
+                  </a:outerShdw>
+                </a:effectLst>
                 <a:latin typeface="Apache" pitchFamily="2" charset="0"/>
               </a:rPr>
               <a:t>.</a:t>
             </a:r>
             <a:r>
-              <a:rPr lang="fr-FR" sz="9600" b="1" dirty="0" smtClean="0"/>
-              <a:t> </a:t>
-            </a:r>
-            <a:endParaRPr lang="fr-FR" sz="9600" b="1" dirty="0"/>
+              <a:rPr lang="fr-FR" sz="7200" b="1" dirty="0" smtClean="0">
+                <a:effectLst>
+                  <a:outerShdw blurRad="38100" dist="38100" dir="2700000" algn="tl">
+                    <a:srgbClr val="000000">
+                      <a:alpha val="43137"/>
+                    </a:srgbClr>
+                  </a:outerShdw>
+                </a:effectLst>
+              </a:rPr>
+              <a:t> </a:t>
+            </a:r>
           </a:p>
         </p:txBody>
       </p:sp>
     </p:spTree>
     <p:extLst>
       <p:ext uri="{BB962C8B-B14F-4D97-AF65-F5344CB8AC3E}">
-        <p14:creationId xmlns:p14="http://schemas.microsoft.com/office/powerpoint/2010/main" val="2338944724"/>
+        <p14:creationId xmlns:p14="http://schemas.microsoft.com/office/powerpoint/2010/main" val="617488482"/>
       </p:ext>
     </p:extLst>
   </p:cSld>
@@ -4397,8 +4695,8 @@
         </p:nvSpPr>
         <p:spPr>
           <a:xfrm>
-            <a:off x="0" y="587433"/>
-            <a:ext cx="12192000" cy="5878532"/>
+            <a:off x="0" y="137058"/>
+            <a:ext cx="12192000" cy="6555641"/>
           </a:xfrm>
           <a:prstGeom prst="rect">
             <a:avLst/>
@@ -4412,59 +4710,59 @@
           <a:lstStyle/>
           <a:p>
             <a:pPr algn="ctr"/>
-            <a:endParaRPr lang="en-GB" sz="2400" b="1" dirty="0"/>
+            <a:endParaRPr lang="en-GB" sz="2000" b="1" dirty="0"/>
           </a:p>
           <a:p>
             <a:pPr algn="ctr"/>
             <a:r>
-              <a:rPr lang="en-GB" sz="8800" b="1" dirty="0" smtClean="0">
+              <a:rPr lang="en-GB" sz="8000" b="1" dirty="0" smtClean="0">
                 <a:latin typeface="Apache" pitchFamily="2" charset="0"/>
               </a:rPr>
               <a:t>4 </a:t>
             </a:r>
             <a:r>
-              <a:rPr lang="en-GB" sz="8800" b="1" dirty="0" err="1" smtClean="0">
+              <a:rPr lang="en-GB" sz="8000" b="1" dirty="0" err="1" smtClean="0">
                 <a:latin typeface="Apache" pitchFamily="2" charset="0"/>
               </a:rPr>
               <a:t>Ao</a:t>
             </a:r>
             <a:r>
-              <a:rPr lang="en-GB" sz="8800" b="1" dirty="0" smtClean="0">
+              <a:rPr lang="en-GB" sz="8000" b="1" dirty="0" smtClean="0">
                 <a:latin typeface="Apache" pitchFamily="2" charset="0"/>
               </a:rPr>
               <a:t> an-</a:t>
             </a:r>
             <a:r>
-              <a:rPr lang="en-GB" sz="8800" b="1" dirty="0" err="1" smtClean="0">
+              <a:rPr lang="en-GB" sz="8000" b="1" dirty="0" err="1" smtClean="0">
                 <a:latin typeface="Apache" pitchFamily="2" charset="0"/>
               </a:rPr>
               <a:t>tranonao</a:t>
             </a:r>
             <a:r>
-              <a:rPr lang="en-GB" sz="8800" b="1" dirty="0" smtClean="0">
-                <a:latin typeface="Apache" pitchFamily="2" charset="0"/>
-              </a:rPr>
-              <a:t> </a:t>
-            </a:r>
-            <a:r>
-              <a:rPr lang="en-GB" sz="8800" b="1" dirty="0" err="1" smtClean="0">
+              <a:rPr lang="en-GB" sz="8000" b="1" dirty="0" smtClean="0">
+                <a:latin typeface="Apache" pitchFamily="2" charset="0"/>
+              </a:rPr>
+              <a:t> </a:t>
+            </a:r>
+            <a:r>
+              <a:rPr lang="en-GB" sz="8000" b="1" dirty="0" err="1" smtClean="0">
                 <a:latin typeface="Apache" pitchFamily="2" charset="0"/>
               </a:rPr>
               <a:t>ry</a:t>
             </a:r>
             <a:r>
-              <a:rPr lang="en-GB" sz="8800" b="1" dirty="0" smtClean="0">
-                <a:latin typeface="Apache" pitchFamily="2" charset="0"/>
-              </a:rPr>
-              <a:t> </a:t>
-            </a:r>
-            <a:r>
-              <a:rPr lang="en-GB" sz="8800" b="1" dirty="0" err="1" smtClean="0">
+              <a:rPr lang="en-GB" sz="8000" b="1" dirty="0" smtClean="0">
+                <a:latin typeface="Apache" pitchFamily="2" charset="0"/>
+              </a:rPr>
+              <a:t> </a:t>
+            </a:r>
+            <a:r>
+              <a:rPr lang="en-GB" sz="8000" b="1" dirty="0" err="1" smtClean="0">
                 <a:latin typeface="Apache" pitchFamily="2" charset="0"/>
               </a:rPr>
               <a:t>Tompo</a:t>
             </a:r>
-            <a:endParaRPr lang="fr-FR" sz="8800" b="1" dirty="0" smtClean="0">
+            <a:endParaRPr lang="fr-FR" sz="8000" b="1" dirty="0" smtClean="0">
               <a:effectLst/>
               <a:latin typeface="Apache" pitchFamily="2" charset="0"/>
             </a:endParaRPr>
@@ -4472,36 +4770,36 @@
           <a:p>
             <a:pPr algn="ctr"/>
             <a:r>
-              <a:rPr lang="en-GB" sz="8800" b="1" dirty="0" smtClean="0">
+              <a:rPr lang="en-GB" sz="8000" b="1" dirty="0" smtClean="0">
                 <a:latin typeface="Apache" pitchFamily="2" charset="0"/>
               </a:rPr>
               <a:t>   No </a:t>
             </a:r>
             <a:r>
-              <a:rPr lang="en-GB" sz="8800" b="1" dirty="0" err="1" smtClean="0">
+              <a:rPr lang="en-GB" sz="8000" b="1" dirty="0" err="1" smtClean="0">
                 <a:latin typeface="Apache" pitchFamily="2" charset="0"/>
               </a:rPr>
               <a:t>iriko</a:t>
             </a:r>
             <a:r>
-              <a:rPr lang="en-GB" sz="8800" b="1" dirty="0" smtClean="0">
-                <a:latin typeface="Apache" pitchFamily="2" charset="0"/>
-              </a:rPr>
-              <a:t> </a:t>
-            </a:r>
-            <a:r>
-              <a:rPr lang="en-GB" sz="8800" b="1" dirty="0" err="1" smtClean="0">
+              <a:rPr lang="en-GB" sz="8000" b="1" dirty="0" smtClean="0">
+                <a:latin typeface="Apache" pitchFamily="2" charset="0"/>
+              </a:rPr>
+              <a:t> </a:t>
+            </a:r>
+            <a:r>
+              <a:rPr lang="en-GB" sz="8000" b="1" dirty="0" err="1" smtClean="0">
                 <a:latin typeface="Apache" pitchFamily="2" charset="0"/>
               </a:rPr>
               <a:t>hialofana</a:t>
             </a:r>
             <a:r>
-              <a:rPr lang="en-GB" sz="8800" b="1" dirty="0" smtClean="0">
+              <a:rPr lang="en-GB" sz="8000" b="1" dirty="0" smtClean="0">
                 <a:latin typeface="Apache" pitchFamily="2" charset="0"/>
               </a:rPr>
               <a:t> ;</a:t>
             </a:r>
-            <a:endParaRPr lang="fr-FR" sz="8800" b="1" dirty="0" smtClean="0">
+            <a:endParaRPr lang="fr-FR" sz="8000" b="1" dirty="0" smtClean="0">
               <a:effectLst/>
               <a:latin typeface="Apache" pitchFamily="2" charset="0"/>
             </a:endParaRPr>
@@ -4509,48 +4807,48 @@
           <a:p>
             <a:pPr algn="ctr"/>
             <a:r>
-              <a:rPr lang="en-GB" sz="8800" b="1" dirty="0" smtClean="0">
+              <a:rPr lang="en-GB" sz="8000" b="1" dirty="0" smtClean="0">
                 <a:latin typeface="Apache" pitchFamily="2" charset="0"/>
               </a:rPr>
               <a:t>   </a:t>
             </a:r>
             <a:r>
-              <a:rPr lang="en-GB" sz="8800" b="1" dirty="0" err="1" smtClean="0">
+              <a:rPr lang="en-GB" sz="8000" b="1" dirty="0" err="1" smtClean="0">
                 <a:latin typeface="Apache" pitchFamily="2" charset="0"/>
               </a:rPr>
               <a:t>Ka</a:t>
             </a:r>
             <a:r>
-              <a:rPr lang="en-GB" sz="8800" b="1" dirty="0" smtClean="0">
-                <a:latin typeface="Apache" pitchFamily="2" charset="0"/>
-              </a:rPr>
-              <a:t> </a:t>
-            </a:r>
-            <a:r>
-              <a:rPr lang="en-GB" sz="8800" b="1" dirty="0" err="1" smtClean="0">
+              <a:rPr lang="en-GB" sz="8000" b="1" dirty="0" smtClean="0">
+                <a:latin typeface="Apache" pitchFamily="2" charset="0"/>
+              </a:rPr>
+              <a:t> </a:t>
+            </a:r>
+            <a:r>
+              <a:rPr lang="en-GB" sz="8000" b="1" dirty="0" err="1" smtClean="0">
                 <a:latin typeface="Apache" pitchFamily="2" charset="0"/>
               </a:rPr>
               <a:t>tsy</a:t>
             </a:r>
             <a:r>
-              <a:rPr lang="en-GB" sz="8800" b="1" dirty="0" smtClean="0">
-                <a:latin typeface="Apache" pitchFamily="2" charset="0"/>
-              </a:rPr>
-              <a:t> </a:t>
-            </a:r>
-            <a:r>
-              <a:rPr lang="en-GB" sz="8800" b="1" dirty="0" err="1" smtClean="0">
+              <a:rPr lang="en-GB" sz="8000" b="1" dirty="0" smtClean="0">
+                <a:latin typeface="Apache" pitchFamily="2" charset="0"/>
+              </a:rPr>
+              <a:t> </a:t>
+            </a:r>
+            <a:r>
+              <a:rPr lang="en-GB" sz="8000" b="1" dirty="0" err="1" smtClean="0">
                 <a:latin typeface="Apache" pitchFamily="2" charset="0"/>
               </a:rPr>
               <a:t>afa-miditra</a:t>
             </a:r>
             <a:r>
-              <a:rPr lang="en-GB" sz="8800" b="1" dirty="0" smtClean="0">
+              <a:rPr lang="en-GB" sz="8000" b="1" dirty="0" smtClean="0">
                 <a:latin typeface="Apache" pitchFamily="2" charset="0"/>
               </a:rPr>
               <a:t> any</a:t>
             </a:r>
-            <a:endParaRPr lang="fr-FR" sz="8800" b="1" dirty="0" smtClean="0">
+            <a:endParaRPr lang="fr-FR" sz="8000" b="1" dirty="0" smtClean="0">
               <a:effectLst/>
               <a:latin typeface="Apache" pitchFamily="2" charset="0"/>
             </a:endParaRPr>
@@ -4558,11 +4856,11 @@
           <a:p>
             <a:pPr algn="ctr"/>
             <a:r>
-              <a:rPr lang="en-GB" sz="8800" b="1" dirty="0" smtClean="0"/>
+              <a:rPr lang="en-GB" sz="8000" b="1" dirty="0" smtClean="0"/>
               <a:t>   </a:t>
             </a:r>
             <a:r>
-              <a:rPr lang="en-GB" sz="8000" b="1" i="1" dirty="0" smtClean="0">
+              <a:rPr lang="en-GB" sz="7200" b="1" i="1" dirty="0" smtClean="0">
                 <a:solidFill>
                   <a:schemeClr val="accent6">
                     <a:lumMod val="75000"/>
@@ -4572,7 +4870,7 @@
               <a:t>(</a:t>
             </a:r>
             <a:r>
-              <a:rPr lang="en-GB" sz="8000" b="1" i="1" dirty="0" err="1" smtClean="0">
+              <a:rPr lang="en-GB" sz="7200" b="1" i="1" dirty="0" err="1" smtClean="0">
                 <a:solidFill>
                   <a:schemeClr val="accent6">
                     <a:lumMod val="75000"/>
@@ -4582,7 +4880,7 @@
               <a:t>Ny</a:t>
             </a:r>
             <a:r>
-              <a:rPr lang="en-GB" sz="8000" b="1" i="1" dirty="0" smtClean="0">
+              <a:rPr lang="en-GB" sz="7200" b="1" i="1" dirty="0" smtClean="0">
                 <a:solidFill>
                   <a:schemeClr val="accent6">
                     <a:lumMod val="75000"/>
@@ -4592,7 +4890,7 @@
               <a:t> </a:t>
             </a:r>
             <a:r>
-              <a:rPr lang="en-GB" sz="8000" b="1" i="1" dirty="0" err="1" smtClean="0">
+              <a:rPr lang="en-GB" sz="7200" b="1" i="1" dirty="0" err="1" smtClean="0">
                 <a:solidFill>
                   <a:schemeClr val="accent6">
                     <a:lumMod val="75000"/>
@@ -4602,7 +4900,7 @@
               <a:t>hetraketraky</a:t>
             </a:r>
             <a:r>
-              <a:rPr lang="en-GB" sz="8000" b="1" i="1" dirty="0" smtClean="0">
+              <a:rPr lang="en-GB" sz="7200" b="1" i="1" dirty="0" smtClean="0">
                 <a:solidFill>
                   <a:schemeClr val="accent6">
                     <a:lumMod val="75000"/>
@@ -4612,7 +4910,7 @@
               <a:t> </a:t>
             </a:r>
             <a:r>
-              <a:rPr lang="en-GB" sz="8000" b="1" i="1" dirty="0" err="1" smtClean="0">
+              <a:rPr lang="en-GB" sz="7200" b="1" i="1" dirty="0" err="1" smtClean="0">
                 <a:solidFill>
                   <a:schemeClr val="accent6">
                     <a:lumMod val="75000"/>
@@ -4622,7 +4920,7 @@
               <a:t>ny</a:t>
             </a:r>
             <a:r>
-              <a:rPr lang="en-GB" sz="8000" b="1" i="1" dirty="0" smtClean="0">
+              <a:rPr lang="en-GB" sz="7200" b="1" i="1" dirty="0" smtClean="0">
                 <a:solidFill>
                   <a:schemeClr val="accent6">
                     <a:lumMod val="75000"/>
@@ -4632,7 +4930,7 @@
               <a:t> </a:t>
             </a:r>
             <a:r>
-              <a:rPr lang="en-GB" sz="8000" b="1" i="1" dirty="0" err="1" smtClean="0">
+              <a:rPr lang="en-GB" sz="7200" b="1" i="1" dirty="0" err="1" smtClean="0">
                 <a:solidFill>
                   <a:schemeClr val="accent6">
                     <a:lumMod val="75000"/>
@@ -4642,7 +4940,7 @@
               <a:t>tany</a:t>
             </a:r>
             <a:r>
-              <a:rPr lang="en-GB" sz="8000" b="1" i="1" dirty="0" smtClean="0">
+              <a:rPr lang="en-GB" sz="7200" b="1" i="1" dirty="0" smtClean="0">
                 <a:solidFill>
                   <a:schemeClr val="accent6">
                     <a:lumMod val="75000"/>
@@ -4651,7 +4949,7 @@
               </a:rPr>
               <a:t>)</a:t>
             </a:r>
-            <a:endParaRPr lang="fr-FR" sz="8000" b="1" i="1" dirty="0">
+            <a:endParaRPr lang="fr-FR" sz="7200" b="1" i="1" dirty="0">
               <a:solidFill>
                 <a:schemeClr val="accent6">
                   <a:lumMod val="75000"/>
@@ -4706,8 +5004,8 @@
         </p:nvSpPr>
         <p:spPr>
           <a:xfrm>
-            <a:off x="0" y="914400"/>
-            <a:ext cx="11978640" cy="5447645"/>
+            <a:off x="68240" y="286601"/>
+            <a:ext cx="11978640" cy="6001643"/>
           </a:xfrm>
           <a:prstGeom prst="rect">
             <a:avLst/>
@@ -4720,67 +5018,67 @@
           </a:bodyPr>
           <a:lstStyle/>
           <a:p>
-            <a:endParaRPr lang="en-GB" sz="2800" b="1" dirty="0">
+            <a:endParaRPr lang="en-GB" sz="2400" b="1" dirty="0">
               <a:latin typeface="Apache" pitchFamily="2" charset="0"/>
             </a:endParaRPr>
           </a:p>
           <a:p>
             <a:pPr algn="ctr"/>
             <a:r>
-              <a:rPr lang="en-GB" sz="8000" b="1" dirty="0" err="1" smtClean="0">
+              <a:rPr lang="en-GB" sz="7200" b="1" dirty="0" err="1" smtClean="0">
                 <a:latin typeface="Apache" pitchFamily="2" charset="0"/>
               </a:rPr>
               <a:t>Raha</a:t>
             </a:r>
             <a:r>
-              <a:rPr lang="en-GB" sz="8000" b="1" dirty="0" smtClean="0">
-                <a:latin typeface="Apache" pitchFamily="2" charset="0"/>
-              </a:rPr>
-              <a:t> </a:t>
-            </a:r>
-            <a:r>
-              <a:rPr lang="en-GB" sz="8000" b="1" dirty="0" err="1" smtClean="0">
+              <a:rPr lang="en-GB" sz="7200" b="1" dirty="0" smtClean="0">
+                <a:latin typeface="Apache" pitchFamily="2" charset="0"/>
+              </a:rPr>
+              <a:t> </a:t>
+            </a:r>
+            <a:r>
+              <a:rPr lang="en-GB" sz="7200" b="1" dirty="0" err="1" smtClean="0">
                 <a:latin typeface="Apache" pitchFamily="2" charset="0"/>
               </a:rPr>
               <a:t>ny</a:t>
             </a:r>
             <a:r>
-              <a:rPr lang="en-GB" sz="8000" b="1" dirty="0" smtClean="0">
-                <a:latin typeface="Apache" pitchFamily="2" charset="0"/>
-              </a:rPr>
-              <a:t> </a:t>
-            </a:r>
-            <a:r>
-              <a:rPr lang="en-GB" sz="8000" b="1" dirty="0" err="1" smtClean="0">
+              <a:rPr lang="en-GB" sz="7200" b="1" dirty="0" smtClean="0">
+                <a:latin typeface="Apache" pitchFamily="2" charset="0"/>
+              </a:rPr>
+              <a:t> </a:t>
+            </a:r>
+            <a:r>
+              <a:rPr lang="en-GB" sz="7200" b="1" dirty="0" err="1" smtClean="0">
                 <a:latin typeface="Apache" pitchFamily="2" charset="0"/>
               </a:rPr>
               <a:t>fonao</a:t>
             </a:r>
             <a:r>
-              <a:rPr lang="en-GB" sz="8000" b="1" dirty="0" smtClean="0">
-                <a:latin typeface="Apache" pitchFamily="2" charset="0"/>
-              </a:rPr>
-              <a:t> </a:t>
-            </a:r>
-            <a:r>
-              <a:rPr lang="en-GB" sz="8000" b="1" dirty="0" err="1" smtClean="0">
+              <a:rPr lang="en-GB" sz="7200" b="1" dirty="0" smtClean="0">
+                <a:latin typeface="Apache" pitchFamily="2" charset="0"/>
+              </a:rPr>
+              <a:t> </a:t>
+            </a:r>
+            <a:r>
+              <a:rPr lang="en-GB" sz="7200" b="1" dirty="0" err="1" smtClean="0">
                 <a:latin typeface="Apache" pitchFamily="2" charset="0"/>
               </a:rPr>
               <a:t>feno</a:t>
             </a:r>
             <a:r>
-              <a:rPr lang="en-GB" sz="8000" b="1" dirty="0" smtClean="0">
-                <a:latin typeface="Apache" pitchFamily="2" charset="0"/>
-              </a:rPr>
-              <a:t> </a:t>
-            </a:r>
-            <a:r>
-              <a:rPr lang="en-GB" sz="8000" b="1" dirty="0" err="1" smtClean="0">
+              <a:rPr lang="en-GB" sz="7200" b="1" dirty="0" smtClean="0">
+                <a:latin typeface="Apache" pitchFamily="2" charset="0"/>
+              </a:rPr>
+              <a:t> </a:t>
+            </a:r>
+            <a:r>
+              <a:rPr lang="en-GB" sz="7200" b="1" dirty="0" err="1" smtClean="0">
                 <a:latin typeface="Apache" pitchFamily="2" charset="0"/>
               </a:rPr>
               <a:t>antra</a:t>
             </a:r>
-            <a:endParaRPr lang="fr-FR" sz="8000" b="1" dirty="0" smtClean="0">
+            <a:endParaRPr lang="fr-FR" sz="7200" b="1" dirty="0" smtClean="0">
               <a:effectLst/>
               <a:latin typeface="Apache" pitchFamily="2" charset="0"/>
             </a:endParaRPr>
@@ -4788,54 +5086,54 @@
           <a:p>
             <a:pPr algn="ctr"/>
             <a:r>
-              <a:rPr lang="en-GB" sz="8000" b="1" dirty="0" smtClean="0">
+              <a:rPr lang="en-GB" sz="7200" b="1" dirty="0" smtClean="0">
                 <a:latin typeface="Apache" pitchFamily="2" charset="0"/>
               </a:rPr>
               <a:t>   </a:t>
             </a:r>
             <a:r>
-              <a:rPr lang="en-GB" sz="8000" b="1" dirty="0">
+              <a:rPr lang="en-GB" sz="7200" b="1" dirty="0">
                 <a:latin typeface="Apache" pitchFamily="2" charset="0"/>
               </a:rPr>
               <a:t>No </a:t>
             </a:r>
             <a:r>
-              <a:rPr lang="en-GB" sz="8000" b="1" dirty="0" err="1">
+              <a:rPr lang="en-GB" sz="7200" b="1" dirty="0" err="1">
                 <a:latin typeface="Apache" pitchFamily="2" charset="0"/>
               </a:rPr>
               <a:t>ho</a:t>
             </a:r>
             <a:r>
-              <a:rPr lang="en-GB" sz="8000" b="1" dirty="0">
-                <a:latin typeface="Apache" pitchFamily="2" charset="0"/>
-              </a:rPr>
-              <a:t> </a:t>
-            </a:r>
-            <a:r>
-              <a:rPr lang="en-GB" sz="8000" b="1" dirty="0" err="1">
+              <a:rPr lang="en-GB" sz="7200" b="1" dirty="0">
+                <a:latin typeface="Apache" pitchFamily="2" charset="0"/>
+              </a:rPr>
+              <a:t> </a:t>
+            </a:r>
+            <a:r>
+              <a:rPr lang="en-GB" sz="7200" b="1" dirty="0" err="1">
                 <a:latin typeface="Apache" pitchFamily="2" charset="0"/>
               </a:rPr>
               <a:t>lamba</a:t>
             </a:r>
             <a:r>
-              <a:rPr lang="en-GB" sz="8000" b="1" dirty="0">
-                <a:latin typeface="Apache" pitchFamily="2" charset="0"/>
-              </a:rPr>
-              <a:t> </a:t>
-            </a:r>
-            <a:r>
-              <a:rPr lang="en-GB" sz="8000" b="1" dirty="0" err="1">
+              <a:rPr lang="en-GB" sz="7200" b="1" dirty="0">
+                <a:latin typeface="Apache" pitchFamily="2" charset="0"/>
+              </a:rPr>
+              <a:t> </a:t>
+            </a:r>
+            <a:r>
+              <a:rPr lang="en-GB" sz="7200" b="1" dirty="0" err="1">
                 <a:latin typeface="Apache" pitchFamily="2" charset="0"/>
               </a:rPr>
               <a:t>irakofana</a:t>
             </a:r>
             <a:r>
-              <a:rPr lang="en-GB" sz="8000" b="1" dirty="0">
+              <a:rPr lang="en-GB" sz="7200" b="1" dirty="0">
                 <a:latin typeface="Apache" pitchFamily="2" charset="0"/>
               </a:rPr>
               <a:t>,</a:t>
             </a:r>
-            <a:endParaRPr lang="fr-FR" sz="8000" b="1" dirty="0" smtClean="0">
+            <a:endParaRPr lang="fr-FR" sz="7200" b="1" dirty="0" smtClean="0">
               <a:effectLst/>
               <a:latin typeface="Apache" pitchFamily="2" charset="0"/>
             </a:endParaRPr>
@@ -4843,91 +5141,91 @@
           <a:p>
             <a:pPr algn="ctr"/>
             <a:r>
-              <a:rPr lang="en-GB" sz="8000" b="1" dirty="0">
+              <a:rPr lang="en-GB" sz="7200" b="1" dirty="0">
                 <a:latin typeface="Apache" pitchFamily="2" charset="0"/>
               </a:rPr>
               <a:t>   </a:t>
             </a:r>
             <a:r>
-              <a:rPr lang="en-GB" sz="8000" b="1" dirty="0" err="1">
+              <a:rPr lang="en-GB" sz="7200" b="1" dirty="0" err="1">
                 <a:latin typeface="Apache" pitchFamily="2" charset="0"/>
               </a:rPr>
               <a:t>Ary</a:t>
             </a:r>
             <a:r>
-              <a:rPr lang="en-GB" sz="8000" b="1" dirty="0">
-                <a:latin typeface="Apache" pitchFamily="2" charset="0"/>
-              </a:rPr>
-              <a:t> </a:t>
-            </a:r>
-            <a:r>
-              <a:rPr lang="en-GB" sz="8000" b="1" dirty="0" err="1">
+              <a:rPr lang="en-GB" sz="7200" b="1" dirty="0">
+                <a:latin typeface="Apache" pitchFamily="2" charset="0"/>
+              </a:rPr>
+              <a:t> </a:t>
+            </a:r>
+            <a:r>
+              <a:rPr lang="en-GB" sz="7200" b="1" dirty="0" err="1">
                 <a:latin typeface="Apache" pitchFamily="2" charset="0"/>
               </a:rPr>
               <a:t>ny</a:t>
             </a:r>
             <a:r>
-              <a:rPr lang="en-GB" sz="8000" b="1" dirty="0">
-                <a:latin typeface="Apache" pitchFamily="2" charset="0"/>
-              </a:rPr>
-              <a:t> </a:t>
-            </a:r>
-            <a:r>
-              <a:rPr lang="en-GB" sz="8000" b="1" dirty="0" err="1" smtClean="0">
+              <a:rPr lang="en-GB" sz="7200" b="1" dirty="0">
+                <a:latin typeface="Apache" pitchFamily="2" charset="0"/>
+              </a:rPr>
+              <a:t> </a:t>
+            </a:r>
+            <a:r>
+              <a:rPr lang="en-GB" sz="7200" b="1" dirty="0" err="1" smtClean="0">
                 <a:latin typeface="Apache" pitchFamily="2" charset="0"/>
               </a:rPr>
               <a:t>androm-pifaliana</a:t>
             </a:r>
             <a:r>
-              <a:rPr lang="en-GB" sz="8000" b="1" dirty="0" smtClean="0">
+              <a:rPr lang="en-GB" sz="7200" b="1" dirty="0" smtClean="0">
                 <a:latin typeface="Apache" pitchFamily="2" charset="0"/>
               </a:rPr>
               <a:t>, </a:t>
             </a:r>
             <a:r>
-              <a:rPr lang="en-GB" sz="8000" b="1" dirty="0" err="1" smtClean="0">
+              <a:rPr lang="en-GB" sz="7200" b="1" dirty="0" err="1" smtClean="0">
                 <a:latin typeface="Apache" pitchFamily="2" charset="0"/>
               </a:rPr>
               <a:t>tsy</a:t>
             </a:r>
             <a:r>
-              <a:rPr lang="en-GB" sz="8000" b="1" dirty="0" smtClean="0">
-                <a:latin typeface="Apache" pitchFamily="2" charset="0"/>
-              </a:rPr>
-              <a:t> </a:t>
-            </a:r>
-            <a:r>
-              <a:rPr lang="en-GB" sz="8000" b="1" dirty="0" err="1">
+              <a:rPr lang="en-GB" sz="7200" b="1" dirty="0" smtClean="0">
+                <a:latin typeface="Apache" pitchFamily="2" charset="0"/>
+              </a:rPr>
+              <a:t> </a:t>
+            </a:r>
+            <a:r>
+              <a:rPr lang="en-GB" sz="7200" b="1" dirty="0" err="1">
                 <a:latin typeface="Apache" pitchFamily="2" charset="0"/>
               </a:rPr>
               <a:t>ho</a:t>
             </a:r>
             <a:r>
-              <a:rPr lang="en-GB" sz="8000" b="1" dirty="0">
-                <a:latin typeface="Apache" pitchFamily="2" charset="0"/>
-              </a:rPr>
-              <a:t> </a:t>
-            </a:r>
-            <a:r>
-              <a:rPr lang="en-GB" sz="8000" b="1" dirty="0" err="1" smtClean="0">
+              <a:rPr lang="en-GB" sz="7200" b="1" dirty="0">
+                <a:latin typeface="Apache" pitchFamily="2" charset="0"/>
+              </a:rPr>
+              <a:t> </a:t>
+            </a:r>
+            <a:r>
+              <a:rPr lang="en-GB" sz="7200" b="1" dirty="0" err="1" smtClean="0">
                 <a:latin typeface="Apache" pitchFamily="2" charset="0"/>
               </a:rPr>
               <a:t>lany</a:t>
             </a:r>
-            <a:endParaRPr lang="en-GB" sz="8000" b="1" dirty="0" smtClean="0">
+            <a:endParaRPr lang="en-GB" sz="7200" b="1" dirty="0" smtClean="0">
               <a:latin typeface="Apache" pitchFamily="2" charset="0"/>
             </a:endParaRPr>
           </a:p>
           <a:p>
             <a:pPr algn="ctr"/>
             <a:r>
-              <a:rPr lang="en-GB" sz="8000" b="1" dirty="0" smtClean="0">
-                <a:latin typeface="Apache" pitchFamily="2" charset="0"/>
-              </a:rPr>
-              <a:t> </a:t>
-            </a:r>
-            <a:r>
-              <a:rPr lang="en-GB" sz="8000" b="1" i="1" dirty="0">
+              <a:rPr lang="en-GB" sz="7200" b="1" dirty="0" smtClean="0">
+                <a:latin typeface="Apache" pitchFamily="2" charset="0"/>
+              </a:rPr>
+              <a:t> </a:t>
+            </a:r>
+            <a:r>
+              <a:rPr lang="en-GB" sz="7200" b="1" i="1" dirty="0">
                 <a:solidFill>
                   <a:schemeClr val="accent6">
                     <a:lumMod val="75000"/>
@@ -4937,7 +5235,7 @@
               <a:t>(</a:t>
             </a:r>
             <a:r>
-              <a:rPr lang="en-GB" sz="8000" b="1" i="1" dirty="0" err="1">
+              <a:rPr lang="en-GB" sz="7200" b="1" i="1" dirty="0" err="1">
                 <a:solidFill>
                   <a:schemeClr val="accent6">
                     <a:lumMod val="75000"/>
@@ -4947,7 +5245,7 @@
               <a:t>Tsy</a:t>
             </a:r>
             <a:r>
-              <a:rPr lang="en-GB" sz="8000" b="1" i="1" dirty="0">
+              <a:rPr lang="en-GB" sz="7200" b="1" i="1" dirty="0">
                 <a:solidFill>
                   <a:schemeClr val="accent6">
                     <a:lumMod val="75000"/>
@@ -4957,7 +5255,7 @@
               <a:t> </a:t>
             </a:r>
             <a:r>
-              <a:rPr lang="en-GB" sz="8000" b="1" i="1" dirty="0" err="1">
+              <a:rPr lang="en-GB" sz="7200" b="1" i="1" dirty="0" err="1">
                 <a:solidFill>
                   <a:schemeClr val="accent6">
                     <a:lumMod val="75000"/>
@@ -4967,7 +5265,7 @@
               <a:t>ho</a:t>
             </a:r>
             <a:r>
-              <a:rPr lang="en-GB" sz="8000" b="1" i="1" dirty="0">
+              <a:rPr lang="en-GB" sz="7200" b="1" i="1" dirty="0">
                 <a:solidFill>
                   <a:schemeClr val="accent6">
                     <a:lumMod val="75000"/>
@@ -4977,7 +5275,7 @@
               <a:t> </a:t>
             </a:r>
             <a:r>
-              <a:rPr lang="en-GB" sz="8000" b="1" i="1" dirty="0" err="1" smtClean="0">
+              <a:rPr lang="en-GB" sz="7200" b="1" i="1" dirty="0" err="1" smtClean="0">
                 <a:solidFill>
                   <a:schemeClr val="accent6">
                     <a:lumMod val="75000"/>
@@ -4987,7 +5285,7 @@
               <a:t>lany</a:t>
             </a:r>
             <a:r>
-              <a:rPr lang="en-GB" sz="8000" b="1" i="1" dirty="0" smtClean="0">
+              <a:rPr lang="en-GB" sz="7200" b="1" i="1" dirty="0" smtClean="0">
                 <a:solidFill>
                   <a:schemeClr val="accent6">
                     <a:lumMod val="75000"/>
@@ -4996,7 +5294,7 @@
               </a:rPr>
               <a:t>)</a:t>
             </a:r>
-            <a:endParaRPr lang="fr-FR" sz="8000" b="1" i="1" dirty="0">
+            <a:endParaRPr lang="fr-FR" sz="7200" b="1" i="1" dirty="0">
               <a:solidFill>
                 <a:schemeClr val="accent6">
                   <a:lumMod val="75000"/>
@@ -5051,12 +5349,13 @@
         </p:nvSpPr>
         <p:spPr>
           <a:xfrm>
-            <a:off x="0" y="374072"/>
-            <a:ext cx="12298680" cy="6001643"/>
+            <a:off x="-13648" y="368405"/>
+            <a:ext cx="12298680" cy="5632311"/>
           </a:xfrm>
           <a:prstGeom prst="rect">
             <a:avLst/>
           </a:prstGeom>
+          <a:noFill/>
         </p:spPr>
         <p:style>
           <a:lnRef idx="0">
@@ -5078,299 +5377,429 @@
           <a:p>
             <a:pPr algn="ctr"/>
             <a:r>
-              <a:rPr lang="en-GB" sz="9600" b="1" dirty="0" err="1" smtClean="0">
-                <a:solidFill>
-                  <a:schemeClr val="accent4"/>
-                </a:solidFill>
+              <a:rPr lang="en-GB" sz="7200" b="1" dirty="0" err="1" smtClean="0">
+                <a:effectLst>
+                  <a:outerShdw blurRad="38100" dist="38100" dir="2700000" algn="tl">
+                    <a:srgbClr val="000000">
+                      <a:alpha val="43137"/>
+                    </a:srgbClr>
+                  </a:outerShdw>
+                </a:effectLst>
                 <a:latin typeface="Apache" pitchFamily="2" charset="0"/>
               </a:rPr>
               <a:t>Raha</a:t>
             </a:r>
             <a:r>
-              <a:rPr lang="en-GB" sz="9600" b="1" dirty="0" smtClean="0">
-                <a:solidFill>
-                  <a:schemeClr val="accent4"/>
-                </a:solidFill>
-                <a:latin typeface="Apache" pitchFamily="2" charset="0"/>
-              </a:rPr>
-              <a:t> </a:t>
-            </a:r>
-            <a:r>
-              <a:rPr lang="en-GB" sz="9600" b="1" dirty="0">
-                <a:solidFill>
-                  <a:schemeClr val="accent4"/>
-                </a:solidFill>
+              <a:rPr lang="en-GB" sz="7200" b="1" dirty="0" smtClean="0">
+                <a:effectLst>
+                  <a:outerShdw blurRad="38100" dist="38100" dir="2700000" algn="tl">
+                    <a:srgbClr val="000000">
+                      <a:alpha val="43137"/>
+                    </a:srgbClr>
+                  </a:outerShdw>
+                </a:effectLst>
+                <a:latin typeface="Apache" pitchFamily="2" charset="0"/>
+              </a:rPr>
+              <a:t> </a:t>
+            </a:r>
+            <a:r>
+              <a:rPr lang="en-GB" sz="7200" b="1" dirty="0">
+                <a:effectLst>
+                  <a:outerShdw blurRad="38100" dist="38100" dir="2700000" algn="tl">
+                    <a:srgbClr val="000000">
+                      <a:alpha val="43137"/>
+                    </a:srgbClr>
+                  </a:outerShdw>
+                </a:effectLst>
                 <a:latin typeface="Apache" pitchFamily="2" charset="0"/>
               </a:rPr>
               <a:t>Jehovah no </a:t>
             </a:r>
             <a:r>
-              <a:rPr lang="en-GB" sz="9600" b="1" dirty="0" err="1" smtClean="0">
-                <a:solidFill>
-                  <a:schemeClr val="accent4"/>
-                </a:solidFill>
+              <a:rPr lang="en-GB" sz="7200" b="1" dirty="0" err="1" smtClean="0">
+                <a:effectLst>
+                  <a:outerShdw blurRad="38100" dist="38100" dir="2700000" algn="tl">
+                    <a:srgbClr val="000000">
+                      <a:alpha val="43137"/>
+                    </a:srgbClr>
+                  </a:outerShdw>
+                </a:effectLst>
                 <a:latin typeface="Apache" pitchFamily="2" charset="0"/>
               </a:rPr>
               <a:t>mpiandry</a:t>
             </a:r>
-            <a:endParaRPr lang="fr-FR" sz="9600" b="1" dirty="0">
-              <a:solidFill>
-                <a:schemeClr val="accent4"/>
-              </a:solidFill>
+            <a:endParaRPr lang="fr-FR" sz="7200" b="1" dirty="0">
+              <a:effectLst>
+                <a:outerShdw blurRad="38100" dist="38100" dir="2700000" algn="tl">
+                  <a:srgbClr val="000000">
+                    <a:alpha val="43137"/>
+                  </a:srgbClr>
+                </a:outerShdw>
+              </a:effectLst>
               <a:latin typeface="Apache" pitchFamily="2" charset="0"/>
             </a:endParaRPr>
           </a:p>
           <a:p>
             <a:pPr algn="ctr"/>
             <a:r>
-              <a:rPr lang="en-GB" sz="9600" b="1" dirty="0" smtClean="0">
-                <a:solidFill>
-                  <a:schemeClr val="accent4"/>
-                </a:solidFill>
-                <a:latin typeface="Apache" pitchFamily="2" charset="0"/>
-              </a:rPr>
-              <a:t> </a:t>
-            </a:r>
-            <a:r>
-              <a:rPr lang="en-GB" sz="9600" b="1" dirty="0" err="1">
-                <a:solidFill>
-                  <a:schemeClr val="accent4"/>
-                </a:solidFill>
+              <a:rPr lang="en-GB" sz="7200" b="1" dirty="0" smtClean="0">
+                <a:effectLst>
+                  <a:outerShdw blurRad="38100" dist="38100" dir="2700000" algn="tl">
+                    <a:srgbClr val="000000">
+                      <a:alpha val="43137"/>
+                    </a:srgbClr>
+                  </a:outerShdw>
+                </a:effectLst>
+                <a:latin typeface="Apache" pitchFamily="2" charset="0"/>
+              </a:rPr>
+              <a:t> </a:t>
+            </a:r>
+            <a:r>
+              <a:rPr lang="en-GB" sz="7200" b="1" dirty="0" err="1">
+                <a:effectLst>
+                  <a:outerShdw blurRad="38100" dist="38100" dir="2700000" algn="tl">
+                    <a:srgbClr val="000000">
+                      <a:alpha val="43137"/>
+                    </a:srgbClr>
+                  </a:outerShdw>
+                </a:effectLst>
                 <a:latin typeface="Apache" pitchFamily="2" charset="0"/>
               </a:rPr>
               <a:t>Tsy</a:t>
             </a:r>
             <a:r>
-              <a:rPr lang="en-GB" sz="9600" b="1" dirty="0">
-                <a:solidFill>
-                  <a:schemeClr val="accent4"/>
-                </a:solidFill>
-                <a:latin typeface="Apache" pitchFamily="2" charset="0"/>
-              </a:rPr>
-              <a:t> </a:t>
-            </a:r>
-            <a:r>
-              <a:rPr lang="en-GB" sz="9600" b="1" dirty="0" err="1">
-                <a:solidFill>
-                  <a:schemeClr val="accent4"/>
-                </a:solidFill>
+              <a:rPr lang="en-GB" sz="7200" b="1" dirty="0">
+                <a:effectLst>
+                  <a:outerShdw blurRad="38100" dist="38100" dir="2700000" algn="tl">
+                    <a:srgbClr val="000000">
+                      <a:alpha val="43137"/>
+                    </a:srgbClr>
+                  </a:outerShdw>
+                </a:effectLst>
+                <a:latin typeface="Apache" pitchFamily="2" charset="0"/>
+              </a:rPr>
+              <a:t> </a:t>
+            </a:r>
+            <a:r>
+              <a:rPr lang="en-GB" sz="7200" b="1" dirty="0" err="1">
+                <a:effectLst>
+                  <a:outerShdw blurRad="38100" dist="38100" dir="2700000" algn="tl">
+                    <a:srgbClr val="000000">
+                      <a:alpha val="43137"/>
+                    </a:srgbClr>
+                  </a:outerShdw>
+                </a:effectLst>
                 <a:latin typeface="Apache" pitchFamily="2" charset="0"/>
               </a:rPr>
               <a:t>mba</a:t>
             </a:r>
             <a:r>
-              <a:rPr lang="en-GB" sz="9600" b="1" dirty="0">
-                <a:solidFill>
-                  <a:schemeClr val="accent4"/>
-                </a:solidFill>
-                <a:latin typeface="Apache" pitchFamily="2" charset="0"/>
-              </a:rPr>
-              <a:t> </a:t>
-            </a:r>
-            <a:r>
-              <a:rPr lang="en-GB" sz="9600" b="1" dirty="0" err="1">
-                <a:solidFill>
-                  <a:schemeClr val="accent4"/>
-                </a:solidFill>
+              <a:rPr lang="en-GB" sz="7200" b="1" dirty="0">
+                <a:effectLst>
+                  <a:outerShdw blurRad="38100" dist="38100" dir="2700000" algn="tl">
+                    <a:srgbClr val="000000">
+                      <a:alpha val="43137"/>
+                    </a:srgbClr>
+                  </a:outerShdw>
+                </a:effectLst>
+                <a:latin typeface="Apache" pitchFamily="2" charset="0"/>
+              </a:rPr>
+              <a:t> </a:t>
+            </a:r>
+            <a:r>
+              <a:rPr lang="en-GB" sz="7200" b="1" dirty="0" err="1">
+                <a:effectLst>
+                  <a:outerShdw blurRad="38100" dist="38100" dir="2700000" algn="tl">
+                    <a:srgbClr val="000000">
+                      <a:alpha val="43137"/>
+                    </a:srgbClr>
+                  </a:outerShdw>
+                </a:effectLst>
                 <a:latin typeface="Apache" pitchFamily="2" charset="0"/>
               </a:rPr>
               <a:t>hisy</a:t>
             </a:r>
             <a:r>
-              <a:rPr lang="en-GB" sz="9600" b="1" dirty="0">
-                <a:solidFill>
-                  <a:schemeClr val="accent4"/>
-                </a:solidFill>
-                <a:latin typeface="Apache" pitchFamily="2" charset="0"/>
-              </a:rPr>
-              <a:t> </a:t>
-            </a:r>
-            <a:r>
-              <a:rPr lang="en-GB" sz="9600" b="1" dirty="0" err="1" smtClean="0">
-                <a:solidFill>
-                  <a:schemeClr val="accent4"/>
-                </a:solidFill>
+              <a:rPr lang="en-GB" sz="7200" b="1" dirty="0">
+                <a:effectLst>
+                  <a:outerShdw blurRad="38100" dist="38100" dir="2700000" algn="tl">
+                    <a:srgbClr val="000000">
+                      <a:alpha val="43137"/>
+                    </a:srgbClr>
+                  </a:outerShdw>
+                </a:effectLst>
+                <a:latin typeface="Apache" pitchFamily="2" charset="0"/>
+              </a:rPr>
+              <a:t> </a:t>
+            </a:r>
+            <a:r>
+              <a:rPr lang="en-GB" sz="7200" b="1" dirty="0" err="1" smtClean="0">
+                <a:effectLst>
+                  <a:outerShdw blurRad="38100" dist="38100" dir="2700000" algn="tl">
+                    <a:srgbClr val="000000">
+                      <a:alpha val="43137"/>
+                    </a:srgbClr>
+                  </a:outerShdw>
+                </a:effectLst>
                 <a:latin typeface="Apache" pitchFamily="2" charset="0"/>
               </a:rPr>
               <a:t>izay</a:t>
             </a:r>
             <a:r>
-              <a:rPr lang="en-GB" sz="9600" b="1" dirty="0" smtClean="0">
-                <a:solidFill>
-                  <a:schemeClr val="accent4"/>
-                </a:solidFill>
-                <a:latin typeface="Apache" pitchFamily="2" charset="0"/>
-              </a:rPr>
-              <a:t> </a:t>
-            </a:r>
-            <a:r>
-              <a:rPr lang="en-GB" sz="9600" b="1" dirty="0" err="1">
-                <a:solidFill>
-                  <a:schemeClr val="accent4"/>
-                </a:solidFill>
+              <a:rPr lang="en-GB" sz="7200" b="1" dirty="0" smtClean="0">
+                <a:effectLst>
+                  <a:outerShdw blurRad="38100" dist="38100" dir="2700000" algn="tl">
+                    <a:srgbClr val="000000">
+                      <a:alpha val="43137"/>
+                    </a:srgbClr>
+                  </a:outerShdw>
+                </a:effectLst>
+                <a:latin typeface="Apache" pitchFamily="2" charset="0"/>
+              </a:rPr>
+              <a:t> </a:t>
+            </a:r>
+            <a:r>
+              <a:rPr lang="en-GB" sz="7200" b="1" dirty="0" err="1">
+                <a:effectLst>
+                  <a:outerShdw blurRad="38100" dist="38100" dir="2700000" algn="tl">
+                    <a:srgbClr val="000000">
+                      <a:alpha val="43137"/>
+                    </a:srgbClr>
+                  </a:outerShdw>
+                </a:effectLst>
                 <a:latin typeface="Apache" pitchFamily="2" charset="0"/>
               </a:rPr>
               <a:t>m</a:t>
             </a:r>
             <a:r>
-              <a:rPr lang="en-GB" sz="9600" b="1" dirty="0" err="1" smtClean="0">
-                <a:solidFill>
-                  <a:schemeClr val="accent4"/>
-                </a:solidFill>
+              <a:rPr lang="en-GB" sz="7200" b="1" dirty="0" err="1" smtClean="0">
+                <a:effectLst>
+                  <a:outerShdw blurRad="38100" dist="38100" dir="2700000" algn="tl">
+                    <a:srgbClr val="000000">
+                      <a:alpha val="43137"/>
+                    </a:srgbClr>
+                  </a:outerShdw>
+                </a:effectLst>
                 <a:latin typeface="Apache" pitchFamily="2" charset="0"/>
               </a:rPr>
               <a:t>ampahory</a:t>
             </a:r>
             <a:r>
-              <a:rPr lang="en-GB" sz="9600" b="1" dirty="0">
-                <a:solidFill>
-                  <a:schemeClr val="accent4"/>
-                </a:solidFill>
+              <a:rPr lang="en-GB" sz="7200" b="1" dirty="0">
+                <a:effectLst>
+                  <a:outerShdw blurRad="38100" dist="38100" dir="2700000" algn="tl">
+                    <a:srgbClr val="000000">
+                      <a:alpha val="43137"/>
+                    </a:srgbClr>
+                  </a:outerShdw>
+                </a:effectLst>
                 <a:latin typeface="Apache" pitchFamily="2" charset="0"/>
               </a:rPr>
               <a:t>,</a:t>
             </a:r>
-            <a:endParaRPr lang="fr-FR" sz="9600" b="1" dirty="0" smtClean="0">
-              <a:solidFill>
-                <a:schemeClr val="accent4"/>
-              </a:solidFill>
-              <a:effectLst/>
+            <a:endParaRPr lang="fr-FR" sz="7200" b="1" dirty="0" smtClean="0">
+              <a:effectLst>
+                <a:outerShdw blurRad="38100" dist="38100" dir="2700000" algn="tl">
+                  <a:srgbClr val="000000">
+                    <a:alpha val="43137"/>
+                  </a:srgbClr>
+                </a:outerShdw>
+              </a:effectLst>
               <a:latin typeface="Apache" pitchFamily="2" charset="0"/>
             </a:endParaRPr>
           </a:p>
           <a:p>
             <a:pPr algn="ctr"/>
             <a:r>
-              <a:rPr lang="en-GB" sz="9600" b="1" dirty="0">
-                <a:solidFill>
-                  <a:schemeClr val="accent4"/>
-                </a:solidFill>
-                <a:latin typeface="Apache" pitchFamily="2" charset="0"/>
-              </a:rPr>
-              <a:t> </a:t>
-            </a:r>
-            <a:r>
-              <a:rPr lang="en-GB" sz="9600" b="1" dirty="0" err="1" smtClean="0">
-                <a:solidFill>
-                  <a:schemeClr val="accent4"/>
-                </a:solidFill>
+              <a:rPr lang="en-GB" sz="7200" b="1" dirty="0">
+                <a:effectLst>
+                  <a:outerShdw blurRad="38100" dist="38100" dir="2700000" algn="tl">
+                    <a:srgbClr val="000000">
+                      <a:alpha val="43137"/>
+                    </a:srgbClr>
+                  </a:outerShdw>
+                </a:effectLst>
+                <a:latin typeface="Apache" pitchFamily="2" charset="0"/>
+              </a:rPr>
+              <a:t> </a:t>
+            </a:r>
+            <a:r>
+              <a:rPr lang="en-GB" sz="7200" b="1" dirty="0" err="1" smtClean="0">
+                <a:effectLst>
+                  <a:outerShdw blurRad="38100" dist="38100" dir="2700000" algn="tl">
+                    <a:srgbClr val="000000">
+                      <a:alpha val="43137"/>
+                    </a:srgbClr>
+                  </a:outerShdw>
+                </a:effectLst>
                 <a:latin typeface="Apache" pitchFamily="2" charset="0"/>
               </a:rPr>
               <a:t>Ahimaintso</a:t>
             </a:r>
             <a:r>
-              <a:rPr lang="en-GB" sz="9600" b="1" dirty="0" smtClean="0">
-                <a:solidFill>
-                  <a:schemeClr val="accent4"/>
-                </a:solidFill>
-                <a:latin typeface="Apache" pitchFamily="2" charset="0"/>
-              </a:rPr>
-              <a:t> </a:t>
-            </a:r>
-            <a:r>
-              <a:rPr lang="en-GB" sz="9600" b="1" dirty="0">
-                <a:solidFill>
-                  <a:schemeClr val="accent4"/>
-                </a:solidFill>
+              <a:rPr lang="en-GB" sz="7200" b="1" dirty="0" smtClean="0">
+                <a:effectLst>
+                  <a:outerShdw blurRad="38100" dist="38100" dir="2700000" algn="tl">
+                    <a:srgbClr val="000000">
+                      <a:alpha val="43137"/>
+                    </a:srgbClr>
+                  </a:outerShdw>
+                </a:effectLst>
+                <a:latin typeface="Apache" pitchFamily="2" charset="0"/>
+              </a:rPr>
+              <a:t> </a:t>
+            </a:r>
+            <a:r>
+              <a:rPr lang="en-GB" sz="7200" b="1" dirty="0">
+                <a:effectLst>
+                  <a:outerShdw blurRad="38100" dist="38100" dir="2700000" algn="tl">
+                    <a:srgbClr val="000000">
+                      <a:alpha val="43137"/>
+                    </a:srgbClr>
+                  </a:outerShdw>
+                </a:effectLst>
                 <a:latin typeface="Apache" pitchFamily="2" charset="0"/>
               </a:rPr>
               <a:t>no </a:t>
             </a:r>
             <a:r>
-              <a:rPr lang="en-GB" sz="9600" b="1" dirty="0" err="1">
-                <a:solidFill>
-                  <a:schemeClr val="accent4"/>
-                </a:solidFill>
+              <a:rPr lang="en-GB" sz="7200" b="1" dirty="0" err="1">
+                <a:effectLst>
+                  <a:outerShdw blurRad="38100" dist="38100" dir="2700000" algn="tl">
+                    <a:srgbClr val="000000">
+                      <a:alpha val="43137"/>
+                    </a:srgbClr>
+                  </a:outerShdw>
+                </a:effectLst>
                 <a:latin typeface="Apache" pitchFamily="2" charset="0"/>
               </a:rPr>
               <a:t>handriako</a:t>
             </a:r>
-            <a:endParaRPr lang="fr-FR" sz="9600" b="1" dirty="0" smtClean="0">
-              <a:solidFill>
-                <a:schemeClr val="accent4"/>
-              </a:solidFill>
-              <a:effectLst/>
+            <a:endParaRPr lang="fr-FR" sz="7200" b="1" dirty="0" smtClean="0">
+              <a:effectLst>
+                <a:outerShdw blurRad="38100" dist="38100" dir="2700000" algn="tl">
+                  <a:srgbClr val="000000">
+                    <a:alpha val="43137"/>
+                  </a:srgbClr>
+                </a:outerShdw>
+              </a:effectLst>
               <a:latin typeface="Apache" pitchFamily="2" charset="0"/>
             </a:endParaRPr>
           </a:p>
           <a:p>
             <a:pPr algn="ctr"/>
             <a:r>
-              <a:rPr lang="en-GB" sz="9600" b="1" dirty="0">
-                <a:solidFill>
-                  <a:schemeClr val="accent4"/>
-                </a:solidFill>
+              <a:rPr lang="en-GB" sz="7200" b="1" dirty="0">
+                <a:effectLst>
+                  <a:outerShdw blurRad="38100" dist="38100" dir="2700000" algn="tl">
+                    <a:srgbClr val="000000">
+                      <a:alpha val="43137"/>
+                    </a:srgbClr>
+                  </a:outerShdw>
+                </a:effectLst>
                 <a:latin typeface="Apache" pitchFamily="2" charset="0"/>
               </a:rPr>
               <a:t>  </a:t>
             </a:r>
             <a:r>
-              <a:rPr lang="en-GB" sz="9600" b="1" dirty="0" smtClean="0">
-                <a:solidFill>
-                  <a:schemeClr val="accent4"/>
-                </a:solidFill>
-                <a:latin typeface="Apache" pitchFamily="2" charset="0"/>
-              </a:rPr>
-              <a:t> </a:t>
-            </a:r>
-            <a:r>
-              <a:rPr lang="en-GB" sz="9600" b="1" dirty="0" err="1" smtClean="0">
-                <a:solidFill>
-                  <a:schemeClr val="accent4"/>
-                </a:solidFill>
+              <a:rPr lang="en-GB" sz="7200" b="1" dirty="0" smtClean="0">
+                <a:effectLst>
+                  <a:outerShdw blurRad="38100" dist="38100" dir="2700000" algn="tl">
+                    <a:srgbClr val="000000">
+                      <a:alpha val="43137"/>
+                    </a:srgbClr>
+                  </a:outerShdw>
+                </a:effectLst>
+                <a:latin typeface="Apache" pitchFamily="2" charset="0"/>
+              </a:rPr>
+              <a:t> </a:t>
+            </a:r>
+            <a:r>
+              <a:rPr lang="en-GB" sz="7200" b="1" dirty="0" err="1" smtClean="0">
+                <a:effectLst>
+                  <a:outerShdw blurRad="38100" dist="38100" dir="2700000" algn="tl">
+                    <a:srgbClr val="000000">
+                      <a:alpha val="43137"/>
+                    </a:srgbClr>
+                  </a:outerShdw>
+                </a:effectLst>
                 <a:latin typeface="Apache" pitchFamily="2" charset="0"/>
               </a:rPr>
               <a:t>Ranon’aina</a:t>
             </a:r>
             <a:r>
-              <a:rPr lang="en-GB" sz="9600" b="1" dirty="0" smtClean="0">
-                <a:solidFill>
-                  <a:schemeClr val="accent4"/>
-                </a:solidFill>
-                <a:latin typeface="Apache" pitchFamily="2" charset="0"/>
-              </a:rPr>
-              <a:t> </a:t>
-            </a:r>
-            <a:r>
-              <a:rPr lang="en-GB" sz="9600" b="1" dirty="0" err="1">
-                <a:solidFill>
-                  <a:schemeClr val="accent4"/>
-                </a:solidFill>
+              <a:rPr lang="en-GB" sz="7200" b="1" dirty="0" smtClean="0">
+                <a:effectLst>
+                  <a:outerShdw blurRad="38100" dist="38100" dir="2700000" algn="tl">
+                    <a:srgbClr val="000000">
+                      <a:alpha val="43137"/>
+                    </a:srgbClr>
+                  </a:outerShdw>
+                </a:effectLst>
+                <a:latin typeface="Apache" pitchFamily="2" charset="0"/>
+              </a:rPr>
+              <a:t> </a:t>
+            </a:r>
+            <a:r>
+              <a:rPr lang="en-GB" sz="7200" b="1" dirty="0" err="1">
+                <a:effectLst>
+                  <a:outerShdw blurRad="38100" dist="38100" dir="2700000" algn="tl">
+                    <a:srgbClr val="000000">
+                      <a:alpha val="43137"/>
+                    </a:srgbClr>
+                  </a:outerShdw>
+                </a:effectLst>
                 <a:latin typeface="Apache" pitchFamily="2" charset="0"/>
               </a:rPr>
               <a:t>ho</a:t>
             </a:r>
             <a:r>
-              <a:rPr lang="en-GB" sz="9600" b="1" dirty="0">
-                <a:solidFill>
-                  <a:schemeClr val="accent4"/>
-                </a:solidFill>
-                <a:latin typeface="Apache" pitchFamily="2" charset="0"/>
-              </a:rPr>
-              <a:t> </a:t>
-            </a:r>
-            <a:r>
-              <a:rPr lang="en-GB" sz="9600" b="1" dirty="0" err="1" smtClean="0">
-                <a:solidFill>
-                  <a:schemeClr val="accent4"/>
-                </a:solidFill>
+              <a:rPr lang="en-GB" sz="7200" b="1" dirty="0">
+                <a:effectLst>
+                  <a:outerShdw blurRad="38100" dist="38100" dir="2700000" algn="tl">
+                    <a:srgbClr val="000000">
+                      <a:alpha val="43137"/>
+                    </a:srgbClr>
+                  </a:outerShdw>
+                </a:effectLst>
+                <a:latin typeface="Apache" pitchFamily="2" charset="0"/>
+              </a:rPr>
+              <a:t> </a:t>
+            </a:r>
+            <a:r>
+              <a:rPr lang="en-GB" sz="7200" b="1" dirty="0" err="1" smtClean="0">
+                <a:effectLst>
+                  <a:outerShdw blurRad="38100" dist="38100" dir="2700000" algn="tl">
+                    <a:srgbClr val="000000">
+                      <a:alpha val="43137"/>
+                    </a:srgbClr>
+                  </a:outerShdw>
+                </a:effectLst>
                 <a:latin typeface="Apache" pitchFamily="2" charset="0"/>
               </a:rPr>
               <a:t>sotroiko</a:t>
             </a:r>
             <a:r>
-              <a:rPr lang="en-GB" sz="9600" b="1" dirty="0" smtClean="0">
-                <a:solidFill>
-                  <a:schemeClr val="accent4"/>
-                </a:solidFill>
+              <a:rPr lang="en-GB" sz="7200" b="1" dirty="0" smtClean="0">
+                <a:effectLst>
+                  <a:outerShdw blurRad="38100" dist="38100" dir="2700000" algn="tl">
+                    <a:srgbClr val="000000">
+                      <a:alpha val="43137"/>
+                    </a:srgbClr>
+                  </a:outerShdw>
+                </a:effectLst>
                 <a:latin typeface="Apache" pitchFamily="2" charset="0"/>
               </a:rPr>
               <a:t>   </a:t>
             </a:r>
-            <a:endParaRPr lang="fr-FR" sz="9600" b="1" dirty="0">
-              <a:solidFill>
-                <a:schemeClr val="accent4"/>
-              </a:solidFill>
+            <a:endParaRPr lang="fr-FR" sz="7200" b="1" dirty="0">
+              <a:effectLst>
+                <a:outerShdw blurRad="38100" dist="38100" dir="2700000" algn="tl">
+                  <a:srgbClr val="000000">
+                    <a:alpha val="43137"/>
+                  </a:srgbClr>
+                </a:outerShdw>
+              </a:effectLst>
               <a:latin typeface="Apache" pitchFamily="2" charset="0"/>
             </a:endParaRPr>
           </a:p>
@@ -5379,7 +5808,7 @@
     </p:spTree>
     <p:extLst>
       <p:ext uri="{BB962C8B-B14F-4D97-AF65-F5344CB8AC3E}">
-        <p14:creationId xmlns:p14="http://schemas.microsoft.com/office/powerpoint/2010/main" val="321480561"/>
+        <p14:creationId xmlns:p14="http://schemas.microsoft.com/office/powerpoint/2010/main" val="2920849267"/>
       </p:ext>
     </p:extLst>
   </p:cSld>
@@ -5421,12 +5850,13 @@
         </p:nvSpPr>
         <p:spPr>
           <a:xfrm>
-            <a:off x="0" y="623455"/>
-            <a:ext cx="12192000" cy="5632311"/>
+            <a:off x="0" y="81888"/>
+            <a:ext cx="12192000" cy="6562630"/>
           </a:xfrm>
           <a:prstGeom prst="rect">
             <a:avLst/>
           </a:prstGeom>
+          <a:noFill/>
         </p:spPr>
         <p:style>
           <a:lnRef idx="0">
@@ -5446,310 +5876,457 @@
           </a:bodyPr>
           <a:lstStyle/>
           <a:p>
-            <a:pPr algn="ctr"/>
-            <a:endParaRPr lang="en-GB" sz="2000" b="1" dirty="0" smtClean="0"/>
-          </a:p>
-          <a:p>
-            <a:pPr algn="ctr"/>
-            <a:endParaRPr lang="en-GB" sz="2000" b="1" dirty="0"/>
-          </a:p>
-          <a:p>
-            <a:pPr algn="ctr"/>
-            <a:r>
-              <a:rPr lang="en-GB" sz="2000" b="1" dirty="0" smtClean="0"/>
-              <a:t> </a:t>
-            </a:r>
-            <a:r>
-              <a:rPr lang="en-GB" sz="8000" b="1" dirty="0" err="1">
-                <a:solidFill>
-                  <a:schemeClr val="accent4"/>
-                </a:solidFill>
+            <a:pPr algn="ctr">
+              <a:lnSpc>
+                <a:spcPct val="150000"/>
+              </a:lnSpc>
+            </a:pPr>
+            <a:r>
+              <a:rPr lang="en-GB" b="1" dirty="0" smtClean="0">
+                <a:effectLst>
+                  <a:outerShdw blurRad="38100" dist="38100" dir="2700000" algn="tl">
+                    <a:srgbClr val="000000">
+                      <a:alpha val="43137"/>
+                    </a:srgbClr>
+                  </a:outerShdw>
+                </a:effectLst>
+              </a:rPr>
+              <a:t> </a:t>
+            </a:r>
+            <a:r>
+              <a:rPr lang="en-GB" sz="7200" b="1" dirty="0" err="1">
+                <a:effectLst>
+                  <a:outerShdw blurRad="38100" dist="38100" dir="2700000" algn="tl">
+                    <a:srgbClr val="000000">
+                      <a:alpha val="43137"/>
+                    </a:srgbClr>
+                  </a:outerShdw>
+                </a:effectLst>
                 <a:latin typeface="Apache" pitchFamily="2" charset="0"/>
               </a:rPr>
               <a:t>Ny</a:t>
             </a:r>
             <a:r>
-              <a:rPr lang="en-GB" sz="8000" b="1" dirty="0">
-                <a:solidFill>
-                  <a:schemeClr val="accent4"/>
-                </a:solidFill>
-                <a:latin typeface="Apache" pitchFamily="2" charset="0"/>
-              </a:rPr>
-              <a:t> </a:t>
-            </a:r>
-            <a:r>
-              <a:rPr lang="en-GB" sz="8000" b="1" dirty="0" err="1">
-                <a:solidFill>
-                  <a:schemeClr val="accent4"/>
-                </a:solidFill>
+              <a:rPr lang="en-GB" sz="7200" b="1" dirty="0">
+                <a:effectLst>
+                  <a:outerShdw blurRad="38100" dist="38100" dir="2700000" algn="tl">
+                    <a:srgbClr val="000000">
+                      <a:alpha val="43137"/>
+                    </a:srgbClr>
+                  </a:outerShdw>
+                </a:effectLst>
+                <a:latin typeface="Apache" pitchFamily="2" charset="0"/>
+              </a:rPr>
+              <a:t> </a:t>
+            </a:r>
+            <a:r>
+              <a:rPr lang="en-GB" sz="7200" b="1" dirty="0" err="1">
+                <a:effectLst>
+                  <a:outerShdw blurRad="38100" dist="38100" dir="2700000" algn="tl">
+                    <a:srgbClr val="000000">
+                      <a:alpha val="43137"/>
+                    </a:srgbClr>
+                  </a:outerShdw>
+                </a:effectLst>
                 <a:latin typeface="Apache" pitchFamily="2" charset="0"/>
               </a:rPr>
               <a:t>fanahiko</a:t>
             </a:r>
             <a:r>
-              <a:rPr lang="en-GB" sz="8000" b="1" dirty="0">
-                <a:solidFill>
-                  <a:schemeClr val="accent4"/>
-                </a:solidFill>
-                <a:latin typeface="Apache" pitchFamily="2" charset="0"/>
-              </a:rPr>
-              <a:t> </a:t>
-            </a:r>
-            <a:r>
-              <a:rPr lang="en-GB" sz="8000" b="1" dirty="0" err="1">
-                <a:solidFill>
-                  <a:schemeClr val="accent4"/>
-                </a:solidFill>
+              <a:rPr lang="en-GB" sz="7200" b="1" dirty="0">
+                <a:effectLst>
+                  <a:outerShdw blurRad="38100" dist="38100" dir="2700000" algn="tl">
+                    <a:srgbClr val="000000">
+                      <a:alpha val="43137"/>
+                    </a:srgbClr>
+                  </a:outerShdw>
+                </a:effectLst>
+                <a:latin typeface="Apache" pitchFamily="2" charset="0"/>
+              </a:rPr>
+              <a:t> </a:t>
+            </a:r>
+            <a:r>
+              <a:rPr lang="en-GB" sz="7200" b="1" dirty="0" err="1">
+                <a:effectLst>
+                  <a:outerShdw blurRad="38100" dist="38100" dir="2700000" algn="tl">
+                    <a:srgbClr val="000000">
+                      <a:alpha val="43137"/>
+                    </a:srgbClr>
+                  </a:outerShdw>
+                </a:effectLst>
                 <a:latin typeface="Apache" pitchFamily="2" charset="0"/>
               </a:rPr>
               <a:t>ho</a:t>
             </a:r>
             <a:r>
-              <a:rPr lang="en-GB" sz="8000" b="1" dirty="0">
-                <a:solidFill>
-                  <a:schemeClr val="accent4"/>
-                </a:solidFill>
-                <a:latin typeface="Apache" pitchFamily="2" charset="0"/>
-              </a:rPr>
-              <a:t> </a:t>
-            </a:r>
-            <a:r>
-              <a:rPr lang="en-GB" sz="8000" b="1" dirty="0" err="1">
-                <a:solidFill>
-                  <a:schemeClr val="accent4"/>
-                </a:solidFill>
+              <a:rPr lang="en-GB" sz="7200" b="1" dirty="0">
+                <a:effectLst>
+                  <a:outerShdw blurRad="38100" dist="38100" dir="2700000" algn="tl">
+                    <a:srgbClr val="000000">
+                      <a:alpha val="43137"/>
+                    </a:srgbClr>
+                  </a:outerShdw>
+                </a:effectLst>
+                <a:latin typeface="Apache" pitchFamily="2" charset="0"/>
+              </a:rPr>
+              <a:t> </a:t>
+            </a:r>
+            <a:r>
+              <a:rPr lang="en-GB" sz="7200" b="1" dirty="0" err="1">
+                <a:effectLst>
+                  <a:outerShdw blurRad="38100" dist="38100" dir="2700000" algn="tl">
+                    <a:srgbClr val="000000">
+                      <a:alpha val="43137"/>
+                    </a:srgbClr>
+                  </a:outerShdw>
+                </a:effectLst>
                 <a:latin typeface="Apache" pitchFamily="2" charset="0"/>
               </a:rPr>
               <a:t>velominy</a:t>
             </a:r>
-            <a:endParaRPr lang="fr-FR" sz="8000" b="1" dirty="0">
-              <a:solidFill>
-                <a:schemeClr val="accent4"/>
-              </a:solidFill>
+            <a:endParaRPr lang="fr-FR" sz="7200" b="1" dirty="0">
+              <a:effectLst>
+                <a:outerShdw blurRad="38100" dist="38100" dir="2700000" algn="tl">
+                  <a:srgbClr val="000000">
+                    <a:alpha val="43137"/>
+                  </a:srgbClr>
+                </a:outerShdw>
+              </a:effectLst>
               <a:latin typeface="Apache" pitchFamily="2" charset="0"/>
             </a:endParaRPr>
           </a:p>
           <a:p>
-            <a:pPr algn="ctr"/>
-            <a:r>
-              <a:rPr lang="en-GB" sz="8000" b="1" dirty="0" err="1">
-                <a:solidFill>
-                  <a:schemeClr val="accent4"/>
-                </a:solidFill>
+            <a:pPr algn="ctr">
+              <a:lnSpc>
+                <a:spcPct val="150000"/>
+              </a:lnSpc>
+            </a:pPr>
+            <a:r>
+              <a:rPr lang="en-GB" sz="7200" b="1" dirty="0" err="1">
+                <a:effectLst>
+                  <a:outerShdw blurRad="38100" dist="38100" dir="2700000" algn="tl">
+                    <a:srgbClr val="000000">
+                      <a:alpha val="43137"/>
+                    </a:srgbClr>
+                  </a:outerShdw>
+                </a:effectLst>
                 <a:latin typeface="Apache" pitchFamily="2" charset="0"/>
               </a:rPr>
               <a:t>Miasa</a:t>
             </a:r>
             <a:r>
-              <a:rPr lang="en-GB" sz="8000" b="1" dirty="0">
-                <a:solidFill>
-                  <a:schemeClr val="accent4"/>
-                </a:solidFill>
-                <a:latin typeface="Apache" pitchFamily="2" charset="0"/>
-              </a:rPr>
-              <a:t> </a:t>
-            </a:r>
-            <a:r>
-              <a:rPr lang="en-GB" sz="8000" b="1" dirty="0" err="1">
-                <a:solidFill>
-                  <a:schemeClr val="accent4"/>
-                </a:solidFill>
+              <a:rPr lang="en-GB" sz="7200" b="1" dirty="0">
+                <a:effectLst>
+                  <a:outerShdw blurRad="38100" dist="38100" dir="2700000" algn="tl">
+                    <a:srgbClr val="000000">
+                      <a:alpha val="43137"/>
+                    </a:srgbClr>
+                  </a:outerShdw>
+                </a:effectLst>
+                <a:latin typeface="Apache" pitchFamily="2" charset="0"/>
+              </a:rPr>
+              <a:t> </a:t>
+            </a:r>
+            <a:r>
+              <a:rPr lang="en-GB" sz="7200" b="1" dirty="0" err="1">
+                <a:effectLst>
+                  <a:outerShdw blurRad="38100" dist="38100" dir="2700000" algn="tl">
+                    <a:srgbClr val="000000">
+                      <a:alpha val="43137"/>
+                    </a:srgbClr>
+                  </a:outerShdw>
+                </a:effectLst>
                 <a:latin typeface="Apache" pitchFamily="2" charset="0"/>
               </a:rPr>
               <a:t>Izy</a:t>
             </a:r>
             <a:r>
-              <a:rPr lang="en-GB" sz="8000" b="1" dirty="0">
-                <a:solidFill>
-                  <a:schemeClr val="accent4"/>
-                </a:solidFill>
-                <a:latin typeface="Apache" pitchFamily="2" charset="0"/>
-              </a:rPr>
-              <a:t> </a:t>
-            </a:r>
-            <a:r>
-              <a:rPr lang="en-GB" sz="8000" b="1" dirty="0" err="1">
-                <a:solidFill>
-                  <a:schemeClr val="accent4"/>
-                </a:solidFill>
+              <a:rPr lang="en-GB" sz="7200" b="1" dirty="0">
+                <a:effectLst>
+                  <a:outerShdw blurRad="38100" dist="38100" dir="2700000" algn="tl">
+                    <a:srgbClr val="000000">
+                      <a:alpha val="43137"/>
+                    </a:srgbClr>
+                  </a:outerShdw>
+                </a:effectLst>
+                <a:latin typeface="Apache" pitchFamily="2" charset="0"/>
+              </a:rPr>
+              <a:t> </a:t>
+            </a:r>
+            <a:r>
+              <a:rPr lang="en-GB" sz="7200" b="1" dirty="0" err="1">
+                <a:effectLst>
+                  <a:outerShdw blurRad="38100" dist="38100" dir="2700000" algn="tl">
+                    <a:srgbClr val="000000">
+                      <a:alpha val="43137"/>
+                    </a:srgbClr>
+                  </a:outerShdw>
+                </a:effectLst>
                 <a:latin typeface="Apache" pitchFamily="2" charset="0"/>
               </a:rPr>
               <a:t>tsy</a:t>
             </a:r>
             <a:r>
-              <a:rPr lang="en-GB" sz="8000" b="1" dirty="0">
-                <a:solidFill>
-                  <a:schemeClr val="accent4"/>
-                </a:solidFill>
-                <a:latin typeface="Apache" pitchFamily="2" charset="0"/>
-              </a:rPr>
-              <a:t> </a:t>
-            </a:r>
-            <a:r>
-              <a:rPr lang="en-GB" sz="8000" b="1" dirty="0" err="1">
-                <a:solidFill>
-                  <a:schemeClr val="accent4"/>
-                </a:solidFill>
+              <a:rPr lang="en-GB" sz="7200" b="1" dirty="0">
+                <a:effectLst>
+                  <a:outerShdw blurRad="38100" dist="38100" dir="2700000" algn="tl">
+                    <a:srgbClr val="000000">
+                      <a:alpha val="43137"/>
+                    </a:srgbClr>
+                  </a:outerShdw>
+                </a:effectLst>
+                <a:latin typeface="Apache" pitchFamily="2" charset="0"/>
+              </a:rPr>
+              <a:t> </a:t>
+            </a:r>
+            <a:r>
+              <a:rPr lang="en-GB" sz="7200" b="1" dirty="0" err="1">
+                <a:effectLst>
+                  <a:outerShdw blurRad="38100" dist="38100" dir="2700000" algn="tl">
+                    <a:srgbClr val="000000">
+                      <a:alpha val="43137"/>
+                    </a:srgbClr>
+                  </a:outerShdw>
+                </a:effectLst>
                 <a:latin typeface="Apache" pitchFamily="2" charset="0"/>
               </a:rPr>
               <a:t>mba</a:t>
             </a:r>
             <a:r>
-              <a:rPr lang="en-GB" sz="8000" b="1" dirty="0">
-                <a:solidFill>
-                  <a:schemeClr val="accent4"/>
-                </a:solidFill>
-                <a:latin typeface="Apache" pitchFamily="2" charset="0"/>
-              </a:rPr>
-              <a:t> </a:t>
-            </a:r>
-            <a:r>
-              <a:rPr lang="en-GB" sz="8000" b="1" dirty="0" err="1">
-                <a:solidFill>
-                  <a:schemeClr val="accent4"/>
-                </a:solidFill>
+              <a:rPr lang="en-GB" sz="7200" b="1" dirty="0">
+                <a:effectLst>
+                  <a:outerShdw blurRad="38100" dist="38100" dir="2700000" algn="tl">
+                    <a:srgbClr val="000000">
+                      <a:alpha val="43137"/>
+                    </a:srgbClr>
+                  </a:outerShdw>
+                </a:effectLst>
+                <a:latin typeface="Apache" pitchFamily="2" charset="0"/>
+              </a:rPr>
+              <a:t> </a:t>
+            </a:r>
+            <a:r>
+              <a:rPr lang="en-GB" sz="7200" b="1" dirty="0" err="1">
+                <a:effectLst>
+                  <a:outerShdw blurRad="38100" dist="38100" dir="2700000" algn="tl">
+                    <a:srgbClr val="000000">
+                      <a:alpha val="43137"/>
+                    </a:srgbClr>
+                  </a:outerShdw>
+                </a:effectLst>
                 <a:latin typeface="Apache" pitchFamily="2" charset="0"/>
               </a:rPr>
               <a:t>matory</a:t>
             </a:r>
             <a:r>
-              <a:rPr lang="en-GB" sz="8000" b="1" dirty="0">
-                <a:solidFill>
-                  <a:schemeClr val="accent4"/>
-                </a:solidFill>
+              <a:rPr lang="en-GB" sz="7200" b="1" dirty="0">
+                <a:effectLst>
+                  <a:outerShdw blurRad="38100" dist="38100" dir="2700000" algn="tl">
+                    <a:srgbClr val="000000">
+                      <a:alpha val="43137"/>
+                    </a:srgbClr>
+                  </a:outerShdw>
+                </a:effectLst>
                 <a:latin typeface="Apache" pitchFamily="2" charset="0"/>
               </a:rPr>
               <a:t>,</a:t>
             </a:r>
-            <a:endParaRPr lang="fr-FR" sz="8000" b="1" dirty="0">
-              <a:solidFill>
-                <a:schemeClr val="accent4"/>
-              </a:solidFill>
+            <a:endParaRPr lang="fr-FR" sz="7200" b="1" dirty="0">
+              <a:effectLst>
+                <a:outerShdw blurRad="38100" dist="38100" dir="2700000" algn="tl">
+                  <a:srgbClr val="000000">
+                    <a:alpha val="43137"/>
+                  </a:srgbClr>
+                </a:outerShdw>
+              </a:effectLst>
               <a:latin typeface="Apache" pitchFamily="2" charset="0"/>
             </a:endParaRPr>
           </a:p>
           <a:p>
-            <a:pPr algn="ctr"/>
-            <a:r>
-              <a:rPr lang="en-GB" sz="8000" b="1" dirty="0">
-                <a:solidFill>
-                  <a:schemeClr val="accent4"/>
-                </a:solidFill>
+            <a:pPr algn="ctr">
+              <a:lnSpc>
+                <a:spcPct val="150000"/>
+              </a:lnSpc>
+            </a:pPr>
+            <a:r>
+              <a:rPr lang="en-GB" sz="7200" b="1" dirty="0">
+                <a:effectLst>
+                  <a:outerShdw blurRad="38100" dist="38100" dir="2700000" algn="tl">
+                    <a:srgbClr val="000000">
+                      <a:alpha val="43137"/>
+                    </a:srgbClr>
+                  </a:outerShdw>
+                </a:effectLst>
                 <a:latin typeface="Apache" pitchFamily="2" charset="0"/>
               </a:rPr>
               <a:t>  </a:t>
             </a:r>
             <a:r>
-              <a:rPr lang="en-GB" sz="8000" b="1" dirty="0" err="1">
-                <a:solidFill>
-                  <a:schemeClr val="accent4"/>
-                </a:solidFill>
+              <a:rPr lang="en-GB" sz="7200" b="1" dirty="0" err="1">
+                <a:effectLst>
+                  <a:outerShdw blurRad="38100" dist="38100" dir="2700000" algn="tl">
+                    <a:srgbClr val="000000">
+                      <a:alpha val="43137"/>
+                    </a:srgbClr>
+                  </a:outerShdw>
+                </a:effectLst>
                 <a:latin typeface="Apache" pitchFamily="2" charset="0"/>
               </a:rPr>
               <a:t>Lala</a:t>
             </a:r>
             <a:r>
-              <a:rPr lang="en-GB" sz="8000" b="1" dirty="0">
-                <a:solidFill>
-                  <a:schemeClr val="accent4"/>
-                </a:solidFill>
+              <a:rPr lang="en-GB" sz="7200" b="1" dirty="0">
+                <a:effectLst>
+                  <a:outerShdw blurRad="38100" dist="38100" dir="2700000" algn="tl">
+                    <a:srgbClr val="000000">
+                      <a:alpha val="43137"/>
+                    </a:srgbClr>
+                  </a:outerShdw>
+                </a:effectLst>
                 <a:latin typeface="Apache" pitchFamily="2" charset="0"/>
               </a:rPr>
               <a:t>-marina </a:t>
             </a:r>
             <a:r>
-              <a:rPr lang="en-GB" sz="8000" b="1" dirty="0" err="1">
-                <a:solidFill>
-                  <a:schemeClr val="accent4"/>
-                </a:solidFill>
+              <a:rPr lang="en-GB" sz="7200" b="1" dirty="0" err="1">
+                <a:effectLst>
+                  <a:outerShdw blurRad="38100" dist="38100" dir="2700000" algn="tl">
+                    <a:srgbClr val="000000">
+                      <a:alpha val="43137"/>
+                    </a:srgbClr>
+                  </a:outerShdw>
+                </a:effectLst>
                 <a:latin typeface="Apache" pitchFamily="2" charset="0"/>
               </a:rPr>
               <a:t>itondrany</a:t>
             </a:r>
-            <a:endParaRPr lang="fr-FR" sz="8000" b="1" dirty="0">
-              <a:solidFill>
-                <a:schemeClr val="accent4"/>
-              </a:solidFill>
+            <a:endParaRPr lang="fr-FR" sz="7200" b="1" dirty="0">
+              <a:effectLst>
+                <a:outerShdw blurRad="38100" dist="38100" dir="2700000" algn="tl">
+                  <a:srgbClr val="000000">
+                    <a:alpha val="43137"/>
+                  </a:srgbClr>
+                </a:outerShdw>
+              </a:effectLst>
               <a:latin typeface="Apache" pitchFamily="2" charset="0"/>
             </a:endParaRPr>
           </a:p>
           <a:p>
-            <a:pPr algn="ctr"/>
-            <a:r>
-              <a:rPr lang="en-GB" sz="8000" b="1" dirty="0">
-                <a:solidFill>
-                  <a:schemeClr val="accent4"/>
-                </a:solidFill>
+            <a:pPr algn="ctr">
+              <a:lnSpc>
+                <a:spcPct val="150000"/>
+              </a:lnSpc>
+            </a:pPr>
+            <a:r>
+              <a:rPr lang="en-GB" sz="7200" b="1" dirty="0">
+                <a:effectLst>
+                  <a:outerShdw blurRad="38100" dist="38100" dir="2700000" algn="tl">
+                    <a:srgbClr val="000000">
+                      <a:alpha val="43137"/>
+                    </a:srgbClr>
+                  </a:outerShdw>
+                </a:effectLst>
                 <a:latin typeface="Apache" pitchFamily="2" charset="0"/>
               </a:rPr>
               <a:t>  </a:t>
             </a:r>
             <a:r>
-              <a:rPr lang="en-GB" sz="8000" b="1" dirty="0" err="1" smtClean="0">
-                <a:solidFill>
-                  <a:schemeClr val="accent4"/>
-                </a:solidFill>
+              <a:rPr lang="en-GB" sz="7200" b="1" dirty="0" err="1" smtClean="0">
+                <a:effectLst>
+                  <a:outerShdw blurRad="38100" dist="38100" dir="2700000" algn="tl">
+                    <a:srgbClr val="000000">
+                      <a:alpha val="43137"/>
+                    </a:srgbClr>
+                  </a:outerShdw>
+                </a:effectLst>
                 <a:latin typeface="Apache" pitchFamily="2" charset="0"/>
               </a:rPr>
               <a:t>Tsy</a:t>
             </a:r>
             <a:r>
-              <a:rPr lang="en-GB" sz="8000" b="1" dirty="0" smtClean="0">
-                <a:solidFill>
-                  <a:schemeClr val="accent4"/>
-                </a:solidFill>
-                <a:latin typeface="Apache" pitchFamily="2" charset="0"/>
-              </a:rPr>
-              <a:t> </a:t>
-            </a:r>
-            <a:r>
-              <a:rPr lang="en-GB" sz="8000" b="1" dirty="0" err="1">
-                <a:solidFill>
-                  <a:schemeClr val="accent4"/>
-                </a:solidFill>
+              <a:rPr lang="en-GB" sz="7200" b="1" dirty="0" smtClean="0">
+                <a:effectLst>
+                  <a:outerShdw blurRad="38100" dist="38100" dir="2700000" algn="tl">
+                    <a:srgbClr val="000000">
+                      <a:alpha val="43137"/>
+                    </a:srgbClr>
+                  </a:outerShdw>
+                </a:effectLst>
+                <a:latin typeface="Apache" pitchFamily="2" charset="0"/>
+              </a:rPr>
+              <a:t> </a:t>
+            </a:r>
+            <a:r>
+              <a:rPr lang="en-GB" sz="7200" b="1" dirty="0" err="1">
+                <a:effectLst>
+                  <a:outerShdw blurRad="38100" dist="38100" dir="2700000" algn="tl">
+                    <a:srgbClr val="000000">
+                      <a:alpha val="43137"/>
+                    </a:srgbClr>
+                  </a:outerShdw>
+                </a:effectLst>
                 <a:latin typeface="Apache" pitchFamily="2" charset="0"/>
               </a:rPr>
               <a:t>ho</a:t>
             </a:r>
             <a:r>
-              <a:rPr lang="en-GB" sz="8000" b="1" dirty="0">
-                <a:solidFill>
-                  <a:schemeClr val="accent4"/>
-                </a:solidFill>
-                <a:latin typeface="Apache" pitchFamily="2" charset="0"/>
-              </a:rPr>
-              <a:t> </a:t>
-            </a:r>
-            <a:r>
-              <a:rPr lang="en-GB" sz="8000" b="1" dirty="0" err="1">
-                <a:solidFill>
-                  <a:schemeClr val="accent4"/>
-                </a:solidFill>
+              <a:rPr lang="en-GB" sz="7200" b="1" dirty="0">
+                <a:effectLst>
+                  <a:outerShdw blurRad="38100" dist="38100" dir="2700000" algn="tl">
+                    <a:srgbClr val="000000">
+                      <a:alpha val="43137"/>
+                    </a:srgbClr>
+                  </a:outerShdw>
+                </a:effectLst>
+                <a:latin typeface="Apache" pitchFamily="2" charset="0"/>
+              </a:rPr>
+              <a:t> </a:t>
+            </a:r>
+            <a:r>
+              <a:rPr lang="en-GB" sz="7200" b="1" dirty="0" err="1">
+                <a:effectLst>
+                  <a:outerShdw blurRad="38100" dist="38100" dir="2700000" algn="tl">
+                    <a:srgbClr val="000000">
+                      <a:alpha val="43137"/>
+                    </a:srgbClr>
+                  </a:outerShdw>
+                </a:effectLst>
                 <a:latin typeface="Apache" pitchFamily="2" charset="0"/>
               </a:rPr>
               <a:t>foiko</a:t>
             </a:r>
             <a:r>
-              <a:rPr lang="en-GB" sz="8000" b="1" dirty="0">
-                <a:solidFill>
-                  <a:schemeClr val="accent4"/>
-                </a:solidFill>
+              <a:rPr lang="en-GB" sz="7200" b="1" dirty="0">
+                <a:effectLst>
+                  <a:outerShdw blurRad="38100" dist="38100" dir="2700000" algn="tl">
+                    <a:srgbClr val="000000">
+                      <a:alpha val="43137"/>
+                    </a:srgbClr>
+                  </a:outerShdw>
+                </a:effectLst>
                 <a:latin typeface="Apache" pitchFamily="2" charset="0"/>
               </a:rPr>
               <a:t>.</a:t>
             </a:r>
             <a:r>
-              <a:rPr lang="fr-FR" sz="8000" b="1" dirty="0" smtClean="0"/>
-              <a:t> </a:t>
-            </a:r>
-            <a:endParaRPr lang="fr-FR" sz="8000" b="1" dirty="0"/>
+              <a:rPr lang="fr-FR" sz="7200" b="1" dirty="0" smtClean="0">
+                <a:effectLst>
+                  <a:outerShdw blurRad="38100" dist="38100" dir="2700000" algn="tl">
+                    <a:srgbClr val="000000">
+                      <a:alpha val="43137"/>
+                    </a:srgbClr>
+                  </a:outerShdw>
+                </a:effectLst>
+              </a:rPr>
+              <a:t> </a:t>
+            </a:r>
           </a:p>
         </p:txBody>
       </p:sp>
     </p:spTree>
     <p:extLst>
       <p:ext uri="{BB962C8B-B14F-4D97-AF65-F5344CB8AC3E}">
-        <p14:creationId xmlns:p14="http://schemas.microsoft.com/office/powerpoint/2010/main" val="1706344600"/>
+        <p14:creationId xmlns:p14="http://schemas.microsoft.com/office/powerpoint/2010/main" val="746080977"/>
       </p:ext>
     </p:extLst>
   </p:cSld>
@@ -5791,8 +6368,8 @@
         </p:nvSpPr>
         <p:spPr>
           <a:xfrm>
-            <a:off x="0" y="695498"/>
-            <a:ext cx="12192000" cy="5755422"/>
+            <a:off x="0" y="681850"/>
+            <a:ext cx="12192000" cy="5447645"/>
           </a:xfrm>
           <a:prstGeom prst="rect">
             <a:avLst/>
@@ -5807,36 +6384,36 @@
           <a:p>
             <a:pPr algn="ctr"/>
             <a:r>
-              <a:rPr lang="en-GB" sz="9600" b="1" dirty="0">
+              <a:rPr lang="en-GB" sz="7200" b="1" dirty="0">
                 <a:latin typeface="Apache" pitchFamily="2" charset="0"/>
               </a:rPr>
               <a:t>1 </a:t>
             </a:r>
             <a:r>
-              <a:rPr lang="en-GB" sz="9600" b="1" dirty="0" err="1">
+              <a:rPr lang="en-GB" sz="7200" b="1" dirty="0" err="1">
                 <a:latin typeface="Apache" pitchFamily="2" charset="0"/>
               </a:rPr>
               <a:t>Raha</a:t>
             </a:r>
             <a:r>
-              <a:rPr lang="en-GB" sz="9600" b="1" dirty="0">
+              <a:rPr lang="en-GB" sz="7200" b="1" dirty="0">
                 <a:latin typeface="Apache" pitchFamily="2" charset="0"/>
               </a:rPr>
               <a:t> Jehovah no </a:t>
             </a:r>
             <a:r>
-              <a:rPr lang="en-GB" sz="9600" b="1" dirty="0" err="1">
+              <a:rPr lang="en-GB" sz="7200" b="1" dirty="0" err="1">
                 <a:latin typeface="Apache" pitchFamily="2" charset="0"/>
               </a:rPr>
               <a:t>Mpiandry</a:t>
             </a:r>
             <a:r>
-              <a:rPr lang="en-GB" sz="9600" b="1" dirty="0">
+              <a:rPr lang="en-GB" sz="7200" b="1" dirty="0">
                 <a:latin typeface="Apache" pitchFamily="2" charset="0"/>
               </a:rPr>
               <a:t>,</a:t>
             </a:r>
-            <a:endParaRPr lang="fr-FR" sz="9600" b="1" dirty="0" smtClean="0">
+            <a:endParaRPr lang="fr-FR" sz="7200" b="1" dirty="0" smtClean="0">
               <a:effectLst/>
               <a:latin typeface="Apache" pitchFamily="2" charset="0"/>
             </a:endParaRPr>
@@ -5844,60 +6421,54 @@
           <a:p>
             <a:pPr algn="ctr"/>
             <a:r>
-              <a:rPr lang="en-GB" sz="9600" b="1" dirty="0">
-                <a:latin typeface="Apache" pitchFamily="2" charset="0"/>
-              </a:rPr>
-              <a:t>   </a:t>
-            </a:r>
-            <a:r>
-              <a:rPr lang="en-GB" sz="9600" b="1" dirty="0" err="1">
+              <a:rPr lang="en-GB" sz="7200" b="1" dirty="0" err="1" smtClean="0">
                 <a:latin typeface="Apache" pitchFamily="2" charset="0"/>
               </a:rPr>
               <a:t>Tsy</a:t>
             </a:r>
             <a:r>
-              <a:rPr lang="en-GB" sz="9600" b="1" dirty="0">
-                <a:latin typeface="Apache" pitchFamily="2" charset="0"/>
-              </a:rPr>
-              <a:t> </a:t>
-            </a:r>
-            <a:r>
-              <a:rPr lang="en-GB" sz="9600" b="1" dirty="0" err="1">
+              <a:rPr lang="en-GB" sz="7200" b="1" dirty="0" smtClean="0">
+                <a:latin typeface="Apache" pitchFamily="2" charset="0"/>
+              </a:rPr>
+              <a:t> </a:t>
+            </a:r>
+            <a:r>
+              <a:rPr lang="en-GB" sz="7200" b="1" dirty="0" err="1">
                 <a:latin typeface="Apache" pitchFamily="2" charset="0"/>
               </a:rPr>
               <a:t>mba</a:t>
             </a:r>
             <a:r>
-              <a:rPr lang="en-GB" sz="9600" b="1" dirty="0">
-                <a:latin typeface="Apache" pitchFamily="2" charset="0"/>
-              </a:rPr>
-              <a:t> </a:t>
-            </a:r>
-            <a:r>
-              <a:rPr lang="en-GB" sz="9600" b="1" dirty="0" err="1">
+              <a:rPr lang="en-GB" sz="7200" b="1" dirty="0">
+                <a:latin typeface="Apache" pitchFamily="2" charset="0"/>
+              </a:rPr>
+              <a:t> </a:t>
+            </a:r>
+            <a:r>
+              <a:rPr lang="en-GB" sz="7200" b="1" dirty="0" err="1">
                 <a:latin typeface="Apache" pitchFamily="2" charset="0"/>
               </a:rPr>
               <a:t>hisy</a:t>
             </a:r>
             <a:r>
-              <a:rPr lang="en-GB" sz="9600" b="1" dirty="0">
-                <a:latin typeface="Apache" pitchFamily="2" charset="0"/>
-              </a:rPr>
-              <a:t> </a:t>
-            </a:r>
-            <a:r>
-              <a:rPr lang="en-GB" sz="9600" b="1" dirty="0" err="1">
+              <a:rPr lang="en-GB" sz="7200" b="1" dirty="0">
+                <a:latin typeface="Apache" pitchFamily="2" charset="0"/>
+              </a:rPr>
+              <a:t> </a:t>
+            </a:r>
+            <a:r>
+              <a:rPr lang="en-GB" sz="7200" b="1" dirty="0" err="1">
                 <a:latin typeface="Apache" pitchFamily="2" charset="0"/>
               </a:rPr>
               <a:t>mampahory</a:t>
             </a:r>
             <a:r>
-              <a:rPr lang="en-GB" sz="9600" b="1" dirty="0">
+              <a:rPr lang="en-GB" sz="7200" b="1" dirty="0">
                 <a:latin typeface="Apache" pitchFamily="2" charset="0"/>
               </a:rPr>
               <a:t> ;</a:t>
             </a:r>
-            <a:endParaRPr lang="fr-FR" sz="9600" b="1" dirty="0" smtClean="0">
+            <a:endParaRPr lang="fr-FR" sz="7200" b="1" dirty="0" smtClean="0">
               <a:effectLst/>
               <a:latin typeface="Apache" pitchFamily="2" charset="0"/>
             </a:endParaRPr>
@@ -5905,31 +6476,31 @@
           <a:p>
             <a:pPr algn="ctr"/>
             <a:r>
-              <a:rPr lang="en-GB" sz="9600" b="1" dirty="0">
+              <a:rPr lang="en-GB" sz="7200" b="1" dirty="0">
                 <a:latin typeface="Apache" pitchFamily="2" charset="0"/>
               </a:rPr>
               <a:t>   </a:t>
             </a:r>
             <a:r>
-              <a:rPr lang="en-GB" sz="9600" b="1" dirty="0" err="1">
+              <a:rPr lang="en-GB" sz="7200" b="1" dirty="0" err="1">
                 <a:latin typeface="Apache" pitchFamily="2" charset="0"/>
               </a:rPr>
               <a:t>Ahimaintso</a:t>
             </a:r>
             <a:r>
-              <a:rPr lang="en-GB" sz="9600" b="1" dirty="0">
+              <a:rPr lang="en-GB" sz="7200" b="1" dirty="0">
                 <a:latin typeface="Apache" pitchFamily="2" charset="0"/>
               </a:rPr>
               <a:t> no </a:t>
             </a:r>
             <a:r>
-              <a:rPr lang="en-GB" sz="9600" b="1" dirty="0" err="1">
+              <a:rPr lang="en-GB" sz="7200" b="1" dirty="0" err="1">
                 <a:latin typeface="Apache" pitchFamily="2" charset="0"/>
               </a:rPr>
               <a:t>handriana</a:t>
             </a:r>
             <a:r>
-              <a:rPr lang="en-GB" sz="9600" b="1" dirty="0" smtClean="0">
+              <a:rPr lang="en-GB" sz="7200" b="1" dirty="0" smtClean="0">
                 <a:latin typeface="Apache" pitchFamily="2" charset="0"/>
               </a:rPr>
               <a:t>,</a:t>
@@ -5938,7 +6509,7 @@
           <a:p>
             <a:pPr algn="ctr"/>
             <a:r>
-              <a:rPr lang="en-GB" sz="8000" b="1" i="1" dirty="0" smtClean="0">
+              <a:rPr lang="en-GB" sz="6000" b="1" i="1" dirty="0" smtClean="0">
                 <a:solidFill>
                   <a:schemeClr val="accent6">
                     <a:lumMod val="75000"/>
@@ -5949,7 +6520,7 @@
               <a:t>(</a:t>
             </a:r>
             <a:r>
-              <a:rPr lang="en-GB" sz="8000" b="1" i="1" dirty="0" err="1" smtClean="0">
+              <a:rPr lang="en-GB" sz="6000" b="1" i="1" dirty="0" err="1" smtClean="0">
                 <a:solidFill>
                   <a:schemeClr val="accent6">
                     <a:lumMod val="75000"/>
@@ -5960,7 +6531,7 @@
               <a:t>Ranon’aina</a:t>
             </a:r>
             <a:r>
-              <a:rPr lang="en-GB" sz="8000" b="1" i="1" dirty="0" smtClean="0">
+              <a:rPr lang="en-GB" sz="6000" b="1" i="1" dirty="0" smtClean="0">
                 <a:solidFill>
                   <a:schemeClr val="accent6">
                     <a:lumMod val="75000"/>
@@ -5971,7 +6542,7 @@
               <a:t> </a:t>
             </a:r>
             <a:r>
-              <a:rPr lang="en-GB" sz="8000" b="1" i="1" dirty="0" err="1" smtClean="0">
+              <a:rPr lang="en-GB" sz="6000" b="1" i="1" dirty="0" err="1" smtClean="0">
                 <a:solidFill>
                   <a:schemeClr val="accent6">
                     <a:lumMod val="75000"/>
@@ -5982,7 +6553,7 @@
               <a:t>hikoriana</a:t>
             </a:r>
             <a:r>
-              <a:rPr lang="en-GB" sz="8000" b="1" i="1" dirty="0" smtClean="0">
+              <a:rPr lang="en-GB" sz="6000" b="1" i="1" dirty="0" smtClean="0">
                 <a:solidFill>
                   <a:schemeClr val="accent6">
                     <a:lumMod val="75000"/>
@@ -5992,7 +6563,7 @@
               </a:rPr>
               <a:t>)</a:t>
             </a:r>
-            <a:endParaRPr lang="fr-FR" sz="8000" b="1" i="1" dirty="0" smtClean="0">
+            <a:endParaRPr lang="fr-FR" sz="6000" b="1" i="1" dirty="0" smtClean="0">
               <a:solidFill>
                 <a:schemeClr val="accent6">
                   <a:lumMod val="75000"/>
@@ -6048,8 +6619,8 @@
         </p:nvSpPr>
         <p:spPr>
           <a:xfrm>
-            <a:off x="0" y="240804"/>
-            <a:ext cx="12192000" cy="6617196"/>
+            <a:off x="0" y="227156"/>
+            <a:ext cx="12192000" cy="6124754"/>
           </a:xfrm>
           <a:prstGeom prst="rect">
             <a:avLst/>
@@ -6064,48 +6635,42 @@
           <a:p>
             <a:pPr algn="ctr"/>
             <a:r>
-              <a:rPr lang="en-GB" sz="8800" b="1" dirty="0" smtClean="0">
-                <a:latin typeface="Apache" pitchFamily="2" charset="0"/>
-              </a:rPr>
-              <a:t>     </a:t>
-            </a:r>
-            <a:r>
-              <a:rPr lang="en-GB" sz="8800" b="1" dirty="0" err="1" smtClean="0">
+              <a:rPr lang="en-GB" sz="8000" b="1" dirty="0" err="1" smtClean="0">
                 <a:latin typeface="Apache" pitchFamily="2" charset="0"/>
               </a:rPr>
               <a:t>Ny</a:t>
             </a:r>
             <a:r>
-              <a:rPr lang="en-GB" sz="8800" b="1" dirty="0" smtClean="0">
-                <a:latin typeface="Apache" pitchFamily="2" charset="0"/>
-              </a:rPr>
-              <a:t> </a:t>
-            </a:r>
-            <a:r>
-              <a:rPr lang="en-GB" sz="8800" b="1" dirty="0" err="1">
+              <a:rPr lang="en-GB" sz="8000" b="1" dirty="0" smtClean="0">
+                <a:latin typeface="Apache" pitchFamily="2" charset="0"/>
+              </a:rPr>
+              <a:t> </a:t>
+            </a:r>
+            <a:r>
+              <a:rPr lang="en-GB" sz="8000" b="1" dirty="0" err="1">
                 <a:latin typeface="Apache" pitchFamily="2" charset="0"/>
               </a:rPr>
               <a:t>fanahy</a:t>
             </a:r>
             <a:r>
-              <a:rPr lang="en-GB" sz="8800" b="1" dirty="0">
-                <a:latin typeface="Apache" pitchFamily="2" charset="0"/>
-              </a:rPr>
-              <a:t> </a:t>
-            </a:r>
-            <a:r>
-              <a:rPr lang="en-GB" sz="8800" b="1" dirty="0" err="1">
+              <a:rPr lang="en-GB" sz="8000" b="1" dirty="0">
+                <a:latin typeface="Apache" pitchFamily="2" charset="0"/>
+              </a:rPr>
+              <a:t> </a:t>
+            </a:r>
+            <a:r>
+              <a:rPr lang="en-GB" sz="8000" b="1" dirty="0" err="1">
                 <a:latin typeface="Apache" pitchFamily="2" charset="0"/>
               </a:rPr>
               <a:t>velombolo</a:t>
             </a:r>
             <a:r>
-              <a:rPr lang="en-GB" sz="8800" b="1" dirty="0">
+              <a:rPr lang="en-GB" sz="8000" b="1" dirty="0">
                 <a:latin typeface="Apache" pitchFamily="2" charset="0"/>
               </a:rPr>
               <a:t> ;</a:t>
             </a:r>
-            <a:endParaRPr lang="fr-FR" sz="8800" b="1" dirty="0" smtClean="0">
+            <a:endParaRPr lang="fr-FR" sz="8000" b="1" dirty="0" smtClean="0">
               <a:effectLst/>
               <a:latin typeface="Apache" pitchFamily="2" charset="0"/>
             </a:endParaRPr>
@@ -6113,54 +6678,48 @@
           <a:p>
             <a:pPr algn="ctr"/>
             <a:r>
-              <a:rPr lang="en-GB" sz="8800" b="1" dirty="0">
-                <a:latin typeface="Apache" pitchFamily="2" charset="0"/>
-              </a:rPr>
-              <a:t>   </a:t>
-            </a:r>
-            <a:r>
-              <a:rPr lang="en-GB" sz="8800" b="1" dirty="0" err="1">
+              <a:rPr lang="en-GB" sz="8000" b="1" dirty="0" err="1" smtClean="0">
                 <a:latin typeface="Apache" pitchFamily="2" charset="0"/>
               </a:rPr>
               <a:t>Eny</a:t>
             </a:r>
             <a:r>
-              <a:rPr lang="en-GB" sz="8800" b="1" dirty="0">
+              <a:rPr lang="en-GB" sz="8000" b="1" dirty="0">
                 <a:latin typeface="Apache" pitchFamily="2" charset="0"/>
               </a:rPr>
               <a:t>, </a:t>
             </a:r>
             <a:r>
-              <a:rPr lang="en-GB" sz="8800" b="1" dirty="0" err="1">
+              <a:rPr lang="en-GB" sz="8000" b="1" dirty="0" err="1">
                 <a:latin typeface="Apache" pitchFamily="2" charset="0"/>
               </a:rPr>
               <a:t>tsy</a:t>
             </a:r>
             <a:r>
-              <a:rPr lang="en-GB" sz="8800" b="1" dirty="0">
-                <a:latin typeface="Apache" pitchFamily="2" charset="0"/>
-              </a:rPr>
-              <a:t> </a:t>
-            </a:r>
-            <a:r>
-              <a:rPr lang="en-GB" sz="8800" b="1" dirty="0" err="1">
+              <a:rPr lang="en-GB" sz="8000" b="1" dirty="0">
+                <a:latin typeface="Apache" pitchFamily="2" charset="0"/>
+              </a:rPr>
+              <a:t> </a:t>
+            </a:r>
+            <a:r>
+              <a:rPr lang="en-GB" sz="8000" b="1" dirty="0" err="1">
                 <a:latin typeface="Apache" pitchFamily="2" charset="0"/>
               </a:rPr>
               <a:t>hanahy</a:t>
             </a:r>
             <a:r>
-              <a:rPr lang="en-GB" sz="8800" b="1" dirty="0">
-                <a:latin typeface="Apache" pitchFamily="2" charset="0"/>
-              </a:rPr>
-              <a:t> </a:t>
-            </a:r>
-            <a:r>
-              <a:rPr lang="en-GB" sz="8800" b="1" dirty="0" err="1">
+              <a:rPr lang="en-GB" sz="8000" b="1" dirty="0">
+                <a:latin typeface="Apache" pitchFamily="2" charset="0"/>
+              </a:rPr>
+              <a:t> </a:t>
+            </a:r>
+            <a:r>
+              <a:rPr lang="en-GB" sz="8000" b="1" dirty="0" err="1">
                 <a:latin typeface="Apache" pitchFamily="2" charset="0"/>
               </a:rPr>
               <a:t>akory</a:t>
             </a:r>
-            <a:endParaRPr lang="fr-FR" sz="8800" b="1" dirty="0" smtClean="0">
+            <a:endParaRPr lang="fr-FR" sz="8000" b="1" dirty="0" smtClean="0">
               <a:effectLst/>
               <a:latin typeface="Apache" pitchFamily="2" charset="0"/>
             </a:endParaRPr>
@@ -6168,45 +6727,42 @@
           <a:p>
             <a:pPr algn="ctr"/>
             <a:r>
-              <a:rPr lang="en-GB" sz="8800" b="1" dirty="0">
-                <a:latin typeface="Apache" pitchFamily="2" charset="0"/>
-              </a:rPr>
-              <a:t>   </a:t>
-            </a:r>
-            <a:r>
-              <a:rPr lang="en-GB" sz="8800" b="1" dirty="0" err="1" smtClean="0">
+              <a:rPr lang="en-GB" sz="8000" b="1" dirty="0" err="1" smtClean="0">
                 <a:latin typeface="Apache" pitchFamily="2" charset="0"/>
               </a:rPr>
               <a:t>Lala-marin’itondrany</a:t>
             </a:r>
             <a:r>
-              <a:rPr lang="en-GB" sz="8800" b="1" dirty="0" smtClean="0">
-                <a:latin typeface="Apache" pitchFamily="2" charset="0"/>
-              </a:rPr>
-              <a:t> </a:t>
-            </a:r>
+              <a:rPr lang="en-GB" sz="8000" b="1" dirty="0" smtClean="0">
+                <a:latin typeface="Apache" pitchFamily="2" charset="0"/>
+              </a:rPr>
+              <a:t> </a:t>
+            </a:r>
+            <a:endParaRPr lang="en-GB" sz="8000" b="1" dirty="0" smtClean="0">
+              <a:latin typeface="Apache" pitchFamily="2" charset="0"/>
+            </a:endParaRPr>
           </a:p>
           <a:p>
             <a:pPr algn="ctr"/>
             <a:r>
-              <a:rPr lang="en-GB" sz="8800" b="1" dirty="0">
-                <a:latin typeface="Apache" pitchFamily="2" charset="0"/>
-              </a:rPr>
-              <a:t> </a:t>
-            </a:r>
-            <a:r>
-              <a:rPr lang="en-GB" sz="8800" b="1" dirty="0" smtClean="0">
+              <a:rPr lang="en-GB" sz="8000" b="1" dirty="0">
+                <a:latin typeface="Apache" pitchFamily="2" charset="0"/>
+              </a:rPr>
+              <a:t> </a:t>
+            </a:r>
+            <a:r>
+              <a:rPr lang="en-GB" sz="8000" b="1" dirty="0" smtClean="0">
                 <a:latin typeface="Apache" pitchFamily="2" charset="0"/>
               </a:rPr>
               <a:t>  </a:t>
             </a:r>
             <a:r>
-              <a:rPr lang="en-GB" sz="8800" b="1" dirty="0" err="1" smtClean="0">
+              <a:rPr lang="en-GB" sz="8000" b="1" dirty="0" err="1" smtClean="0">
                 <a:latin typeface="Apache" pitchFamily="2" charset="0"/>
               </a:rPr>
               <a:t>lala-tsambatra</a:t>
             </a:r>
-            <a:endParaRPr lang="fr-FR" sz="8800" b="1" dirty="0" smtClean="0">
+            <a:endParaRPr lang="fr-FR" sz="8000" b="1" dirty="0" smtClean="0">
               <a:effectLst/>
               <a:latin typeface="Apache" pitchFamily="2" charset="0"/>
             </a:endParaRPr>
@@ -6214,11 +6770,11 @@
           <a:p>
             <a:pPr algn="ctr"/>
             <a:r>
-              <a:rPr lang="en-GB" sz="7200" b="1" dirty="0"/>
+              <a:rPr lang="en-GB" sz="6600" b="1" dirty="0"/>
               <a:t>   </a:t>
             </a:r>
             <a:r>
-              <a:rPr lang="en-GB" sz="7200" b="1" i="1" dirty="0">
+              <a:rPr lang="en-GB" sz="6600" b="1" i="1" dirty="0">
                 <a:solidFill>
                   <a:schemeClr val="accent6">
                     <a:lumMod val="75000"/>
@@ -6228,7 +6784,7 @@
               <a:t>(</a:t>
             </a:r>
             <a:r>
-              <a:rPr lang="en-GB" sz="7200" b="1" i="1" dirty="0" err="1">
+              <a:rPr lang="en-GB" sz="6600" b="1" i="1" dirty="0" err="1">
                 <a:solidFill>
                   <a:schemeClr val="accent6">
                     <a:lumMod val="75000"/>
@@ -6238,7 +6794,7 @@
               <a:t>Sambatra</a:t>
             </a:r>
             <a:r>
-              <a:rPr lang="en-GB" sz="7200" b="1" i="1" dirty="0">
+              <a:rPr lang="en-GB" sz="6600" b="1" i="1" dirty="0">
                 <a:solidFill>
                   <a:schemeClr val="accent6">
                     <a:lumMod val="75000"/>
@@ -6248,7 +6804,7 @@
               <a:t> </a:t>
             </a:r>
             <a:r>
-              <a:rPr lang="en-GB" sz="7200" b="1" i="1" dirty="0" err="1">
+              <a:rPr lang="en-GB" sz="6600" b="1" i="1" dirty="0" err="1">
                 <a:solidFill>
                   <a:schemeClr val="accent6">
                     <a:lumMod val="75000"/>
@@ -6258,7 +6814,7 @@
               <a:t>ifaliana</a:t>
             </a:r>
             <a:r>
-              <a:rPr lang="en-GB" sz="7200" b="1" i="1" dirty="0" smtClean="0">
+              <a:rPr lang="en-GB" sz="6600" b="1" i="1" dirty="0" smtClean="0">
                 <a:solidFill>
                   <a:schemeClr val="accent6">
                     <a:lumMod val="75000"/>
@@ -6267,7 +6823,7 @@
               </a:rPr>
               <a:t>).</a:t>
             </a:r>
-            <a:endParaRPr lang="fr-FR" sz="7200" b="1" i="1" dirty="0">
+            <a:endParaRPr lang="fr-FR" sz="6600" b="1" i="1" dirty="0">
               <a:solidFill>
                 <a:schemeClr val="accent6">
                   <a:lumMod val="75000"/>
@@ -6322,12 +6878,13 @@
         </p:nvSpPr>
         <p:spPr>
           <a:xfrm>
-            <a:off x="0" y="457200"/>
-            <a:ext cx="12298680" cy="6001643"/>
+            <a:off x="-13648" y="368405"/>
+            <a:ext cx="12298680" cy="5632311"/>
           </a:xfrm>
           <a:prstGeom prst="rect">
             <a:avLst/>
           </a:prstGeom>
+          <a:noFill/>
         </p:spPr>
         <p:style>
           <a:lnRef idx="0">
@@ -6349,299 +6906,429 @@
           <a:p>
             <a:pPr algn="ctr"/>
             <a:r>
-              <a:rPr lang="en-GB" sz="9600" dirty="0" err="1" smtClean="0">
-                <a:solidFill>
-                  <a:schemeClr val="accent4"/>
-                </a:solidFill>
+              <a:rPr lang="en-GB" sz="7200" b="1" dirty="0" err="1" smtClean="0">
+                <a:effectLst>
+                  <a:outerShdw blurRad="38100" dist="38100" dir="2700000" algn="tl">
+                    <a:srgbClr val="000000">
+                      <a:alpha val="43137"/>
+                    </a:srgbClr>
+                  </a:outerShdw>
+                </a:effectLst>
                 <a:latin typeface="Apache" pitchFamily="2" charset="0"/>
               </a:rPr>
               <a:t>Raha</a:t>
             </a:r>
             <a:r>
-              <a:rPr lang="en-GB" sz="9600" dirty="0" smtClean="0">
-                <a:solidFill>
-                  <a:schemeClr val="accent4"/>
-                </a:solidFill>
-                <a:latin typeface="Apache" pitchFamily="2" charset="0"/>
-              </a:rPr>
-              <a:t> </a:t>
-            </a:r>
-            <a:r>
-              <a:rPr lang="en-GB" sz="9600" dirty="0">
-                <a:solidFill>
-                  <a:schemeClr val="accent4"/>
-                </a:solidFill>
+              <a:rPr lang="en-GB" sz="7200" b="1" dirty="0" smtClean="0">
+                <a:effectLst>
+                  <a:outerShdw blurRad="38100" dist="38100" dir="2700000" algn="tl">
+                    <a:srgbClr val="000000">
+                      <a:alpha val="43137"/>
+                    </a:srgbClr>
+                  </a:outerShdw>
+                </a:effectLst>
+                <a:latin typeface="Apache" pitchFamily="2" charset="0"/>
+              </a:rPr>
+              <a:t> </a:t>
+            </a:r>
+            <a:r>
+              <a:rPr lang="en-GB" sz="7200" b="1" dirty="0">
+                <a:effectLst>
+                  <a:outerShdw blurRad="38100" dist="38100" dir="2700000" algn="tl">
+                    <a:srgbClr val="000000">
+                      <a:alpha val="43137"/>
+                    </a:srgbClr>
+                  </a:outerShdw>
+                </a:effectLst>
                 <a:latin typeface="Apache" pitchFamily="2" charset="0"/>
               </a:rPr>
               <a:t>Jehovah no </a:t>
             </a:r>
             <a:r>
-              <a:rPr lang="en-GB" sz="9600" dirty="0" err="1" smtClean="0">
-                <a:solidFill>
-                  <a:schemeClr val="accent4"/>
-                </a:solidFill>
+              <a:rPr lang="en-GB" sz="7200" b="1" dirty="0" err="1" smtClean="0">
+                <a:effectLst>
+                  <a:outerShdw blurRad="38100" dist="38100" dir="2700000" algn="tl">
+                    <a:srgbClr val="000000">
+                      <a:alpha val="43137"/>
+                    </a:srgbClr>
+                  </a:outerShdw>
+                </a:effectLst>
                 <a:latin typeface="Apache" pitchFamily="2" charset="0"/>
               </a:rPr>
               <a:t>mpiandry</a:t>
             </a:r>
-            <a:endParaRPr lang="fr-FR" sz="9600" dirty="0">
-              <a:solidFill>
-                <a:schemeClr val="accent4"/>
-              </a:solidFill>
+            <a:endParaRPr lang="fr-FR" sz="7200" b="1" dirty="0">
+              <a:effectLst>
+                <a:outerShdw blurRad="38100" dist="38100" dir="2700000" algn="tl">
+                  <a:srgbClr val="000000">
+                    <a:alpha val="43137"/>
+                  </a:srgbClr>
+                </a:outerShdw>
+              </a:effectLst>
               <a:latin typeface="Apache" pitchFamily="2" charset="0"/>
             </a:endParaRPr>
           </a:p>
           <a:p>
             <a:pPr algn="ctr"/>
             <a:r>
-              <a:rPr lang="en-GB" sz="9600" dirty="0" smtClean="0">
-                <a:solidFill>
-                  <a:schemeClr val="accent4"/>
-                </a:solidFill>
-                <a:latin typeface="Apache" pitchFamily="2" charset="0"/>
-              </a:rPr>
-              <a:t> </a:t>
-            </a:r>
-            <a:r>
-              <a:rPr lang="en-GB" sz="9600" dirty="0" err="1">
-                <a:solidFill>
-                  <a:schemeClr val="accent4"/>
-                </a:solidFill>
+              <a:rPr lang="en-GB" sz="7200" b="1" dirty="0" smtClean="0">
+                <a:effectLst>
+                  <a:outerShdw blurRad="38100" dist="38100" dir="2700000" algn="tl">
+                    <a:srgbClr val="000000">
+                      <a:alpha val="43137"/>
+                    </a:srgbClr>
+                  </a:outerShdw>
+                </a:effectLst>
+                <a:latin typeface="Apache" pitchFamily="2" charset="0"/>
+              </a:rPr>
+              <a:t> </a:t>
+            </a:r>
+            <a:r>
+              <a:rPr lang="en-GB" sz="7200" b="1" dirty="0" err="1">
+                <a:effectLst>
+                  <a:outerShdw blurRad="38100" dist="38100" dir="2700000" algn="tl">
+                    <a:srgbClr val="000000">
+                      <a:alpha val="43137"/>
+                    </a:srgbClr>
+                  </a:outerShdw>
+                </a:effectLst>
                 <a:latin typeface="Apache" pitchFamily="2" charset="0"/>
               </a:rPr>
               <a:t>Tsy</a:t>
             </a:r>
             <a:r>
-              <a:rPr lang="en-GB" sz="9600" dirty="0">
-                <a:solidFill>
-                  <a:schemeClr val="accent4"/>
-                </a:solidFill>
-                <a:latin typeface="Apache" pitchFamily="2" charset="0"/>
-              </a:rPr>
-              <a:t> </a:t>
-            </a:r>
-            <a:r>
-              <a:rPr lang="en-GB" sz="9600" dirty="0" err="1">
-                <a:solidFill>
-                  <a:schemeClr val="accent4"/>
-                </a:solidFill>
+              <a:rPr lang="en-GB" sz="7200" b="1" dirty="0">
+                <a:effectLst>
+                  <a:outerShdw blurRad="38100" dist="38100" dir="2700000" algn="tl">
+                    <a:srgbClr val="000000">
+                      <a:alpha val="43137"/>
+                    </a:srgbClr>
+                  </a:outerShdw>
+                </a:effectLst>
+                <a:latin typeface="Apache" pitchFamily="2" charset="0"/>
+              </a:rPr>
+              <a:t> </a:t>
+            </a:r>
+            <a:r>
+              <a:rPr lang="en-GB" sz="7200" b="1" dirty="0" err="1">
+                <a:effectLst>
+                  <a:outerShdw blurRad="38100" dist="38100" dir="2700000" algn="tl">
+                    <a:srgbClr val="000000">
+                      <a:alpha val="43137"/>
+                    </a:srgbClr>
+                  </a:outerShdw>
+                </a:effectLst>
                 <a:latin typeface="Apache" pitchFamily="2" charset="0"/>
               </a:rPr>
               <a:t>mba</a:t>
             </a:r>
             <a:r>
-              <a:rPr lang="en-GB" sz="9600" dirty="0">
-                <a:solidFill>
-                  <a:schemeClr val="accent4"/>
-                </a:solidFill>
-                <a:latin typeface="Apache" pitchFamily="2" charset="0"/>
-              </a:rPr>
-              <a:t> </a:t>
-            </a:r>
-            <a:r>
-              <a:rPr lang="en-GB" sz="9600" dirty="0" err="1">
-                <a:solidFill>
-                  <a:schemeClr val="accent4"/>
-                </a:solidFill>
+              <a:rPr lang="en-GB" sz="7200" b="1" dirty="0">
+                <a:effectLst>
+                  <a:outerShdw blurRad="38100" dist="38100" dir="2700000" algn="tl">
+                    <a:srgbClr val="000000">
+                      <a:alpha val="43137"/>
+                    </a:srgbClr>
+                  </a:outerShdw>
+                </a:effectLst>
+                <a:latin typeface="Apache" pitchFamily="2" charset="0"/>
+              </a:rPr>
+              <a:t> </a:t>
+            </a:r>
+            <a:r>
+              <a:rPr lang="en-GB" sz="7200" b="1" dirty="0" err="1">
+                <a:effectLst>
+                  <a:outerShdw blurRad="38100" dist="38100" dir="2700000" algn="tl">
+                    <a:srgbClr val="000000">
+                      <a:alpha val="43137"/>
+                    </a:srgbClr>
+                  </a:outerShdw>
+                </a:effectLst>
                 <a:latin typeface="Apache" pitchFamily="2" charset="0"/>
               </a:rPr>
               <a:t>hisy</a:t>
             </a:r>
             <a:r>
-              <a:rPr lang="en-GB" sz="9600" dirty="0">
-                <a:solidFill>
-                  <a:schemeClr val="accent4"/>
-                </a:solidFill>
-                <a:latin typeface="Apache" pitchFamily="2" charset="0"/>
-              </a:rPr>
-              <a:t> </a:t>
-            </a:r>
-            <a:r>
-              <a:rPr lang="en-GB" sz="9600" dirty="0" err="1" smtClean="0">
-                <a:solidFill>
-                  <a:schemeClr val="accent4"/>
-                </a:solidFill>
+              <a:rPr lang="en-GB" sz="7200" b="1" dirty="0">
+                <a:effectLst>
+                  <a:outerShdw blurRad="38100" dist="38100" dir="2700000" algn="tl">
+                    <a:srgbClr val="000000">
+                      <a:alpha val="43137"/>
+                    </a:srgbClr>
+                  </a:outerShdw>
+                </a:effectLst>
+                <a:latin typeface="Apache" pitchFamily="2" charset="0"/>
+              </a:rPr>
+              <a:t> </a:t>
+            </a:r>
+            <a:r>
+              <a:rPr lang="en-GB" sz="7200" b="1" dirty="0" err="1" smtClean="0">
+                <a:effectLst>
+                  <a:outerShdw blurRad="38100" dist="38100" dir="2700000" algn="tl">
+                    <a:srgbClr val="000000">
+                      <a:alpha val="43137"/>
+                    </a:srgbClr>
+                  </a:outerShdw>
+                </a:effectLst>
                 <a:latin typeface="Apache" pitchFamily="2" charset="0"/>
               </a:rPr>
               <a:t>izay</a:t>
             </a:r>
             <a:r>
-              <a:rPr lang="en-GB" sz="9600" dirty="0" smtClean="0">
-                <a:solidFill>
-                  <a:schemeClr val="accent4"/>
-                </a:solidFill>
-                <a:latin typeface="Apache" pitchFamily="2" charset="0"/>
-              </a:rPr>
-              <a:t> </a:t>
-            </a:r>
-            <a:r>
-              <a:rPr lang="en-GB" sz="9600" dirty="0" err="1">
-                <a:solidFill>
-                  <a:schemeClr val="accent4"/>
-                </a:solidFill>
+              <a:rPr lang="en-GB" sz="7200" b="1" dirty="0" smtClean="0">
+                <a:effectLst>
+                  <a:outerShdw blurRad="38100" dist="38100" dir="2700000" algn="tl">
+                    <a:srgbClr val="000000">
+                      <a:alpha val="43137"/>
+                    </a:srgbClr>
+                  </a:outerShdw>
+                </a:effectLst>
+                <a:latin typeface="Apache" pitchFamily="2" charset="0"/>
+              </a:rPr>
+              <a:t> </a:t>
+            </a:r>
+            <a:r>
+              <a:rPr lang="en-GB" sz="7200" b="1" dirty="0" err="1">
+                <a:effectLst>
+                  <a:outerShdw blurRad="38100" dist="38100" dir="2700000" algn="tl">
+                    <a:srgbClr val="000000">
+                      <a:alpha val="43137"/>
+                    </a:srgbClr>
+                  </a:outerShdw>
+                </a:effectLst>
                 <a:latin typeface="Apache" pitchFamily="2" charset="0"/>
               </a:rPr>
               <a:t>m</a:t>
             </a:r>
             <a:r>
-              <a:rPr lang="en-GB" sz="9600" dirty="0" err="1" smtClean="0">
-                <a:solidFill>
-                  <a:schemeClr val="accent4"/>
-                </a:solidFill>
+              <a:rPr lang="en-GB" sz="7200" b="1" dirty="0" err="1" smtClean="0">
+                <a:effectLst>
+                  <a:outerShdw blurRad="38100" dist="38100" dir="2700000" algn="tl">
+                    <a:srgbClr val="000000">
+                      <a:alpha val="43137"/>
+                    </a:srgbClr>
+                  </a:outerShdw>
+                </a:effectLst>
                 <a:latin typeface="Apache" pitchFamily="2" charset="0"/>
               </a:rPr>
               <a:t>ampahory</a:t>
             </a:r>
             <a:r>
-              <a:rPr lang="en-GB" sz="9600" dirty="0">
-                <a:solidFill>
-                  <a:schemeClr val="accent4"/>
-                </a:solidFill>
+              <a:rPr lang="en-GB" sz="7200" b="1" dirty="0">
+                <a:effectLst>
+                  <a:outerShdw blurRad="38100" dist="38100" dir="2700000" algn="tl">
+                    <a:srgbClr val="000000">
+                      <a:alpha val="43137"/>
+                    </a:srgbClr>
+                  </a:outerShdw>
+                </a:effectLst>
                 <a:latin typeface="Apache" pitchFamily="2" charset="0"/>
               </a:rPr>
               <a:t>,</a:t>
             </a:r>
-            <a:endParaRPr lang="fr-FR" sz="9600" dirty="0" smtClean="0">
-              <a:solidFill>
-                <a:schemeClr val="accent4"/>
-              </a:solidFill>
-              <a:effectLst/>
+            <a:endParaRPr lang="fr-FR" sz="7200" b="1" dirty="0" smtClean="0">
+              <a:effectLst>
+                <a:outerShdw blurRad="38100" dist="38100" dir="2700000" algn="tl">
+                  <a:srgbClr val="000000">
+                    <a:alpha val="43137"/>
+                  </a:srgbClr>
+                </a:outerShdw>
+              </a:effectLst>
               <a:latin typeface="Apache" pitchFamily="2" charset="0"/>
             </a:endParaRPr>
           </a:p>
           <a:p>
             <a:pPr algn="ctr"/>
             <a:r>
-              <a:rPr lang="en-GB" sz="9600" dirty="0">
-                <a:solidFill>
-                  <a:schemeClr val="accent4"/>
-                </a:solidFill>
-                <a:latin typeface="Apache" pitchFamily="2" charset="0"/>
-              </a:rPr>
-              <a:t> </a:t>
-            </a:r>
-            <a:r>
-              <a:rPr lang="en-GB" sz="9600" dirty="0" err="1" smtClean="0">
-                <a:solidFill>
-                  <a:schemeClr val="accent4"/>
-                </a:solidFill>
+              <a:rPr lang="en-GB" sz="7200" b="1" dirty="0">
+                <a:effectLst>
+                  <a:outerShdw blurRad="38100" dist="38100" dir="2700000" algn="tl">
+                    <a:srgbClr val="000000">
+                      <a:alpha val="43137"/>
+                    </a:srgbClr>
+                  </a:outerShdw>
+                </a:effectLst>
+                <a:latin typeface="Apache" pitchFamily="2" charset="0"/>
+              </a:rPr>
+              <a:t> </a:t>
+            </a:r>
+            <a:r>
+              <a:rPr lang="en-GB" sz="7200" b="1" dirty="0" err="1" smtClean="0">
+                <a:effectLst>
+                  <a:outerShdw blurRad="38100" dist="38100" dir="2700000" algn="tl">
+                    <a:srgbClr val="000000">
+                      <a:alpha val="43137"/>
+                    </a:srgbClr>
+                  </a:outerShdw>
+                </a:effectLst>
                 <a:latin typeface="Apache" pitchFamily="2" charset="0"/>
               </a:rPr>
               <a:t>Ahimaintso</a:t>
             </a:r>
             <a:r>
-              <a:rPr lang="en-GB" sz="9600" dirty="0" smtClean="0">
-                <a:solidFill>
-                  <a:schemeClr val="accent4"/>
-                </a:solidFill>
-                <a:latin typeface="Apache" pitchFamily="2" charset="0"/>
-              </a:rPr>
-              <a:t> </a:t>
-            </a:r>
-            <a:r>
-              <a:rPr lang="en-GB" sz="9600" dirty="0">
-                <a:solidFill>
-                  <a:schemeClr val="accent4"/>
-                </a:solidFill>
+              <a:rPr lang="en-GB" sz="7200" b="1" dirty="0" smtClean="0">
+                <a:effectLst>
+                  <a:outerShdw blurRad="38100" dist="38100" dir="2700000" algn="tl">
+                    <a:srgbClr val="000000">
+                      <a:alpha val="43137"/>
+                    </a:srgbClr>
+                  </a:outerShdw>
+                </a:effectLst>
+                <a:latin typeface="Apache" pitchFamily="2" charset="0"/>
+              </a:rPr>
+              <a:t> </a:t>
+            </a:r>
+            <a:r>
+              <a:rPr lang="en-GB" sz="7200" b="1" dirty="0">
+                <a:effectLst>
+                  <a:outerShdw blurRad="38100" dist="38100" dir="2700000" algn="tl">
+                    <a:srgbClr val="000000">
+                      <a:alpha val="43137"/>
+                    </a:srgbClr>
+                  </a:outerShdw>
+                </a:effectLst>
                 <a:latin typeface="Apache" pitchFamily="2" charset="0"/>
               </a:rPr>
               <a:t>no </a:t>
             </a:r>
             <a:r>
-              <a:rPr lang="en-GB" sz="9600" dirty="0" err="1">
-                <a:solidFill>
-                  <a:schemeClr val="accent4"/>
-                </a:solidFill>
+              <a:rPr lang="en-GB" sz="7200" b="1" dirty="0" err="1">
+                <a:effectLst>
+                  <a:outerShdw blurRad="38100" dist="38100" dir="2700000" algn="tl">
+                    <a:srgbClr val="000000">
+                      <a:alpha val="43137"/>
+                    </a:srgbClr>
+                  </a:outerShdw>
+                </a:effectLst>
                 <a:latin typeface="Apache" pitchFamily="2" charset="0"/>
               </a:rPr>
               <a:t>handriako</a:t>
             </a:r>
-            <a:endParaRPr lang="fr-FR" sz="9600" dirty="0" smtClean="0">
-              <a:solidFill>
-                <a:schemeClr val="accent4"/>
-              </a:solidFill>
-              <a:effectLst/>
+            <a:endParaRPr lang="fr-FR" sz="7200" b="1" dirty="0" smtClean="0">
+              <a:effectLst>
+                <a:outerShdw blurRad="38100" dist="38100" dir="2700000" algn="tl">
+                  <a:srgbClr val="000000">
+                    <a:alpha val="43137"/>
+                  </a:srgbClr>
+                </a:outerShdw>
+              </a:effectLst>
               <a:latin typeface="Apache" pitchFamily="2" charset="0"/>
             </a:endParaRPr>
           </a:p>
           <a:p>
             <a:pPr algn="ctr"/>
             <a:r>
-              <a:rPr lang="en-GB" sz="9600" dirty="0">
-                <a:solidFill>
-                  <a:schemeClr val="accent4"/>
-                </a:solidFill>
+              <a:rPr lang="en-GB" sz="7200" b="1" dirty="0">
+                <a:effectLst>
+                  <a:outerShdw blurRad="38100" dist="38100" dir="2700000" algn="tl">
+                    <a:srgbClr val="000000">
+                      <a:alpha val="43137"/>
+                    </a:srgbClr>
+                  </a:outerShdw>
+                </a:effectLst>
                 <a:latin typeface="Apache" pitchFamily="2" charset="0"/>
               </a:rPr>
               <a:t>  </a:t>
             </a:r>
             <a:r>
-              <a:rPr lang="en-GB" sz="9600" dirty="0" smtClean="0">
-                <a:solidFill>
-                  <a:schemeClr val="accent4"/>
-                </a:solidFill>
-                <a:latin typeface="Apache" pitchFamily="2" charset="0"/>
-              </a:rPr>
-              <a:t> </a:t>
-            </a:r>
-            <a:r>
-              <a:rPr lang="en-GB" sz="9600" dirty="0" err="1" smtClean="0">
-                <a:solidFill>
-                  <a:schemeClr val="accent4"/>
-                </a:solidFill>
+              <a:rPr lang="en-GB" sz="7200" b="1" dirty="0" smtClean="0">
+                <a:effectLst>
+                  <a:outerShdw blurRad="38100" dist="38100" dir="2700000" algn="tl">
+                    <a:srgbClr val="000000">
+                      <a:alpha val="43137"/>
+                    </a:srgbClr>
+                  </a:outerShdw>
+                </a:effectLst>
+                <a:latin typeface="Apache" pitchFamily="2" charset="0"/>
+              </a:rPr>
+              <a:t> </a:t>
+            </a:r>
+            <a:r>
+              <a:rPr lang="en-GB" sz="7200" b="1" dirty="0" err="1" smtClean="0">
+                <a:effectLst>
+                  <a:outerShdw blurRad="38100" dist="38100" dir="2700000" algn="tl">
+                    <a:srgbClr val="000000">
+                      <a:alpha val="43137"/>
+                    </a:srgbClr>
+                  </a:outerShdw>
+                </a:effectLst>
                 <a:latin typeface="Apache" pitchFamily="2" charset="0"/>
               </a:rPr>
               <a:t>Ranon’aina</a:t>
             </a:r>
             <a:r>
-              <a:rPr lang="en-GB" sz="9600" dirty="0" smtClean="0">
-                <a:solidFill>
-                  <a:schemeClr val="accent4"/>
-                </a:solidFill>
-                <a:latin typeface="Apache" pitchFamily="2" charset="0"/>
-              </a:rPr>
-              <a:t> </a:t>
-            </a:r>
-            <a:r>
-              <a:rPr lang="en-GB" sz="9600" dirty="0" err="1">
-                <a:solidFill>
-                  <a:schemeClr val="accent4"/>
-                </a:solidFill>
+              <a:rPr lang="en-GB" sz="7200" b="1" dirty="0" smtClean="0">
+                <a:effectLst>
+                  <a:outerShdw blurRad="38100" dist="38100" dir="2700000" algn="tl">
+                    <a:srgbClr val="000000">
+                      <a:alpha val="43137"/>
+                    </a:srgbClr>
+                  </a:outerShdw>
+                </a:effectLst>
+                <a:latin typeface="Apache" pitchFamily="2" charset="0"/>
+              </a:rPr>
+              <a:t> </a:t>
+            </a:r>
+            <a:r>
+              <a:rPr lang="en-GB" sz="7200" b="1" dirty="0" err="1">
+                <a:effectLst>
+                  <a:outerShdw blurRad="38100" dist="38100" dir="2700000" algn="tl">
+                    <a:srgbClr val="000000">
+                      <a:alpha val="43137"/>
+                    </a:srgbClr>
+                  </a:outerShdw>
+                </a:effectLst>
                 <a:latin typeface="Apache" pitchFamily="2" charset="0"/>
               </a:rPr>
               <a:t>ho</a:t>
             </a:r>
             <a:r>
-              <a:rPr lang="en-GB" sz="9600" dirty="0">
-                <a:solidFill>
-                  <a:schemeClr val="accent4"/>
-                </a:solidFill>
-                <a:latin typeface="Apache" pitchFamily="2" charset="0"/>
-              </a:rPr>
-              <a:t> </a:t>
-            </a:r>
-            <a:r>
-              <a:rPr lang="en-GB" sz="9600" dirty="0" err="1" smtClean="0">
-                <a:solidFill>
-                  <a:schemeClr val="accent4"/>
-                </a:solidFill>
+              <a:rPr lang="en-GB" sz="7200" b="1" dirty="0">
+                <a:effectLst>
+                  <a:outerShdw blurRad="38100" dist="38100" dir="2700000" algn="tl">
+                    <a:srgbClr val="000000">
+                      <a:alpha val="43137"/>
+                    </a:srgbClr>
+                  </a:outerShdw>
+                </a:effectLst>
+                <a:latin typeface="Apache" pitchFamily="2" charset="0"/>
+              </a:rPr>
+              <a:t> </a:t>
+            </a:r>
+            <a:r>
+              <a:rPr lang="en-GB" sz="7200" b="1" dirty="0" err="1" smtClean="0">
+                <a:effectLst>
+                  <a:outerShdw blurRad="38100" dist="38100" dir="2700000" algn="tl">
+                    <a:srgbClr val="000000">
+                      <a:alpha val="43137"/>
+                    </a:srgbClr>
+                  </a:outerShdw>
+                </a:effectLst>
                 <a:latin typeface="Apache" pitchFamily="2" charset="0"/>
               </a:rPr>
               <a:t>sotroiko</a:t>
             </a:r>
             <a:r>
-              <a:rPr lang="en-GB" sz="9600" dirty="0" smtClean="0">
-                <a:solidFill>
-                  <a:schemeClr val="accent4"/>
-                </a:solidFill>
+              <a:rPr lang="en-GB" sz="7200" b="1" dirty="0" smtClean="0">
+                <a:effectLst>
+                  <a:outerShdw blurRad="38100" dist="38100" dir="2700000" algn="tl">
+                    <a:srgbClr val="000000">
+                      <a:alpha val="43137"/>
+                    </a:srgbClr>
+                  </a:outerShdw>
+                </a:effectLst>
                 <a:latin typeface="Apache" pitchFamily="2" charset="0"/>
               </a:rPr>
               <a:t>   </a:t>
             </a:r>
-            <a:endParaRPr lang="fr-FR" sz="9600" dirty="0">
-              <a:solidFill>
-                <a:schemeClr val="accent4"/>
-              </a:solidFill>
+            <a:endParaRPr lang="fr-FR" sz="7200" b="1" dirty="0">
+              <a:effectLst>
+                <a:outerShdw blurRad="38100" dist="38100" dir="2700000" algn="tl">
+                  <a:srgbClr val="000000">
+                    <a:alpha val="43137"/>
+                  </a:srgbClr>
+                </a:outerShdw>
+              </a:effectLst>
               <a:latin typeface="Apache" pitchFamily="2" charset="0"/>
             </a:endParaRPr>
           </a:p>
@@ -6692,12 +7379,13 @@
         </p:nvSpPr>
         <p:spPr>
           <a:xfrm>
-            <a:off x="0" y="0"/>
-            <a:ext cx="12192000" cy="9325630"/>
+            <a:off x="0" y="81888"/>
+            <a:ext cx="12192000" cy="6562630"/>
           </a:xfrm>
           <a:prstGeom prst="rect">
             <a:avLst/>
           </a:prstGeom>
+          <a:noFill/>
         </p:spPr>
         <p:style>
           <a:lnRef idx="0">
@@ -6717,314 +7405,450 @@
           </a:bodyPr>
           <a:lstStyle/>
           <a:p>
-            <a:pPr algn="ctr"/>
-            <a:endParaRPr lang="en-GB" sz="2400" b="1" dirty="0" smtClean="0"/>
-          </a:p>
-          <a:p>
-            <a:pPr algn="ctr"/>
-            <a:endParaRPr lang="en-GB" sz="2400" b="1" dirty="0"/>
-          </a:p>
-          <a:p>
-            <a:pPr algn="ctr"/>
-            <a:endParaRPr lang="en-GB" sz="2400" b="1" dirty="0" smtClean="0"/>
-          </a:p>
-          <a:p>
-            <a:pPr algn="ctr"/>
-            <a:r>
-              <a:rPr lang="en-GB" sz="2400" b="1" dirty="0" smtClean="0"/>
-              <a:t> </a:t>
-            </a:r>
-            <a:r>
-              <a:rPr lang="en-GB" sz="8800" b="1" dirty="0" err="1">
-                <a:solidFill>
-                  <a:schemeClr val="accent4"/>
-                </a:solidFill>
+            <a:pPr algn="ctr">
+              <a:lnSpc>
+                <a:spcPct val="150000"/>
+              </a:lnSpc>
+            </a:pPr>
+            <a:r>
+              <a:rPr lang="en-GB" b="1" dirty="0" smtClean="0">
+                <a:effectLst>
+                  <a:outerShdw blurRad="38100" dist="38100" dir="2700000" algn="tl">
+                    <a:srgbClr val="000000">
+                      <a:alpha val="43137"/>
+                    </a:srgbClr>
+                  </a:outerShdw>
+                </a:effectLst>
+              </a:rPr>
+              <a:t> </a:t>
+            </a:r>
+            <a:r>
+              <a:rPr lang="en-GB" sz="7200" b="1" dirty="0" err="1">
+                <a:effectLst>
+                  <a:outerShdw blurRad="38100" dist="38100" dir="2700000" algn="tl">
+                    <a:srgbClr val="000000">
+                      <a:alpha val="43137"/>
+                    </a:srgbClr>
+                  </a:outerShdw>
+                </a:effectLst>
                 <a:latin typeface="Apache" pitchFamily="2" charset="0"/>
               </a:rPr>
               <a:t>Ny</a:t>
             </a:r>
             <a:r>
-              <a:rPr lang="en-GB" sz="8800" b="1" dirty="0">
-                <a:solidFill>
-                  <a:schemeClr val="accent4"/>
-                </a:solidFill>
-                <a:latin typeface="Apache" pitchFamily="2" charset="0"/>
-              </a:rPr>
-              <a:t> </a:t>
-            </a:r>
-            <a:r>
-              <a:rPr lang="en-GB" sz="8800" b="1" dirty="0" err="1">
-                <a:solidFill>
-                  <a:schemeClr val="accent4"/>
-                </a:solidFill>
+              <a:rPr lang="en-GB" sz="7200" b="1" dirty="0">
+                <a:effectLst>
+                  <a:outerShdw blurRad="38100" dist="38100" dir="2700000" algn="tl">
+                    <a:srgbClr val="000000">
+                      <a:alpha val="43137"/>
+                    </a:srgbClr>
+                  </a:outerShdw>
+                </a:effectLst>
+                <a:latin typeface="Apache" pitchFamily="2" charset="0"/>
+              </a:rPr>
+              <a:t> </a:t>
+            </a:r>
+            <a:r>
+              <a:rPr lang="en-GB" sz="7200" b="1" dirty="0" err="1">
+                <a:effectLst>
+                  <a:outerShdw blurRad="38100" dist="38100" dir="2700000" algn="tl">
+                    <a:srgbClr val="000000">
+                      <a:alpha val="43137"/>
+                    </a:srgbClr>
+                  </a:outerShdw>
+                </a:effectLst>
                 <a:latin typeface="Apache" pitchFamily="2" charset="0"/>
               </a:rPr>
               <a:t>fanahiko</a:t>
             </a:r>
             <a:r>
-              <a:rPr lang="en-GB" sz="8800" b="1" dirty="0">
-                <a:solidFill>
-                  <a:schemeClr val="accent4"/>
-                </a:solidFill>
-                <a:latin typeface="Apache" pitchFamily="2" charset="0"/>
-              </a:rPr>
-              <a:t> </a:t>
-            </a:r>
-            <a:r>
-              <a:rPr lang="en-GB" sz="8800" b="1" dirty="0" err="1">
-                <a:solidFill>
-                  <a:schemeClr val="accent4"/>
-                </a:solidFill>
+              <a:rPr lang="en-GB" sz="7200" b="1" dirty="0">
+                <a:effectLst>
+                  <a:outerShdw blurRad="38100" dist="38100" dir="2700000" algn="tl">
+                    <a:srgbClr val="000000">
+                      <a:alpha val="43137"/>
+                    </a:srgbClr>
+                  </a:outerShdw>
+                </a:effectLst>
+                <a:latin typeface="Apache" pitchFamily="2" charset="0"/>
+              </a:rPr>
+              <a:t> </a:t>
+            </a:r>
+            <a:r>
+              <a:rPr lang="en-GB" sz="7200" b="1" dirty="0" err="1">
+                <a:effectLst>
+                  <a:outerShdw blurRad="38100" dist="38100" dir="2700000" algn="tl">
+                    <a:srgbClr val="000000">
+                      <a:alpha val="43137"/>
+                    </a:srgbClr>
+                  </a:outerShdw>
+                </a:effectLst>
                 <a:latin typeface="Apache" pitchFamily="2" charset="0"/>
               </a:rPr>
               <a:t>ho</a:t>
             </a:r>
             <a:r>
-              <a:rPr lang="en-GB" sz="8800" b="1" dirty="0">
-                <a:solidFill>
-                  <a:schemeClr val="accent4"/>
-                </a:solidFill>
-                <a:latin typeface="Apache" pitchFamily="2" charset="0"/>
-              </a:rPr>
-              <a:t> </a:t>
-            </a:r>
-            <a:r>
-              <a:rPr lang="en-GB" sz="8800" b="1" dirty="0" err="1">
-                <a:solidFill>
-                  <a:schemeClr val="accent4"/>
-                </a:solidFill>
+              <a:rPr lang="en-GB" sz="7200" b="1" dirty="0">
+                <a:effectLst>
+                  <a:outerShdw blurRad="38100" dist="38100" dir="2700000" algn="tl">
+                    <a:srgbClr val="000000">
+                      <a:alpha val="43137"/>
+                    </a:srgbClr>
+                  </a:outerShdw>
+                </a:effectLst>
+                <a:latin typeface="Apache" pitchFamily="2" charset="0"/>
+              </a:rPr>
+              <a:t> </a:t>
+            </a:r>
+            <a:r>
+              <a:rPr lang="en-GB" sz="7200" b="1" dirty="0" err="1">
+                <a:effectLst>
+                  <a:outerShdw blurRad="38100" dist="38100" dir="2700000" algn="tl">
+                    <a:srgbClr val="000000">
+                      <a:alpha val="43137"/>
+                    </a:srgbClr>
+                  </a:outerShdw>
+                </a:effectLst>
                 <a:latin typeface="Apache" pitchFamily="2" charset="0"/>
               </a:rPr>
               <a:t>velominy</a:t>
             </a:r>
-            <a:endParaRPr lang="fr-FR" sz="8800" b="1" dirty="0">
-              <a:solidFill>
-                <a:schemeClr val="accent4"/>
-              </a:solidFill>
+            <a:endParaRPr lang="fr-FR" sz="7200" b="1" dirty="0">
+              <a:effectLst>
+                <a:outerShdw blurRad="38100" dist="38100" dir="2700000" algn="tl">
+                  <a:srgbClr val="000000">
+                    <a:alpha val="43137"/>
+                  </a:srgbClr>
+                </a:outerShdw>
+              </a:effectLst>
               <a:latin typeface="Apache" pitchFamily="2" charset="0"/>
             </a:endParaRPr>
           </a:p>
           <a:p>
-            <a:pPr algn="ctr"/>
-            <a:r>
-              <a:rPr lang="en-GB" sz="8800" b="1" dirty="0" err="1">
-                <a:solidFill>
-                  <a:schemeClr val="accent4"/>
-                </a:solidFill>
+            <a:pPr algn="ctr">
+              <a:lnSpc>
+                <a:spcPct val="150000"/>
+              </a:lnSpc>
+            </a:pPr>
+            <a:r>
+              <a:rPr lang="en-GB" sz="7200" b="1" dirty="0" err="1">
+                <a:effectLst>
+                  <a:outerShdw blurRad="38100" dist="38100" dir="2700000" algn="tl">
+                    <a:srgbClr val="000000">
+                      <a:alpha val="43137"/>
+                    </a:srgbClr>
+                  </a:outerShdw>
+                </a:effectLst>
                 <a:latin typeface="Apache" pitchFamily="2" charset="0"/>
               </a:rPr>
               <a:t>Miasa</a:t>
             </a:r>
             <a:r>
-              <a:rPr lang="en-GB" sz="8800" b="1" dirty="0">
-                <a:solidFill>
-                  <a:schemeClr val="accent4"/>
-                </a:solidFill>
-                <a:latin typeface="Apache" pitchFamily="2" charset="0"/>
-              </a:rPr>
-              <a:t> </a:t>
-            </a:r>
-            <a:r>
-              <a:rPr lang="en-GB" sz="8800" b="1" dirty="0" err="1">
-                <a:solidFill>
-                  <a:schemeClr val="accent4"/>
-                </a:solidFill>
+              <a:rPr lang="en-GB" sz="7200" b="1" dirty="0">
+                <a:effectLst>
+                  <a:outerShdw blurRad="38100" dist="38100" dir="2700000" algn="tl">
+                    <a:srgbClr val="000000">
+                      <a:alpha val="43137"/>
+                    </a:srgbClr>
+                  </a:outerShdw>
+                </a:effectLst>
+                <a:latin typeface="Apache" pitchFamily="2" charset="0"/>
+              </a:rPr>
+              <a:t> </a:t>
+            </a:r>
+            <a:r>
+              <a:rPr lang="en-GB" sz="7200" b="1" dirty="0" err="1">
+                <a:effectLst>
+                  <a:outerShdw blurRad="38100" dist="38100" dir="2700000" algn="tl">
+                    <a:srgbClr val="000000">
+                      <a:alpha val="43137"/>
+                    </a:srgbClr>
+                  </a:outerShdw>
+                </a:effectLst>
                 <a:latin typeface="Apache" pitchFamily="2" charset="0"/>
               </a:rPr>
               <a:t>Izy</a:t>
             </a:r>
             <a:r>
-              <a:rPr lang="en-GB" sz="8800" b="1" dirty="0">
-                <a:solidFill>
-                  <a:schemeClr val="accent4"/>
-                </a:solidFill>
-                <a:latin typeface="Apache" pitchFamily="2" charset="0"/>
-              </a:rPr>
-              <a:t> </a:t>
-            </a:r>
-            <a:r>
-              <a:rPr lang="en-GB" sz="8800" b="1" dirty="0" err="1">
-                <a:solidFill>
-                  <a:schemeClr val="accent4"/>
-                </a:solidFill>
+              <a:rPr lang="en-GB" sz="7200" b="1" dirty="0">
+                <a:effectLst>
+                  <a:outerShdw blurRad="38100" dist="38100" dir="2700000" algn="tl">
+                    <a:srgbClr val="000000">
+                      <a:alpha val="43137"/>
+                    </a:srgbClr>
+                  </a:outerShdw>
+                </a:effectLst>
+                <a:latin typeface="Apache" pitchFamily="2" charset="0"/>
+              </a:rPr>
+              <a:t> </a:t>
+            </a:r>
+            <a:r>
+              <a:rPr lang="en-GB" sz="7200" b="1" dirty="0" err="1">
+                <a:effectLst>
+                  <a:outerShdw blurRad="38100" dist="38100" dir="2700000" algn="tl">
+                    <a:srgbClr val="000000">
+                      <a:alpha val="43137"/>
+                    </a:srgbClr>
+                  </a:outerShdw>
+                </a:effectLst>
                 <a:latin typeface="Apache" pitchFamily="2" charset="0"/>
               </a:rPr>
               <a:t>tsy</a:t>
             </a:r>
             <a:r>
-              <a:rPr lang="en-GB" sz="8800" b="1" dirty="0">
-                <a:solidFill>
-                  <a:schemeClr val="accent4"/>
-                </a:solidFill>
-                <a:latin typeface="Apache" pitchFamily="2" charset="0"/>
-              </a:rPr>
-              <a:t> </a:t>
-            </a:r>
-            <a:r>
-              <a:rPr lang="en-GB" sz="8800" b="1" dirty="0" err="1">
-                <a:solidFill>
-                  <a:schemeClr val="accent4"/>
-                </a:solidFill>
+              <a:rPr lang="en-GB" sz="7200" b="1" dirty="0">
+                <a:effectLst>
+                  <a:outerShdw blurRad="38100" dist="38100" dir="2700000" algn="tl">
+                    <a:srgbClr val="000000">
+                      <a:alpha val="43137"/>
+                    </a:srgbClr>
+                  </a:outerShdw>
+                </a:effectLst>
+                <a:latin typeface="Apache" pitchFamily="2" charset="0"/>
+              </a:rPr>
+              <a:t> </a:t>
+            </a:r>
+            <a:r>
+              <a:rPr lang="en-GB" sz="7200" b="1" dirty="0" err="1">
+                <a:effectLst>
+                  <a:outerShdw blurRad="38100" dist="38100" dir="2700000" algn="tl">
+                    <a:srgbClr val="000000">
+                      <a:alpha val="43137"/>
+                    </a:srgbClr>
+                  </a:outerShdw>
+                </a:effectLst>
                 <a:latin typeface="Apache" pitchFamily="2" charset="0"/>
               </a:rPr>
               <a:t>mba</a:t>
             </a:r>
             <a:r>
-              <a:rPr lang="en-GB" sz="8800" b="1" dirty="0">
-                <a:solidFill>
-                  <a:schemeClr val="accent4"/>
-                </a:solidFill>
-                <a:latin typeface="Apache" pitchFamily="2" charset="0"/>
-              </a:rPr>
-              <a:t> </a:t>
-            </a:r>
-            <a:r>
-              <a:rPr lang="en-GB" sz="8800" b="1" dirty="0" err="1">
-                <a:solidFill>
-                  <a:schemeClr val="accent4"/>
-                </a:solidFill>
+              <a:rPr lang="en-GB" sz="7200" b="1" dirty="0">
+                <a:effectLst>
+                  <a:outerShdw blurRad="38100" dist="38100" dir="2700000" algn="tl">
+                    <a:srgbClr val="000000">
+                      <a:alpha val="43137"/>
+                    </a:srgbClr>
+                  </a:outerShdw>
+                </a:effectLst>
+                <a:latin typeface="Apache" pitchFamily="2" charset="0"/>
+              </a:rPr>
+              <a:t> </a:t>
+            </a:r>
+            <a:r>
+              <a:rPr lang="en-GB" sz="7200" b="1" dirty="0" err="1">
+                <a:effectLst>
+                  <a:outerShdw blurRad="38100" dist="38100" dir="2700000" algn="tl">
+                    <a:srgbClr val="000000">
+                      <a:alpha val="43137"/>
+                    </a:srgbClr>
+                  </a:outerShdw>
+                </a:effectLst>
                 <a:latin typeface="Apache" pitchFamily="2" charset="0"/>
               </a:rPr>
               <a:t>matory</a:t>
             </a:r>
             <a:r>
-              <a:rPr lang="en-GB" sz="8800" b="1" dirty="0">
-                <a:solidFill>
-                  <a:schemeClr val="accent4"/>
-                </a:solidFill>
+              <a:rPr lang="en-GB" sz="7200" b="1" dirty="0">
+                <a:effectLst>
+                  <a:outerShdw blurRad="38100" dist="38100" dir="2700000" algn="tl">
+                    <a:srgbClr val="000000">
+                      <a:alpha val="43137"/>
+                    </a:srgbClr>
+                  </a:outerShdw>
+                </a:effectLst>
                 <a:latin typeface="Apache" pitchFamily="2" charset="0"/>
               </a:rPr>
               <a:t>,</a:t>
             </a:r>
-            <a:endParaRPr lang="fr-FR" sz="8800" b="1" dirty="0">
-              <a:solidFill>
-                <a:schemeClr val="accent4"/>
-              </a:solidFill>
+            <a:endParaRPr lang="fr-FR" sz="7200" b="1" dirty="0">
+              <a:effectLst>
+                <a:outerShdw blurRad="38100" dist="38100" dir="2700000" algn="tl">
+                  <a:srgbClr val="000000">
+                    <a:alpha val="43137"/>
+                  </a:srgbClr>
+                </a:outerShdw>
+              </a:effectLst>
               <a:latin typeface="Apache" pitchFamily="2" charset="0"/>
             </a:endParaRPr>
           </a:p>
           <a:p>
-            <a:pPr algn="ctr"/>
-            <a:r>
-              <a:rPr lang="en-GB" sz="8800" b="1" dirty="0">
-                <a:solidFill>
-                  <a:schemeClr val="accent4"/>
-                </a:solidFill>
+            <a:pPr algn="ctr">
+              <a:lnSpc>
+                <a:spcPct val="150000"/>
+              </a:lnSpc>
+            </a:pPr>
+            <a:r>
+              <a:rPr lang="en-GB" sz="7200" b="1" dirty="0">
+                <a:effectLst>
+                  <a:outerShdw blurRad="38100" dist="38100" dir="2700000" algn="tl">
+                    <a:srgbClr val="000000">
+                      <a:alpha val="43137"/>
+                    </a:srgbClr>
+                  </a:outerShdw>
+                </a:effectLst>
                 <a:latin typeface="Apache" pitchFamily="2" charset="0"/>
               </a:rPr>
               <a:t>  </a:t>
             </a:r>
             <a:r>
-              <a:rPr lang="en-GB" sz="8800" b="1" dirty="0" err="1">
-                <a:solidFill>
-                  <a:schemeClr val="accent4"/>
-                </a:solidFill>
+              <a:rPr lang="en-GB" sz="7200" b="1" dirty="0" err="1">
+                <a:effectLst>
+                  <a:outerShdw blurRad="38100" dist="38100" dir="2700000" algn="tl">
+                    <a:srgbClr val="000000">
+                      <a:alpha val="43137"/>
+                    </a:srgbClr>
+                  </a:outerShdw>
+                </a:effectLst>
                 <a:latin typeface="Apache" pitchFamily="2" charset="0"/>
               </a:rPr>
               <a:t>Lala</a:t>
             </a:r>
             <a:r>
-              <a:rPr lang="en-GB" sz="8800" b="1" dirty="0">
-                <a:solidFill>
-                  <a:schemeClr val="accent4"/>
-                </a:solidFill>
+              <a:rPr lang="en-GB" sz="7200" b="1" dirty="0">
+                <a:effectLst>
+                  <a:outerShdw blurRad="38100" dist="38100" dir="2700000" algn="tl">
+                    <a:srgbClr val="000000">
+                      <a:alpha val="43137"/>
+                    </a:srgbClr>
+                  </a:outerShdw>
+                </a:effectLst>
                 <a:latin typeface="Apache" pitchFamily="2" charset="0"/>
               </a:rPr>
               <a:t>-marina </a:t>
             </a:r>
             <a:r>
-              <a:rPr lang="en-GB" sz="8800" b="1" dirty="0" err="1">
-                <a:solidFill>
-                  <a:schemeClr val="accent4"/>
-                </a:solidFill>
+              <a:rPr lang="en-GB" sz="7200" b="1" dirty="0" err="1">
+                <a:effectLst>
+                  <a:outerShdw blurRad="38100" dist="38100" dir="2700000" algn="tl">
+                    <a:srgbClr val="000000">
+                      <a:alpha val="43137"/>
+                    </a:srgbClr>
+                  </a:outerShdw>
+                </a:effectLst>
                 <a:latin typeface="Apache" pitchFamily="2" charset="0"/>
               </a:rPr>
               <a:t>itondrany</a:t>
             </a:r>
-            <a:endParaRPr lang="fr-FR" sz="8800" b="1" dirty="0">
-              <a:solidFill>
-                <a:schemeClr val="accent4"/>
-              </a:solidFill>
+            <a:endParaRPr lang="fr-FR" sz="7200" b="1" dirty="0">
+              <a:effectLst>
+                <a:outerShdw blurRad="38100" dist="38100" dir="2700000" algn="tl">
+                  <a:srgbClr val="000000">
+                    <a:alpha val="43137"/>
+                  </a:srgbClr>
+                </a:outerShdw>
+              </a:effectLst>
               <a:latin typeface="Apache" pitchFamily="2" charset="0"/>
             </a:endParaRPr>
           </a:p>
           <a:p>
-            <a:pPr algn="ctr"/>
-            <a:r>
-              <a:rPr lang="en-GB" sz="8800" b="1" dirty="0">
-                <a:solidFill>
-                  <a:schemeClr val="accent4"/>
-                </a:solidFill>
+            <a:pPr algn="ctr">
+              <a:lnSpc>
+                <a:spcPct val="150000"/>
+              </a:lnSpc>
+            </a:pPr>
+            <a:r>
+              <a:rPr lang="en-GB" sz="7200" b="1" dirty="0">
+                <a:effectLst>
+                  <a:outerShdw blurRad="38100" dist="38100" dir="2700000" algn="tl">
+                    <a:srgbClr val="000000">
+                      <a:alpha val="43137"/>
+                    </a:srgbClr>
+                  </a:outerShdw>
+                </a:effectLst>
                 <a:latin typeface="Apache" pitchFamily="2" charset="0"/>
               </a:rPr>
               <a:t>  </a:t>
             </a:r>
             <a:r>
-              <a:rPr lang="en-GB" sz="8800" b="1" dirty="0" err="1" smtClean="0">
-                <a:solidFill>
-                  <a:schemeClr val="accent4"/>
-                </a:solidFill>
+              <a:rPr lang="en-GB" sz="7200" b="1" dirty="0" err="1" smtClean="0">
+                <a:effectLst>
+                  <a:outerShdw blurRad="38100" dist="38100" dir="2700000" algn="tl">
+                    <a:srgbClr val="000000">
+                      <a:alpha val="43137"/>
+                    </a:srgbClr>
+                  </a:outerShdw>
+                </a:effectLst>
                 <a:latin typeface="Apache" pitchFamily="2" charset="0"/>
               </a:rPr>
               <a:t>Tsy</a:t>
             </a:r>
             <a:r>
-              <a:rPr lang="en-GB" sz="8800" b="1" dirty="0" smtClean="0">
-                <a:solidFill>
-                  <a:schemeClr val="accent4"/>
-                </a:solidFill>
-                <a:latin typeface="Apache" pitchFamily="2" charset="0"/>
-              </a:rPr>
-              <a:t> </a:t>
-            </a:r>
-            <a:r>
-              <a:rPr lang="en-GB" sz="8800" b="1" dirty="0" err="1">
-                <a:solidFill>
-                  <a:schemeClr val="accent4"/>
-                </a:solidFill>
+              <a:rPr lang="en-GB" sz="7200" b="1" dirty="0" smtClean="0">
+                <a:effectLst>
+                  <a:outerShdw blurRad="38100" dist="38100" dir="2700000" algn="tl">
+                    <a:srgbClr val="000000">
+                      <a:alpha val="43137"/>
+                    </a:srgbClr>
+                  </a:outerShdw>
+                </a:effectLst>
+                <a:latin typeface="Apache" pitchFamily="2" charset="0"/>
+              </a:rPr>
+              <a:t> </a:t>
+            </a:r>
+            <a:r>
+              <a:rPr lang="en-GB" sz="7200" b="1" dirty="0" err="1">
+                <a:effectLst>
+                  <a:outerShdw blurRad="38100" dist="38100" dir="2700000" algn="tl">
+                    <a:srgbClr val="000000">
+                      <a:alpha val="43137"/>
+                    </a:srgbClr>
+                  </a:outerShdw>
+                </a:effectLst>
                 <a:latin typeface="Apache" pitchFamily="2" charset="0"/>
               </a:rPr>
               <a:t>ho</a:t>
             </a:r>
             <a:r>
-              <a:rPr lang="en-GB" sz="8800" b="1" dirty="0">
-                <a:solidFill>
-                  <a:schemeClr val="accent4"/>
-                </a:solidFill>
-                <a:latin typeface="Apache" pitchFamily="2" charset="0"/>
-              </a:rPr>
-              <a:t> </a:t>
-            </a:r>
-            <a:r>
-              <a:rPr lang="en-GB" sz="8800" b="1" dirty="0" err="1">
-                <a:solidFill>
-                  <a:schemeClr val="accent4"/>
-                </a:solidFill>
+              <a:rPr lang="en-GB" sz="7200" b="1" dirty="0">
+                <a:effectLst>
+                  <a:outerShdw blurRad="38100" dist="38100" dir="2700000" algn="tl">
+                    <a:srgbClr val="000000">
+                      <a:alpha val="43137"/>
+                    </a:srgbClr>
+                  </a:outerShdw>
+                </a:effectLst>
+                <a:latin typeface="Apache" pitchFamily="2" charset="0"/>
+              </a:rPr>
+              <a:t> </a:t>
+            </a:r>
+            <a:r>
+              <a:rPr lang="en-GB" sz="7200" b="1" dirty="0" err="1">
+                <a:effectLst>
+                  <a:outerShdw blurRad="38100" dist="38100" dir="2700000" algn="tl">
+                    <a:srgbClr val="000000">
+                      <a:alpha val="43137"/>
+                    </a:srgbClr>
+                  </a:outerShdw>
+                </a:effectLst>
                 <a:latin typeface="Apache" pitchFamily="2" charset="0"/>
               </a:rPr>
               <a:t>foiko</a:t>
             </a:r>
             <a:r>
-              <a:rPr lang="en-GB" sz="8800" b="1" dirty="0">
-                <a:solidFill>
-                  <a:schemeClr val="accent4"/>
-                </a:solidFill>
+              <a:rPr lang="en-GB" sz="7200" b="1" dirty="0">
+                <a:effectLst>
+                  <a:outerShdw blurRad="38100" dist="38100" dir="2700000" algn="tl">
+                    <a:srgbClr val="000000">
+                      <a:alpha val="43137"/>
+                    </a:srgbClr>
+                  </a:outerShdw>
+                </a:effectLst>
                 <a:latin typeface="Apache" pitchFamily="2" charset="0"/>
               </a:rPr>
               <a:t>.</a:t>
             </a:r>
             <a:r>
-              <a:rPr lang="fr-FR" sz="8800" b="1" dirty="0" smtClean="0"/>
-              <a:t> </a:t>
-            </a:r>
-          </a:p>
-          <a:p>
-            <a:pPr algn="ctr"/>
-            <a:endParaRPr lang="fr-FR" sz="8800" b="1" dirty="0"/>
-          </a:p>
-          <a:p>
-            <a:pPr algn="ctr"/>
-            <a:endParaRPr lang="fr-FR" sz="8800" b="1" dirty="0"/>
+              <a:rPr lang="fr-FR" sz="7200" b="1" dirty="0" smtClean="0">
+                <a:effectLst>
+                  <a:outerShdw blurRad="38100" dist="38100" dir="2700000" algn="tl">
+                    <a:srgbClr val="000000">
+                      <a:alpha val="43137"/>
+                    </a:srgbClr>
+                  </a:outerShdw>
+                </a:effectLst>
+              </a:rPr>
+              <a:t> </a:t>
+            </a:r>
           </a:p>
         </p:txBody>
       </p:sp>
@@ -7073,8 +7897,8 @@
         </p:nvSpPr>
         <p:spPr>
           <a:xfrm>
-            <a:off x="0" y="1478280"/>
-            <a:ext cx="12192000" cy="5386090"/>
+            <a:off x="0" y="-9328"/>
+            <a:ext cx="12192000" cy="6444393"/>
           </a:xfrm>
           <a:prstGeom prst="rect">
             <a:avLst/>
@@ -7087,204 +7911,208 @@
           </a:bodyPr>
           <a:lstStyle/>
           <a:p>
-            <a:pPr algn="ctr"/>
-            <a:r>
-              <a:rPr lang="en-GB" sz="8800" b="1" dirty="0">
+            <a:pPr algn="ctr">
+              <a:lnSpc>
+                <a:spcPct val="150000"/>
+              </a:lnSpc>
+            </a:pPr>
+            <a:r>
+              <a:rPr lang="en-GB" sz="7200" b="1" dirty="0">
                 <a:latin typeface="Apache" pitchFamily="2" charset="0"/>
               </a:rPr>
               <a:t>2 </a:t>
             </a:r>
             <a:r>
-              <a:rPr lang="en-GB" sz="8800" b="1" dirty="0" err="1">
+              <a:rPr lang="en-GB" sz="7200" b="1" dirty="0" err="1">
                 <a:latin typeface="Apache" pitchFamily="2" charset="0"/>
               </a:rPr>
               <a:t>Ny</a:t>
             </a:r>
             <a:r>
-              <a:rPr lang="en-GB" sz="8800" b="1" dirty="0">
-                <a:latin typeface="Apache" pitchFamily="2" charset="0"/>
-              </a:rPr>
-              <a:t> </a:t>
-            </a:r>
-            <a:r>
-              <a:rPr lang="en-GB" sz="8800" b="1" dirty="0" err="1">
+              <a:rPr lang="en-GB" sz="7200" b="1" dirty="0">
+                <a:latin typeface="Apache" pitchFamily="2" charset="0"/>
+              </a:rPr>
+              <a:t> </a:t>
+            </a:r>
+            <a:r>
+              <a:rPr lang="en-GB" sz="7200" b="1" dirty="0" err="1">
                 <a:latin typeface="Apache" pitchFamily="2" charset="0"/>
               </a:rPr>
               <a:t>aloky</a:t>
             </a:r>
             <a:r>
-              <a:rPr lang="en-GB" sz="8800" b="1" dirty="0">
-                <a:latin typeface="Apache" pitchFamily="2" charset="0"/>
-              </a:rPr>
-              <a:t> </a:t>
-            </a:r>
-            <a:r>
-              <a:rPr lang="en-GB" sz="8800" b="1" dirty="0" err="1">
+              <a:rPr lang="en-GB" sz="7200" b="1" dirty="0">
+                <a:latin typeface="Apache" pitchFamily="2" charset="0"/>
+              </a:rPr>
+              <a:t> </a:t>
+            </a:r>
+            <a:r>
+              <a:rPr lang="en-GB" sz="7200" b="1" dirty="0" err="1">
                 <a:latin typeface="Apache" pitchFamily="2" charset="0"/>
               </a:rPr>
               <a:t>ny</a:t>
             </a:r>
             <a:r>
-              <a:rPr lang="en-GB" sz="8800" b="1" dirty="0">
-                <a:latin typeface="Apache" pitchFamily="2" charset="0"/>
-              </a:rPr>
-              <a:t> </a:t>
-            </a:r>
-            <a:r>
-              <a:rPr lang="en-GB" sz="8800" b="1" dirty="0" err="1">
+              <a:rPr lang="en-GB" sz="7200" b="1" dirty="0">
+                <a:latin typeface="Apache" pitchFamily="2" charset="0"/>
+              </a:rPr>
+              <a:t> </a:t>
+            </a:r>
+            <a:r>
+              <a:rPr lang="en-GB" sz="7200" b="1" dirty="0" err="1">
                 <a:latin typeface="Apache" pitchFamily="2" charset="0"/>
               </a:rPr>
               <a:t>fasana</a:t>
             </a:r>
             <a:r>
-              <a:rPr lang="en-GB" sz="8800" b="1" dirty="0">
-                <a:latin typeface="Apache" pitchFamily="2" charset="0"/>
-              </a:rPr>
-              <a:t> </a:t>
-            </a:r>
-            <a:r>
-              <a:rPr lang="en-GB" sz="8800" b="1" dirty="0" err="1">
+              <a:rPr lang="en-GB" sz="7200" b="1" dirty="0">
+                <a:latin typeface="Apache" pitchFamily="2" charset="0"/>
+              </a:rPr>
+              <a:t> </a:t>
+            </a:r>
+            <a:r>
+              <a:rPr lang="en-GB" sz="7200" b="1" dirty="0" err="1">
                 <a:latin typeface="Apache" pitchFamily="2" charset="0"/>
               </a:rPr>
               <a:t>aza</a:t>
             </a:r>
-            <a:endParaRPr lang="fr-FR" sz="8800" b="1" dirty="0" smtClean="0">
+            <a:endParaRPr lang="fr-FR" sz="7200" b="1" dirty="0" smtClean="0">
               <a:effectLst/>
               <a:latin typeface="Apache" pitchFamily="2" charset="0"/>
             </a:endParaRPr>
           </a:p>
           <a:p>
-            <a:pPr algn="ctr"/>
-            <a:r>
-              <a:rPr lang="en-GB" sz="8800" b="1" dirty="0">
-                <a:latin typeface="Apache" pitchFamily="2" charset="0"/>
-              </a:rPr>
-              <a:t>   </a:t>
-            </a:r>
-            <a:r>
-              <a:rPr lang="en-GB" sz="8800" b="1" dirty="0" err="1">
+            <a:pPr algn="ctr">
+              <a:lnSpc>
+                <a:spcPct val="150000"/>
+              </a:lnSpc>
+            </a:pPr>
+            <a:r>
+              <a:rPr lang="en-GB" sz="7200" b="1" dirty="0" err="1" smtClean="0">
                 <a:latin typeface="Apache" pitchFamily="2" charset="0"/>
               </a:rPr>
               <a:t>Tsy</a:t>
             </a:r>
             <a:r>
-              <a:rPr lang="en-GB" sz="8800" b="1" dirty="0">
-                <a:latin typeface="Apache" pitchFamily="2" charset="0"/>
-              </a:rPr>
-              <a:t> </a:t>
-            </a:r>
-            <a:r>
-              <a:rPr lang="en-GB" sz="8800" b="1" dirty="0" err="1">
+              <a:rPr lang="en-GB" sz="7200" b="1" dirty="0" smtClean="0">
+                <a:latin typeface="Apache" pitchFamily="2" charset="0"/>
+              </a:rPr>
+              <a:t> </a:t>
+            </a:r>
+            <a:r>
+              <a:rPr lang="en-GB" sz="7200" b="1" dirty="0" err="1">
                 <a:latin typeface="Apache" pitchFamily="2" charset="0"/>
               </a:rPr>
               <a:t>ho</a:t>
             </a:r>
             <a:r>
-              <a:rPr lang="en-GB" sz="8800" b="1" dirty="0">
-                <a:latin typeface="Apache" pitchFamily="2" charset="0"/>
-              </a:rPr>
-              <a:t> </a:t>
-            </a:r>
-            <a:r>
-              <a:rPr lang="en-GB" sz="8800" b="1" dirty="0" err="1">
+              <a:rPr lang="en-GB" sz="7200" b="1" dirty="0">
+                <a:latin typeface="Apache" pitchFamily="2" charset="0"/>
+              </a:rPr>
+              <a:t> </a:t>
+            </a:r>
+            <a:r>
+              <a:rPr lang="en-GB" sz="7200" b="1" dirty="0" err="1">
                 <a:latin typeface="Apache" pitchFamily="2" charset="0"/>
               </a:rPr>
               <a:t>tazantsika</a:t>
             </a:r>
             <a:r>
-              <a:rPr lang="en-GB" sz="8800" b="1" dirty="0">
-                <a:latin typeface="Apache" pitchFamily="2" charset="0"/>
-              </a:rPr>
-              <a:t> </a:t>
-            </a:r>
-            <a:r>
-              <a:rPr lang="en-GB" sz="8800" b="1" dirty="0" err="1">
+              <a:rPr lang="en-GB" sz="7200" b="1" dirty="0">
+                <a:latin typeface="Apache" pitchFamily="2" charset="0"/>
+              </a:rPr>
+              <a:t> </a:t>
+            </a:r>
+            <a:r>
+              <a:rPr lang="en-GB" sz="7200" b="1" dirty="0" err="1">
                 <a:latin typeface="Apache" pitchFamily="2" charset="0"/>
               </a:rPr>
               <a:t>intsony</a:t>
             </a:r>
             <a:r>
-              <a:rPr lang="en-GB" sz="8800" b="1" dirty="0">
+              <a:rPr lang="en-GB" sz="7200" b="1" dirty="0">
                 <a:latin typeface="Apache" pitchFamily="2" charset="0"/>
               </a:rPr>
               <a:t> ;</a:t>
             </a:r>
-            <a:endParaRPr lang="fr-FR" sz="8800" b="1" dirty="0" smtClean="0">
+            <a:endParaRPr lang="fr-FR" sz="7200" b="1" dirty="0" smtClean="0">
               <a:effectLst/>
               <a:latin typeface="Apache" pitchFamily="2" charset="0"/>
             </a:endParaRPr>
           </a:p>
           <a:p>
-            <a:pPr algn="ctr"/>
-            <a:r>
-              <a:rPr lang="en-GB" sz="8800" b="1" dirty="0">
-                <a:latin typeface="Apache" pitchFamily="2" charset="0"/>
-              </a:rPr>
-              <a:t>   </a:t>
-            </a:r>
-            <a:r>
-              <a:rPr lang="en-GB" sz="8800" b="1" dirty="0" err="1">
+            <a:pPr algn="ctr">
+              <a:lnSpc>
+                <a:spcPct val="150000"/>
+              </a:lnSpc>
+            </a:pPr>
+            <a:r>
+              <a:rPr lang="en-GB" sz="7200" b="1" dirty="0" err="1" smtClean="0">
                 <a:latin typeface="Apache" pitchFamily="2" charset="0"/>
               </a:rPr>
               <a:t>Tsy</a:t>
             </a:r>
             <a:r>
-              <a:rPr lang="en-GB" sz="8800" b="1" dirty="0">
-                <a:latin typeface="Apache" pitchFamily="2" charset="0"/>
-              </a:rPr>
-              <a:t> </a:t>
-            </a:r>
-            <a:r>
-              <a:rPr lang="en-GB" sz="8800" b="1" dirty="0" err="1">
+              <a:rPr lang="en-GB" sz="7200" b="1" dirty="0" smtClean="0">
+                <a:latin typeface="Apache" pitchFamily="2" charset="0"/>
+              </a:rPr>
+              <a:t> </a:t>
+            </a:r>
+            <a:r>
+              <a:rPr lang="en-GB" sz="7200" b="1" dirty="0" err="1">
                 <a:latin typeface="Apache" pitchFamily="2" charset="0"/>
               </a:rPr>
               <a:t>hatahotra</a:t>
             </a:r>
             <a:r>
-              <a:rPr lang="en-GB" sz="8800" b="1" dirty="0">
-                <a:latin typeface="Apache" pitchFamily="2" charset="0"/>
-              </a:rPr>
-              <a:t> </a:t>
-            </a:r>
-            <a:r>
-              <a:rPr lang="en-GB" sz="8800" b="1" dirty="0" err="1">
+              <a:rPr lang="en-GB" sz="7200" b="1" dirty="0">
+                <a:latin typeface="Apache" pitchFamily="2" charset="0"/>
+              </a:rPr>
+              <a:t> </a:t>
+            </a:r>
+            <a:r>
+              <a:rPr lang="en-GB" sz="7200" b="1" dirty="0" err="1">
                 <a:latin typeface="Apache" pitchFamily="2" charset="0"/>
               </a:rPr>
               <a:t>ny</a:t>
             </a:r>
             <a:r>
-              <a:rPr lang="en-GB" sz="8800" b="1" dirty="0">
-                <a:latin typeface="Apache" pitchFamily="2" charset="0"/>
-              </a:rPr>
-              <a:t> </a:t>
-            </a:r>
-            <a:r>
-              <a:rPr lang="en-GB" sz="8800" b="1" dirty="0" err="1">
+              <a:rPr lang="en-GB" sz="7200" b="1" dirty="0">
+                <a:latin typeface="Apache" pitchFamily="2" charset="0"/>
+              </a:rPr>
+              <a:t> </a:t>
+            </a:r>
+            <a:r>
+              <a:rPr lang="en-GB" sz="7200" b="1" dirty="0" err="1">
                 <a:latin typeface="Apache" pitchFamily="2" charset="0"/>
               </a:rPr>
               <a:t>loza</a:t>
             </a:r>
             <a:r>
-              <a:rPr lang="en-GB" sz="8800" b="1" dirty="0">
-                <a:latin typeface="Apache" pitchFamily="2" charset="0"/>
-              </a:rPr>
-              <a:t> </a:t>
-            </a:r>
-            <a:r>
-              <a:rPr lang="en-GB" sz="8800" b="1" dirty="0" err="1">
+              <a:rPr lang="en-GB" sz="7200" b="1" dirty="0">
+                <a:latin typeface="Apache" pitchFamily="2" charset="0"/>
+              </a:rPr>
+              <a:t> </a:t>
+            </a:r>
+            <a:r>
+              <a:rPr lang="en-GB" sz="7200" b="1" dirty="0" err="1">
                 <a:latin typeface="Apache" pitchFamily="2" charset="0"/>
               </a:rPr>
               <a:t>aho</a:t>
             </a:r>
-            <a:endParaRPr lang="fr-FR" sz="8800" b="1" dirty="0" smtClean="0">
+            <a:endParaRPr lang="fr-FR" sz="7200" b="1" dirty="0" smtClean="0">
               <a:effectLst/>
               <a:latin typeface="Apache" pitchFamily="2" charset="0"/>
             </a:endParaRPr>
           </a:p>
           <a:p>
-            <a:pPr algn="ctr"/>
-            <a:r>
-              <a:rPr lang="en-GB" sz="8000" i="1" dirty="0">
+            <a:pPr algn="ctr">
+              <a:lnSpc>
+                <a:spcPct val="150000"/>
+              </a:lnSpc>
+            </a:pPr>
+            <a:r>
+              <a:rPr lang="en-GB" sz="6600" i="1" dirty="0">
                 <a:solidFill>
                   <a:schemeClr val="accent6">
                     <a:lumMod val="75000"/>
@@ -7294,7 +8122,7 @@
               <a:t>      </a:t>
             </a:r>
             <a:r>
-              <a:rPr lang="en-GB" sz="8000" i="1" dirty="0" smtClean="0">
+              <a:rPr lang="en-GB" sz="6600" i="1" dirty="0" smtClean="0">
                 <a:solidFill>
                   <a:schemeClr val="accent6">
                     <a:lumMod val="75000"/>
@@ -7304,7 +8132,7 @@
               <a:t>     </a:t>
             </a:r>
             <a:r>
-              <a:rPr lang="en-GB" sz="7200" b="1" i="1" dirty="0">
+              <a:rPr lang="en-GB" sz="6000" b="1" i="1" dirty="0">
                 <a:solidFill>
                   <a:schemeClr val="accent6">
                     <a:lumMod val="75000"/>
@@ -7314,7 +8142,7 @@
               <a:t>(</a:t>
             </a:r>
             <a:r>
-              <a:rPr lang="en-GB" sz="7200" b="1" i="1" dirty="0" err="1" smtClean="0">
+              <a:rPr lang="en-GB" sz="6000" b="1" i="1" dirty="0" err="1" smtClean="0">
                 <a:solidFill>
                   <a:schemeClr val="accent6">
                     <a:lumMod val="75000"/>
@@ -7324,7 +8152,7 @@
               <a:t>Izy</a:t>
             </a:r>
             <a:r>
-              <a:rPr lang="en-GB" sz="7200" b="1" i="1" dirty="0" smtClean="0">
+              <a:rPr lang="en-GB" sz="6000" b="1" i="1" dirty="0" smtClean="0">
                 <a:solidFill>
                   <a:schemeClr val="accent6">
                     <a:lumMod val="75000"/>
@@ -7334,7 +8162,7 @@
               <a:t> no </a:t>
             </a:r>
             <a:r>
-              <a:rPr lang="en-GB" sz="7200" b="1" i="1" dirty="0" err="1">
+              <a:rPr lang="en-GB" sz="6000" b="1" i="1" dirty="0" err="1">
                 <a:solidFill>
                   <a:schemeClr val="accent6">
                     <a:lumMod val="75000"/>
@@ -7344,7 +8172,7 @@
               <a:t>mihazona</a:t>
             </a:r>
             <a:r>
-              <a:rPr lang="en-GB" sz="7200" b="1" i="1" dirty="0">
+              <a:rPr lang="en-GB" sz="6000" b="1" i="1" dirty="0">
                 <a:solidFill>
                   <a:schemeClr val="accent6">
                     <a:lumMod val="75000"/>
@@ -7354,7 +8182,7 @@
               <a:t> </a:t>
             </a:r>
             <a:r>
-              <a:rPr lang="en-GB" sz="7200" b="1" i="1" dirty="0" err="1">
+              <a:rPr lang="en-GB" sz="6000" b="1" i="1" dirty="0" err="1">
                 <a:solidFill>
                   <a:schemeClr val="accent6">
                     <a:lumMod val="75000"/>
@@ -7364,7 +8192,7 @@
               <a:t>ahy</a:t>
             </a:r>
             <a:r>
-              <a:rPr lang="en-GB" sz="7200" b="1" i="1" dirty="0" smtClean="0">
+              <a:rPr lang="en-GB" sz="6000" b="1" i="1" dirty="0" smtClean="0">
                 <a:solidFill>
                   <a:schemeClr val="accent6">
                     <a:lumMod val="75000"/>
@@ -7373,7 +8201,7 @@
               </a:rPr>
               <a:t>)   </a:t>
             </a:r>
-            <a:endParaRPr lang="fr-FR" sz="7200" b="1" i="1" dirty="0">
+            <a:endParaRPr lang="fr-FR" sz="6000" b="1" i="1" dirty="0">
               <a:solidFill>
                 <a:schemeClr val="accent6">
                   <a:lumMod val="75000"/>
@@ -7428,8 +8256,8 @@
         </p:nvSpPr>
         <p:spPr>
           <a:xfrm>
-            <a:off x="0" y="1447800"/>
-            <a:ext cx="12192000" cy="5509200"/>
+            <a:off x="0" y="492458"/>
+            <a:ext cx="12192000" cy="5632311"/>
           </a:xfrm>
           <a:prstGeom prst="rect">
             <a:avLst/>
@@ -7444,85 +8272,73 @@
           <a:p>
             <a:pPr algn="ctr"/>
             <a:r>
-              <a:rPr lang="en-GB" sz="8800" b="1" dirty="0" smtClean="0">
-                <a:latin typeface="Apache" pitchFamily="2" charset="0"/>
-              </a:rPr>
-              <a:t> </a:t>
-            </a:r>
-            <a:r>
-              <a:rPr lang="en-GB" sz="8800" b="1" dirty="0" err="1" smtClean="0">
+              <a:rPr lang="en-GB" sz="7200" b="1" dirty="0" err="1" smtClean="0">
                 <a:latin typeface="Apache" pitchFamily="2" charset="0"/>
               </a:rPr>
               <a:t>Tsora-kazo</a:t>
             </a:r>
             <a:r>
-              <a:rPr lang="en-GB" sz="8800" b="1" dirty="0" smtClean="0">
-                <a:latin typeface="Apache" pitchFamily="2" charset="0"/>
-              </a:rPr>
-              <a:t> </a:t>
-            </a:r>
-            <a:r>
-              <a:rPr lang="en-GB" sz="8800" b="1" dirty="0" err="1" smtClean="0">
+              <a:rPr lang="en-GB" sz="7200" b="1" dirty="0" smtClean="0">
+                <a:latin typeface="Apache" pitchFamily="2" charset="0"/>
+              </a:rPr>
+              <a:t> </a:t>
+            </a:r>
+            <a:r>
+              <a:rPr lang="en-GB" sz="7200" b="1" dirty="0" err="1" smtClean="0">
                 <a:latin typeface="Apache" pitchFamily="2" charset="0"/>
               </a:rPr>
               <a:t>nitondrany</a:t>
             </a:r>
-            <a:endParaRPr lang="fr-FR" sz="8800" b="1" dirty="0">
+            <a:endParaRPr lang="fr-FR" sz="7200" b="1" dirty="0">
               <a:latin typeface="Apache" pitchFamily="2" charset="0"/>
             </a:endParaRPr>
           </a:p>
           <a:p>
             <a:pPr algn="ctr"/>
             <a:r>
-              <a:rPr lang="en-GB" sz="8800" b="1" dirty="0" smtClean="0">
-                <a:latin typeface="Apache" pitchFamily="2" charset="0"/>
-              </a:rPr>
-              <a:t>  </a:t>
-            </a:r>
-            <a:r>
-              <a:rPr lang="en-GB" sz="8800" b="1" dirty="0" err="1" smtClean="0">
+              <a:rPr lang="en-GB" sz="7200" b="1" dirty="0" err="1" smtClean="0">
                 <a:latin typeface="Apache" pitchFamily="2" charset="0"/>
               </a:rPr>
               <a:t>Sy</a:t>
             </a:r>
             <a:r>
-              <a:rPr lang="en-GB" sz="8800" b="1" dirty="0" smtClean="0">
-                <a:latin typeface="Apache" pitchFamily="2" charset="0"/>
-              </a:rPr>
-              <a:t> </a:t>
-            </a:r>
-            <a:r>
-              <a:rPr lang="en-GB" sz="8800" b="1" dirty="0" err="1">
+              <a:rPr lang="en-GB" sz="7200" b="1" dirty="0" smtClean="0">
+                <a:latin typeface="Apache" pitchFamily="2" charset="0"/>
+              </a:rPr>
+              <a:t> </a:t>
+            </a:r>
+            <a:r>
+              <a:rPr lang="en-GB" sz="7200" b="1" dirty="0" err="1">
                 <a:latin typeface="Apache" pitchFamily="2" charset="0"/>
               </a:rPr>
               <a:t>ny</a:t>
             </a:r>
             <a:r>
-              <a:rPr lang="en-GB" sz="8800" b="1" dirty="0">
-                <a:latin typeface="Apache" pitchFamily="2" charset="0"/>
-              </a:rPr>
-              <a:t> </a:t>
-            </a:r>
-            <a:r>
-              <a:rPr lang="en-GB" sz="8800" b="1" dirty="0" err="1">
+              <a:rPr lang="en-GB" sz="7200" b="1" dirty="0">
+                <a:latin typeface="Apache" pitchFamily="2" charset="0"/>
+              </a:rPr>
+              <a:t> </a:t>
+            </a:r>
+            <a:r>
+              <a:rPr lang="en-GB" sz="7200" b="1" dirty="0" err="1">
                 <a:latin typeface="Apache" pitchFamily="2" charset="0"/>
               </a:rPr>
               <a:t>tehiny</a:t>
             </a:r>
             <a:r>
-              <a:rPr lang="en-GB" sz="8800" b="1" dirty="0">
+              <a:rPr lang="en-GB" sz="7200" b="1" dirty="0">
                 <a:latin typeface="Apache" pitchFamily="2" charset="0"/>
               </a:rPr>
               <a:t> any </a:t>
             </a:r>
             <a:r>
-              <a:rPr lang="en-GB" sz="8800" b="1" dirty="0" err="1">
+              <a:rPr lang="en-GB" sz="7200" b="1" dirty="0" err="1">
                 <a:latin typeface="Apache" pitchFamily="2" charset="0"/>
               </a:rPr>
               <a:t>ambony</a:t>
             </a:r>
             <a:r>
-              <a:rPr lang="en-GB" sz="8800" b="1" dirty="0" smtClean="0">
+              <a:rPr lang="en-GB" sz="7200" b="1" dirty="0" smtClean="0">
                 <a:latin typeface="Apache" pitchFamily="2" charset="0"/>
               </a:rPr>
               <a:t>, </a:t>
@@ -7531,66 +8347,66 @@
           <a:p>
             <a:pPr algn="ctr"/>
             <a:r>
-              <a:rPr lang="en-GB" sz="8800" b="1" dirty="0" smtClean="0">
+              <a:rPr lang="en-GB" sz="7200" b="1" dirty="0" smtClean="0">
                 <a:latin typeface="Apache" pitchFamily="2" charset="0"/>
               </a:rPr>
               <a:t>No </a:t>
             </a:r>
             <a:r>
-              <a:rPr lang="en-GB" sz="8800" b="1" dirty="0" err="1">
+              <a:rPr lang="en-GB" sz="7200" b="1" dirty="0" err="1">
                 <a:latin typeface="Apache" pitchFamily="2" charset="0"/>
               </a:rPr>
               <a:t>manolotra</a:t>
             </a:r>
             <a:r>
-              <a:rPr lang="en-GB" sz="8800" b="1" dirty="0">
-                <a:latin typeface="Apache" pitchFamily="2" charset="0"/>
-              </a:rPr>
-              <a:t> </a:t>
-            </a:r>
-            <a:r>
-              <a:rPr lang="en-GB" sz="8800" b="1" dirty="0" err="1">
+              <a:rPr lang="en-GB" sz="7200" b="1" dirty="0">
+                <a:latin typeface="Apache" pitchFamily="2" charset="0"/>
+              </a:rPr>
+              <a:t> </a:t>
+            </a:r>
+            <a:r>
+              <a:rPr lang="en-GB" sz="7200" b="1" dirty="0" err="1">
                 <a:latin typeface="Apache" pitchFamily="2" charset="0"/>
               </a:rPr>
               <a:t>ny</a:t>
             </a:r>
             <a:r>
-              <a:rPr lang="en-GB" sz="8800" b="1" dirty="0">
-                <a:latin typeface="Apache" pitchFamily="2" charset="0"/>
-              </a:rPr>
-              <a:t> </a:t>
-            </a:r>
-            <a:r>
-              <a:rPr lang="en-GB" sz="8800" b="1" dirty="0" err="1" smtClean="0">
+              <a:rPr lang="en-GB" sz="7200" b="1" dirty="0">
+                <a:latin typeface="Apache" pitchFamily="2" charset="0"/>
+              </a:rPr>
+              <a:t> </a:t>
+            </a:r>
+            <a:r>
+              <a:rPr lang="en-GB" sz="7200" b="1" dirty="0" err="1" smtClean="0">
                 <a:latin typeface="Apache" pitchFamily="2" charset="0"/>
               </a:rPr>
               <a:t>toky</a:t>
             </a:r>
             <a:r>
-              <a:rPr lang="en-GB" sz="8800" b="1" dirty="0" smtClean="0">
-                <a:latin typeface="Apache" pitchFamily="2" charset="0"/>
-              </a:rPr>
-              <a:t> </a:t>
-            </a:r>
-            <a:r>
-              <a:rPr lang="en-GB" sz="8800" b="1" dirty="0" err="1" smtClean="0">
+              <a:rPr lang="en-GB" sz="7200" b="1" dirty="0" smtClean="0">
+                <a:latin typeface="Apache" pitchFamily="2" charset="0"/>
+              </a:rPr>
+              <a:t> </a:t>
+            </a:r>
+            <a:r>
+              <a:rPr lang="en-GB" sz="7200" b="1" dirty="0" err="1" smtClean="0">
                 <a:latin typeface="Apache" pitchFamily="2" charset="0"/>
               </a:rPr>
               <a:t>ny</a:t>
             </a:r>
             <a:r>
-              <a:rPr lang="en-GB" sz="8800" b="1" dirty="0" smtClean="0">
-                <a:latin typeface="Apache" pitchFamily="2" charset="0"/>
-              </a:rPr>
-              <a:t> </a:t>
-            </a:r>
-            <a:r>
-              <a:rPr lang="en-GB" sz="8800" b="1" dirty="0" err="1">
+              <a:rPr lang="en-GB" sz="7200" b="1" dirty="0" smtClean="0">
+                <a:latin typeface="Apache" pitchFamily="2" charset="0"/>
+              </a:rPr>
+              <a:t> </a:t>
+            </a:r>
+            <a:r>
+              <a:rPr lang="en-GB" sz="7200" b="1" dirty="0" err="1">
                 <a:latin typeface="Apache" pitchFamily="2" charset="0"/>
               </a:rPr>
               <a:t>fanahiko</a:t>
             </a:r>
-            <a:endParaRPr lang="fr-FR" sz="8800" b="1" dirty="0" smtClean="0">
+            <a:endParaRPr lang="fr-FR" sz="7200" b="1" dirty="0" smtClean="0">
               <a:effectLst/>
               <a:latin typeface="Apache" pitchFamily="2" charset="0"/>
             </a:endParaRPr>
@@ -7598,13 +8414,13 @@
           <a:p>
             <a:pPr algn="ctr"/>
             <a:r>
-              <a:rPr lang="en-GB" sz="8800" b="1" dirty="0">
+              <a:rPr lang="en-GB" sz="7200" b="1" dirty="0">
                 <a:latin typeface="Apache" pitchFamily="2" charset="0"/>
               </a:rPr>
               <a:t>   </a:t>
             </a:r>
             <a:r>
-              <a:rPr lang="en-GB" sz="8800" b="1" i="1" dirty="0" smtClean="0">
+              <a:rPr lang="en-GB" sz="7200" b="1" i="1" dirty="0" smtClean="0">
                 <a:solidFill>
                   <a:schemeClr val="accent6">
                     <a:lumMod val="75000"/>
@@ -7614,7 +8430,7 @@
               <a:t>(</a:t>
             </a:r>
             <a:r>
-              <a:rPr lang="en-GB" sz="8800" b="1" i="1" dirty="0" err="1">
+              <a:rPr lang="en-GB" sz="7200" b="1" i="1" dirty="0" err="1">
                 <a:solidFill>
                   <a:schemeClr val="accent6">
                     <a:lumMod val="75000"/>
@@ -7624,7 +8440,7 @@
               <a:t>Toky</a:t>
             </a:r>
             <a:r>
-              <a:rPr lang="en-GB" sz="8800" b="1" i="1" dirty="0">
+              <a:rPr lang="en-GB" sz="7200" b="1" i="1" dirty="0">
                 <a:solidFill>
                   <a:schemeClr val="accent6">
                     <a:lumMod val="75000"/>
@@ -7634,7 +8450,7 @@
               <a:t> </a:t>
             </a:r>
             <a:r>
-              <a:rPr lang="en-GB" sz="8800" b="1" i="1" dirty="0" err="1">
+              <a:rPr lang="en-GB" sz="7200" b="1" i="1" dirty="0" err="1">
                 <a:solidFill>
                   <a:schemeClr val="accent6">
                     <a:lumMod val="75000"/>
@@ -7644,7 +8460,7 @@
               <a:t>ny</a:t>
             </a:r>
             <a:r>
-              <a:rPr lang="en-GB" sz="8800" b="1" i="1" dirty="0">
+              <a:rPr lang="en-GB" sz="7200" b="1" i="1" dirty="0">
                 <a:solidFill>
                   <a:schemeClr val="accent6">
                     <a:lumMod val="75000"/>
@@ -7654,7 +8470,7 @@
               <a:t> </a:t>
             </a:r>
             <a:r>
-              <a:rPr lang="en-GB" sz="8800" b="1" i="1" dirty="0" err="1">
+              <a:rPr lang="en-GB" sz="7200" b="1" i="1" dirty="0" err="1">
                 <a:solidFill>
                   <a:schemeClr val="accent6">
                     <a:lumMod val="75000"/>
@@ -7664,7 +8480,7 @@
               <a:t>fanahiko</a:t>
             </a:r>
             <a:r>
-              <a:rPr lang="en-GB" sz="8800" b="1" i="1" dirty="0" smtClean="0">
+              <a:rPr lang="en-GB" sz="7200" b="1" i="1" dirty="0" smtClean="0">
                 <a:solidFill>
                   <a:schemeClr val="accent6">
                     <a:lumMod val="75000"/>
@@ -7673,7 +8489,7 @@
               </a:rPr>
               <a:t>).</a:t>
             </a:r>
-            <a:endParaRPr lang="fr-FR" sz="8800" b="1" i="1" dirty="0">
+            <a:endParaRPr lang="fr-FR" sz="7200" b="1" i="1" dirty="0">
               <a:solidFill>
                 <a:schemeClr val="accent6">
                   <a:lumMod val="75000"/>
@@ -7728,12 +8544,13 @@
         </p:nvSpPr>
         <p:spPr>
           <a:xfrm>
-            <a:off x="0" y="429491"/>
-            <a:ext cx="12298680" cy="6001643"/>
+            <a:off x="-13648" y="368405"/>
+            <a:ext cx="12298680" cy="5632311"/>
           </a:xfrm>
           <a:prstGeom prst="rect">
             <a:avLst/>
           </a:prstGeom>
+          <a:noFill/>
         </p:spPr>
         <p:style>
           <a:lnRef idx="0">
@@ -7755,290 +8572,429 @@
           <a:p>
             <a:pPr algn="ctr"/>
             <a:r>
-              <a:rPr lang="en-GB" sz="9600" b="1" dirty="0" err="1" smtClean="0">
-                <a:solidFill>
-                  <a:schemeClr val="accent4"/>
-                </a:solidFill>
+              <a:rPr lang="en-GB" sz="7200" b="1" dirty="0" err="1" smtClean="0">
+                <a:effectLst>
+                  <a:outerShdw blurRad="38100" dist="38100" dir="2700000" algn="tl">
+                    <a:srgbClr val="000000">
+                      <a:alpha val="43137"/>
+                    </a:srgbClr>
+                  </a:outerShdw>
+                </a:effectLst>
                 <a:latin typeface="Apache" pitchFamily="2" charset="0"/>
               </a:rPr>
               <a:t>Raha</a:t>
             </a:r>
             <a:r>
-              <a:rPr lang="en-GB" sz="9600" b="1" dirty="0" smtClean="0">
-                <a:solidFill>
-                  <a:schemeClr val="accent4"/>
-                </a:solidFill>
-                <a:latin typeface="Apache" pitchFamily="2" charset="0"/>
-              </a:rPr>
-              <a:t> </a:t>
-            </a:r>
-            <a:r>
-              <a:rPr lang="en-GB" sz="9600" b="1" dirty="0">
-                <a:solidFill>
-                  <a:schemeClr val="accent4"/>
-                </a:solidFill>
+              <a:rPr lang="en-GB" sz="7200" b="1" dirty="0" smtClean="0">
+                <a:effectLst>
+                  <a:outerShdw blurRad="38100" dist="38100" dir="2700000" algn="tl">
+                    <a:srgbClr val="000000">
+                      <a:alpha val="43137"/>
+                    </a:srgbClr>
+                  </a:outerShdw>
+                </a:effectLst>
+                <a:latin typeface="Apache" pitchFamily="2" charset="0"/>
+              </a:rPr>
+              <a:t> </a:t>
+            </a:r>
+            <a:r>
+              <a:rPr lang="en-GB" sz="7200" b="1" dirty="0">
+                <a:effectLst>
+                  <a:outerShdw blurRad="38100" dist="38100" dir="2700000" algn="tl">
+                    <a:srgbClr val="000000">
+                      <a:alpha val="43137"/>
+                    </a:srgbClr>
+                  </a:outerShdw>
+                </a:effectLst>
                 <a:latin typeface="Apache" pitchFamily="2" charset="0"/>
               </a:rPr>
               <a:t>Jehovah no </a:t>
             </a:r>
             <a:r>
-              <a:rPr lang="en-GB" sz="9600" b="1" dirty="0" err="1" smtClean="0">
-                <a:solidFill>
-                  <a:schemeClr val="accent4"/>
-                </a:solidFill>
+              <a:rPr lang="en-GB" sz="7200" b="1" dirty="0" err="1" smtClean="0">
+                <a:effectLst>
+                  <a:outerShdw blurRad="38100" dist="38100" dir="2700000" algn="tl">
+                    <a:srgbClr val="000000">
+                      <a:alpha val="43137"/>
+                    </a:srgbClr>
+                  </a:outerShdw>
+                </a:effectLst>
                 <a:latin typeface="Apache" pitchFamily="2" charset="0"/>
               </a:rPr>
               <a:t>mpiandry</a:t>
             </a:r>
-            <a:endParaRPr lang="fr-FR" sz="9600" b="1" dirty="0">
-              <a:solidFill>
-                <a:schemeClr val="accent4"/>
-              </a:solidFill>
+            <a:endParaRPr lang="fr-FR" sz="7200" b="1" dirty="0">
+              <a:effectLst>
+                <a:outerShdw blurRad="38100" dist="38100" dir="2700000" algn="tl">
+                  <a:srgbClr val="000000">
+                    <a:alpha val="43137"/>
+                  </a:srgbClr>
+                </a:outerShdw>
+              </a:effectLst>
               <a:latin typeface="Apache" pitchFamily="2" charset="0"/>
             </a:endParaRPr>
           </a:p>
           <a:p>
             <a:pPr algn="ctr"/>
             <a:r>
-              <a:rPr lang="en-GB" sz="9600" b="1" dirty="0" smtClean="0">
-                <a:solidFill>
-                  <a:schemeClr val="accent4"/>
-                </a:solidFill>
-                <a:latin typeface="Apache" pitchFamily="2" charset="0"/>
-              </a:rPr>
-              <a:t> </a:t>
-            </a:r>
-            <a:r>
-              <a:rPr lang="en-GB" sz="9600" b="1" dirty="0" err="1">
-                <a:solidFill>
-                  <a:schemeClr val="accent4"/>
-                </a:solidFill>
+              <a:rPr lang="en-GB" sz="7200" b="1" dirty="0" smtClean="0">
+                <a:effectLst>
+                  <a:outerShdw blurRad="38100" dist="38100" dir="2700000" algn="tl">
+                    <a:srgbClr val="000000">
+                      <a:alpha val="43137"/>
+                    </a:srgbClr>
+                  </a:outerShdw>
+                </a:effectLst>
+                <a:latin typeface="Apache" pitchFamily="2" charset="0"/>
+              </a:rPr>
+              <a:t> </a:t>
+            </a:r>
+            <a:r>
+              <a:rPr lang="en-GB" sz="7200" b="1" dirty="0" err="1">
+                <a:effectLst>
+                  <a:outerShdw blurRad="38100" dist="38100" dir="2700000" algn="tl">
+                    <a:srgbClr val="000000">
+                      <a:alpha val="43137"/>
+                    </a:srgbClr>
+                  </a:outerShdw>
+                </a:effectLst>
                 <a:latin typeface="Apache" pitchFamily="2" charset="0"/>
               </a:rPr>
               <a:t>Tsy</a:t>
             </a:r>
             <a:r>
-              <a:rPr lang="en-GB" sz="9600" b="1" dirty="0">
-                <a:solidFill>
-                  <a:schemeClr val="accent4"/>
-                </a:solidFill>
-                <a:latin typeface="Apache" pitchFamily="2" charset="0"/>
-              </a:rPr>
-              <a:t> </a:t>
-            </a:r>
-            <a:r>
-              <a:rPr lang="en-GB" sz="9600" b="1" dirty="0" err="1">
-                <a:solidFill>
-                  <a:schemeClr val="accent4"/>
-                </a:solidFill>
+              <a:rPr lang="en-GB" sz="7200" b="1" dirty="0">
+                <a:effectLst>
+                  <a:outerShdw blurRad="38100" dist="38100" dir="2700000" algn="tl">
+                    <a:srgbClr val="000000">
+                      <a:alpha val="43137"/>
+                    </a:srgbClr>
+                  </a:outerShdw>
+                </a:effectLst>
+                <a:latin typeface="Apache" pitchFamily="2" charset="0"/>
+              </a:rPr>
+              <a:t> </a:t>
+            </a:r>
+            <a:r>
+              <a:rPr lang="en-GB" sz="7200" b="1" dirty="0" err="1">
+                <a:effectLst>
+                  <a:outerShdw blurRad="38100" dist="38100" dir="2700000" algn="tl">
+                    <a:srgbClr val="000000">
+                      <a:alpha val="43137"/>
+                    </a:srgbClr>
+                  </a:outerShdw>
+                </a:effectLst>
                 <a:latin typeface="Apache" pitchFamily="2" charset="0"/>
               </a:rPr>
               <a:t>mba</a:t>
             </a:r>
             <a:r>
-              <a:rPr lang="en-GB" sz="9600" b="1" dirty="0">
-                <a:solidFill>
-                  <a:schemeClr val="accent4"/>
-                </a:solidFill>
-                <a:latin typeface="Apache" pitchFamily="2" charset="0"/>
-              </a:rPr>
-              <a:t> </a:t>
-            </a:r>
-            <a:r>
-              <a:rPr lang="en-GB" sz="9600" b="1" dirty="0" err="1">
-                <a:solidFill>
-                  <a:schemeClr val="accent4"/>
-                </a:solidFill>
+              <a:rPr lang="en-GB" sz="7200" b="1" dirty="0">
+                <a:effectLst>
+                  <a:outerShdw blurRad="38100" dist="38100" dir="2700000" algn="tl">
+                    <a:srgbClr val="000000">
+                      <a:alpha val="43137"/>
+                    </a:srgbClr>
+                  </a:outerShdw>
+                </a:effectLst>
+                <a:latin typeface="Apache" pitchFamily="2" charset="0"/>
+              </a:rPr>
+              <a:t> </a:t>
+            </a:r>
+            <a:r>
+              <a:rPr lang="en-GB" sz="7200" b="1" dirty="0" err="1">
+                <a:effectLst>
+                  <a:outerShdw blurRad="38100" dist="38100" dir="2700000" algn="tl">
+                    <a:srgbClr val="000000">
+                      <a:alpha val="43137"/>
+                    </a:srgbClr>
+                  </a:outerShdw>
+                </a:effectLst>
                 <a:latin typeface="Apache" pitchFamily="2" charset="0"/>
               </a:rPr>
               <a:t>hisy</a:t>
             </a:r>
             <a:r>
-              <a:rPr lang="en-GB" sz="9600" b="1" dirty="0">
-                <a:solidFill>
-                  <a:schemeClr val="accent4"/>
-                </a:solidFill>
-                <a:latin typeface="Apache" pitchFamily="2" charset="0"/>
-              </a:rPr>
-              <a:t> </a:t>
-            </a:r>
-            <a:r>
-              <a:rPr lang="en-GB" sz="9600" b="1" dirty="0" err="1" smtClean="0">
-                <a:solidFill>
-                  <a:schemeClr val="accent4"/>
-                </a:solidFill>
+              <a:rPr lang="en-GB" sz="7200" b="1" dirty="0">
+                <a:effectLst>
+                  <a:outerShdw blurRad="38100" dist="38100" dir="2700000" algn="tl">
+                    <a:srgbClr val="000000">
+                      <a:alpha val="43137"/>
+                    </a:srgbClr>
+                  </a:outerShdw>
+                </a:effectLst>
+                <a:latin typeface="Apache" pitchFamily="2" charset="0"/>
+              </a:rPr>
+              <a:t> </a:t>
+            </a:r>
+            <a:r>
+              <a:rPr lang="en-GB" sz="7200" b="1" dirty="0" err="1" smtClean="0">
+                <a:effectLst>
+                  <a:outerShdw blurRad="38100" dist="38100" dir="2700000" algn="tl">
+                    <a:srgbClr val="000000">
+                      <a:alpha val="43137"/>
+                    </a:srgbClr>
+                  </a:outerShdw>
+                </a:effectLst>
                 <a:latin typeface="Apache" pitchFamily="2" charset="0"/>
               </a:rPr>
               <a:t>izay</a:t>
             </a:r>
             <a:r>
-              <a:rPr lang="en-GB" sz="9600" b="1" dirty="0" smtClean="0">
-                <a:solidFill>
-                  <a:schemeClr val="accent4"/>
-                </a:solidFill>
-                <a:latin typeface="Apache" pitchFamily="2" charset="0"/>
-              </a:rPr>
-              <a:t> </a:t>
-            </a:r>
-            <a:r>
-              <a:rPr lang="en-GB" sz="9600" b="1" dirty="0" err="1">
-                <a:solidFill>
-                  <a:schemeClr val="accent4"/>
-                </a:solidFill>
+              <a:rPr lang="en-GB" sz="7200" b="1" dirty="0" smtClean="0">
+                <a:effectLst>
+                  <a:outerShdw blurRad="38100" dist="38100" dir="2700000" algn="tl">
+                    <a:srgbClr val="000000">
+                      <a:alpha val="43137"/>
+                    </a:srgbClr>
+                  </a:outerShdw>
+                </a:effectLst>
+                <a:latin typeface="Apache" pitchFamily="2" charset="0"/>
+              </a:rPr>
+              <a:t> </a:t>
+            </a:r>
+            <a:r>
+              <a:rPr lang="en-GB" sz="7200" b="1" dirty="0" err="1">
+                <a:effectLst>
+                  <a:outerShdw blurRad="38100" dist="38100" dir="2700000" algn="tl">
+                    <a:srgbClr val="000000">
+                      <a:alpha val="43137"/>
+                    </a:srgbClr>
+                  </a:outerShdw>
+                </a:effectLst>
                 <a:latin typeface="Apache" pitchFamily="2" charset="0"/>
               </a:rPr>
               <a:t>m</a:t>
             </a:r>
             <a:r>
-              <a:rPr lang="en-GB" sz="9600" b="1" dirty="0" err="1" smtClean="0">
-                <a:solidFill>
-                  <a:schemeClr val="accent4"/>
-                </a:solidFill>
+              <a:rPr lang="en-GB" sz="7200" b="1" dirty="0" err="1" smtClean="0">
+                <a:effectLst>
+                  <a:outerShdw blurRad="38100" dist="38100" dir="2700000" algn="tl">
+                    <a:srgbClr val="000000">
+                      <a:alpha val="43137"/>
+                    </a:srgbClr>
+                  </a:outerShdw>
+                </a:effectLst>
                 <a:latin typeface="Apache" pitchFamily="2" charset="0"/>
               </a:rPr>
               <a:t>ampahory</a:t>
             </a:r>
             <a:r>
-              <a:rPr lang="en-GB" sz="9600" b="1" dirty="0">
-                <a:solidFill>
-                  <a:schemeClr val="accent4"/>
-                </a:solidFill>
+              <a:rPr lang="en-GB" sz="7200" b="1" dirty="0">
+                <a:effectLst>
+                  <a:outerShdw blurRad="38100" dist="38100" dir="2700000" algn="tl">
+                    <a:srgbClr val="000000">
+                      <a:alpha val="43137"/>
+                    </a:srgbClr>
+                  </a:outerShdw>
+                </a:effectLst>
                 <a:latin typeface="Apache" pitchFamily="2" charset="0"/>
               </a:rPr>
               <a:t>,</a:t>
             </a:r>
-            <a:endParaRPr lang="fr-FR" sz="9600" b="1" dirty="0" smtClean="0">
-              <a:solidFill>
-                <a:schemeClr val="accent4"/>
-              </a:solidFill>
-              <a:effectLst/>
+            <a:endParaRPr lang="fr-FR" sz="7200" b="1" dirty="0" smtClean="0">
+              <a:effectLst>
+                <a:outerShdw blurRad="38100" dist="38100" dir="2700000" algn="tl">
+                  <a:srgbClr val="000000">
+                    <a:alpha val="43137"/>
+                  </a:srgbClr>
+                </a:outerShdw>
+              </a:effectLst>
               <a:latin typeface="Apache" pitchFamily="2" charset="0"/>
             </a:endParaRPr>
           </a:p>
           <a:p>
             <a:pPr algn="ctr"/>
             <a:r>
-              <a:rPr lang="en-GB" sz="9600" b="1" dirty="0">
-                <a:solidFill>
-                  <a:schemeClr val="accent4"/>
-                </a:solidFill>
-                <a:latin typeface="Apache" pitchFamily="2" charset="0"/>
-              </a:rPr>
-              <a:t> </a:t>
-            </a:r>
-            <a:r>
-              <a:rPr lang="en-GB" sz="9600" b="1" dirty="0" err="1" smtClean="0">
-                <a:solidFill>
-                  <a:schemeClr val="accent4"/>
-                </a:solidFill>
+              <a:rPr lang="en-GB" sz="7200" b="1" dirty="0">
+                <a:effectLst>
+                  <a:outerShdw blurRad="38100" dist="38100" dir="2700000" algn="tl">
+                    <a:srgbClr val="000000">
+                      <a:alpha val="43137"/>
+                    </a:srgbClr>
+                  </a:outerShdw>
+                </a:effectLst>
+                <a:latin typeface="Apache" pitchFamily="2" charset="0"/>
+              </a:rPr>
+              <a:t> </a:t>
+            </a:r>
+            <a:r>
+              <a:rPr lang="en-GB" sz="7200" b="1" dirty="0" err="1" smtClean="0">
+                <a:effectLst>
+                  <a:outerShdw blurRad="38100" dist="38100" dir="2700000" algn="tl">
+                    <a:srgbClr val="000000">
+                      <a:alpha val="43137"/>
+                    </a:srgbClr>
+                  </a:outerShdw>
+                </a:effectLst>
                 <a:latin typeface="Apache" pitchFamily="2" charset="0"/>
               </a:rPr>
               <a:t>Ahimaintso</a:t>
             </a:r>
             <a:r>
-              <a:rPr lang="en-GB" sz="9600" b="1" dirty="0" smtClean="0">
-                <a:solidFill>
-                  <a:schemeClr val="accent4"/>
-                </a:solidFill>
-                <a:latin typeface="Apache" pitchFamily="2" charset="0"/>
-              </a:rPr>
-              <a:t> </a:t>
-            </a:r>
-            <a:r>
-              <a:rPr lang="en-GB" sz="9600" b="1" dirty="0">
-                <a:solidFill>
-                  <a:schemeClr val="accent4"/>
-                </a:solidFill>
+              <a:rPr lang="en-GB" sz="7200" b="1" dirty="0" smtClean="0">
+                <a:effectLst>
+                  <a:outerShdw blurRad="38100" dist="38100" dir="2700000" algn="tl">
+                    <a:srgbClr val="000000">
+                      <a:alpha val="43137"/>
+                    </a:srgbClr>
+                  </a:outerShdw>
+                </a:effectLst>
+                <a:latin typeface="Apache" pitchFamily="2" charset="0"/>
+              </a:rPr>
+              <a:t> </a:t>
+            </a:r>
+            <a:r>
+              <a:rPr lang="en-GB" sz="7200" b="1" dirty="0">
+                <a:effectLst>
+                  <a:outerShdw blurRad="38100" dist="38100" dir="2700000" algn="tl">
+                    <a:srgbClr val="000000">
+                      <a:alpha val="43137"/>
+                    </a:srgbClr>
+                  </a:outerShdw>
+                </a:effectLst>
                 <a:latin typeface="Apache" pitchFamily="2" charset="0"/>
               </a:rPr>
               <a:t>no </a:t>
             </a:r>
             <a:r>
-              <a:rPr lang="en-GB" sz="9600" b="1" dirty="0" err="1">
-                <a:solidFill>
-                  <a:schemeClr val="accent4"/>
-                </a:solidFill>
+              <a:rPr lang="en-GB" sz="7200" b="1" dirty="0" err="1">
+                <a:effectLst>
+                  <a:outerShdw blurRad="38100" dist="38100" dir="2700000" algn="tl">
+                    <a:srgbClr val="000000">
+                      <a:alpha val="43137"/>
+                    </a:srgbClr>
+                  </a:outerShdw>
+                </a:effectLst>
                 <a:latin typeface="Apache" pitchFamily="2" charset="0"/>
               </a:rPr>
               <a:t>handriako</a:t>
             </a:r>
-            <a:endParaRPr lang="fr-FR" sz="9600" b="1" dirty="0" smtClean="0">
-              <a:solidFill>
-                <a:schemeClr val="accent4"/>
-              </a:solidFill>
-              <a:effectLst/>
+            <a:endParaRPr lang="fr-FR" sz="7200" b="1" dirty="0" smtClean="0">
+              <a:effectLst>
+                <a:outerShdw blurRad="38100" dist="38100" dir="2700000" algn="tl">
+                  <a:srgbClr val="000000">
+                    <a:alpha val="43137"/>
+                  </a:srgbClr>
+                </a:outerShdw>
+              </a:effectLst>
               <a:latin typeface="Apache" pitchFamily="2" charset="0"/>
             </a:endParaRPr>
           </a:p>
           <a:p>
             <a:pPr algn="ctr"/>
             <a:r>
-              <a:rPr lang="en-GB" sz="9600" b="1" dirty="0">
-                <a:solidFill>
-                  <a:schemeClr val="accent4"/>
-                </a:solidFill>
+              <a:rPr lang="en-GB" sz="7200" b="1" dirty="0">
+                <a:effectLst>
+                  <a:outerShdw blurRad="38100" dist="38100" dir="2700000" algn="tl">
+                    <a:srgbClr val="000000">
+                      <a:alpha val="43137"/>
+                    </a:srgbClr>
+                  </a:outerShdw>
+                </a:effectLst>
                 <a:latin typeface="Apache" pitchFamily="2" charset="0"/>
               </a:rPr>
               <a:t>  </a:t>
             </a:r>
             <a:r>
-              <a:rPr lang="en-GB" sz="9600" b="1" dirty="0" smtClean="0">
-                <a:solidFill>
-                  <a:schemeClr val="accent4"/>
-                </a:solidFill>
-                <a:latin typeface="Apache" pitchFamily="2" charset="0"/>
-              </a:rPr>
-              <a:t> </a:t>
-            </a:r>
-            <a:r>
-              <a:rPr lang="en-GB" sz="9600" b="1" dirty="0" err="1" smtClean="0">
-                <a:solidFill>
-                  <a:schemeClr val="accent4"/>
-                </a:solidFill>
+              <a:rPr lang="en-GB" sz="7200" b="1" dirty="0" smtClean="0">
+                <a:effectLst>
+                  <a:outerShdw blurRad="38100" dist="38100" dir="2700000" algn="tl">
+                    <a:srgbClr val="000000">
+                      <a:alpha val="43137"/>
+                    </a:srgbClr>
+                  </a:outerShdw>
+                </a:effectLst>
+                <a:latin typeface="Apache" pitchFamily="2" charset="0"/>
+              </a:rPr>
+              <a:t> </a:t>
+            </a:r>
+            <a:r>
+              <a:rPr lang="en-GB" sz="7200" b="1" dirty="0" err="1" smtClean="0">
+                <a:effectLst>
+                  <a:outerShdw blurRad="38100" dist="38100" dir="2700000" algn="tl">
+                    <a:srgbClr val="000000">
+                      <a:alpha val="43137"/>
+                    </a:srgbClr>
+                  </a:outerShdw>
+                </a:effectLst>
                 <a:latin typeface="Apache" pitchFamily="2" charset="0"/>
               </a:rPr>
               <a:t>Ranon’aina</a:t>
             </a:r>
             <a:r>
-              <a:rPr lang="en-GB" sz="9600" b="1" dirty="0" smtClean="0">
-                <a:solidFill>
-                  <a:schemeClr val="accent4"/>
-                </a:solidFill>
-                <a:latin typeface="Apache" pitchFamily="2" charset="0"/>
-              </a:rPr>
-              <a:t> </a:t>
-            </a:r>
-            <a:r>
-              <a:rPr lang="en-GB" sz="9600" b="1" dirty="0" err="1">
-                <a:solidFill>
-                  <a:schemeClr val="accent4"/>
-                </a:solidFill>
+              <a:rPr lang="en-GB" sz="7200" b="1" dirty="0" smtClean="0">
+                <a:effectLst>
+                  <a:outerShdw blurRad="38100" dist="38100" dir="2700000" algn="tl">
+                    <a:srgbClr val="000000">
+                      <a:alpha val="43137"/>
+                    </a:srgbClr>
+                  </a:outerShdw>
+                </a:effectLst>
+                <a:latin typeface="Apache" pitchFamily="2" charset="0"/>
+              </a:rPr>
+              <a:t> </a:t>
+            </a:r>
+            <a:r>
+              <a:rPr lang="en-GB" sz="7200" b="1" dirty="0" err="1">
+                <a:effectLst>
+                  <a:outerShdw blurRad="38100" dist="38100" dir="2700000" algn="tl">
+                    <a:srgbClr val="000000">
+                      <a:alpha val="43137"/>
+                    </a:srgbClr>
+                  </a:outerShdw>
+                </a:effectLst>
                 <a:latin typeface="Apache" pitchFamily="2" charset="0"/>
               </a:rPr>
               <a:t>ho</a:t>
             </a:r>
             <a:r>
-              <a:rPr lang="en-GB" sz="9600" b="1" dirty="0">
-                <a:solidFill>
-                  <a:schemeClr val="accent4"/>
-                </a:solidFill>
-                <a:latin typeface="Apache" pitchFamily="2" charset="0"/>
-              </a:rPr>
-              <a:t> </a:t>
-            </a:r>
-            <a:r>
-              <a:rPr lang="en-GB" sz="9600" b="1" dirty="0" err="1" smtClean="0">
-                <a:solidFill>
-                  <a:schemeClr val="accent4"/>
-                </a:solidFill>
+              <a:rPr lang="en-GB" sz="7200" b="1" dirty="0">
+                <a:effectLst>
+                  <a:outerShdw blurRad="38100" dist="38100" dir="2700000" algn="tl">
+                    <a:srgbClr val="000000">
+                      <a:alpha val="43137"/>
+                    </a:srgbClr>
+                  </a:outerShdw>
+                </a:effectLst>
+                <a:latin typeface="Apache" pitchFamily="2" charset="0"/>
+              </a:rPr>
+              <a:t> </a:t>
+            </a:r>
+            <a:r>
+              <a:rPr lang="en-GB" sz="7200" b="1" dirty="0" err="1" smtClean="0">
+                <a:effectLst>
+                  <a:outerShdw blurRad="38100" dist="38100" dir="2700000" algn="tl">
+                    <a:srgbClr val="000000">
+                      <a:alpha val="43137"/>
+                    </a:srgbClr>
+                  </a:outerShdw>
+                </a:effectLst>
                 <a:latin typeface="Apache" pitchFamily="2" charset="0"/>
               </a:rPr>
               <a:t>sotroiko</a:t>
             </a:r>
-            <a:endParaRPr lang="en-GB" sz="9600" b="1" dirty="0">
-              <a:solidFill>
-                <a:schemeClr val="accent4"/>
-              </a:solidFill>
+            <a:r>
+              <a:rPr lang="en-GB" sz="7200" b="1" dirty="0" smtClean="0">
+                <a:effectLst>
+                  <a:outerShdw blurRad="38100" dist="38100" dir="2700000" algn="tl">
+                    <a:srgbClr val="000000">
+                      <a:alpha val="43137"/>
+                    </a:srgbClr>
+                  </a:outerShdw>
+                </a:effectLst>
+                <a:latin typeface="Apache" pitchFamily="2" charset="0"/>
+              </a:rPr>
+              <a:t>   </a:t>
+            </a:r>
+            <a:endParaRPr lang="fr-FR" sz="7200" b="1" dirty="0">
+              <a:effectLst>
+                <a:outerShdw blurRad="38100" dist="38100" dir="2700000" algn="tl">
+                  <a:srgbClr val="000000">
+                    <a:alpha val="43137"/>
+                  </a:srgbClr>
+                </a:outerShdw>
+              </a:effectLst>
               <a:latin typeface="Apache" pitchFamily="2" charset="0"/>
             </a:endParaRPr>
           </a:p>
@@ -8047,7 +9003,7 @@
     </p:spTree>
     <p:extLst>
       <p:ext uri="{BB962C8B-B14F-4D97-AF65-F5344CB8AC3E}">
-        <p14:creationId xmlns:p14="http://schemas.microsoft.com/office/powerpoint/2010/main" val="786601218"/>
+        <p14:creationId xmlns:p14="http://schemas.microsoft.com/office/powerpoint/2010/main" val="2821588448"/>
       </p:ext>
     </p:extLst>
   </p:cSld>
@@ -8089,12 +9045,13 @@
         </p:nvSpPr>
         <p:spPr>
           <a:xfrm>
-            <a:off x="0" y="568036"/>
-            <a:ext cx="12192000" cy="6001643"/>
+            <a:off x="0" y="81888"/>
+            <a:ext cx="12192000" cy="6562630"/>
           </a:xfrm>
           <a:prstGeom prst="rect">
             <a:avLst/>
           </a:prstGeom>
+          <a:noFill/>
         </p:spPr>
         <p:style>
           <a:lnRef idx="0">
@@ -8114,302 +9071,457 @@
           </a:bodyPr>
           <a:lstStyle/>
           <a:p>
-            <a:pPr algn="ctr"/>
-            <a:r>
-              <a:rPr lang="en-GB" sz="2800" b="1" dirty="0" smtClean="0"/>
-              <a:t> </a:t>
-            </a:r>
-            <a:r>
-              <a:rPr lang="en-GB" sz="9600" b="1" dirty="0" err="1">
-                <a:solidFill>
-                  <a:schemeClr val="accent4"/>
-                </a:solidFill>
+            <a:pPr algn="ctr">
+              <a:lnSpc>
+                <a:spcPct val="150000"/>
+              </a:lnSpc>
+            </a:pPr>
+            <a:r>
+              <a:rPr lang="en-GB" b="1" dirty="0" smtClean="0">
+                <a:effectLst>
+                  <a:outerShdw blurRad="38100" dist="38100" dir="2700000" algn="tl">
+                    <a:srgbClr val="000000">
+                      <a:alpha val="43137"/>
+                    </a:srgbClr>
+                  </a:outerShdw>
+                </a:effectLst>
+              </a:rPr>
+              <a:t> </a:t>
+            </a:r>
+            <a:r>
+              <a:rPr lang="en-GB" sz="7200" b="1" dirty="0" err="1">
+                <a:effectLst>
+                  <a:outerShdw blurRad="38100" dist="38100" dir="2700000" algn="tl">
+                    <a:srgbClr val="000000">
+                      <a:alpha val="43137"/>
+                    </a:srgbClr>
+                  </a:outerShdw>
+                </a:effectLst>
                 <a:latin typeface="Apache" pitchFamily="2" charset="0"/>
               </a:rPr>
               <a:t>Ny</a:t>
             </a:r>
             <a:r>
-              <a:rPr lang="en-GB" sz="9600" b="1" dirty="0">
-                <a:solidFill>
-                  <a:schemeClr val="accent4"/>
-                </a:solidFill>
-                <a:latin typeface="Apache" pitchFamily="2" charset="0"/>
-              </a:rPr>
-              <a:t> </a:t>
-            </a:r>
-            <a:r>
-              <a:rPr lang="en-GB" sz="9600" b="1" dirty="0" err="1">
-                <a:solidFill>
-                  <a:schemeClr val="accent4"/>
-                </a:solidFill>
+              <a:rPr lang="en-GB" sz="7200" b="1" dirty="0">
+                <a:effectLst>
+                  <a:outerShdw blurRad="38100" dist="38100" dir="2700000" algn="tl">
+                    <a:srgbClr val="000000">
+                      <a:alpha val="43137"/>
+                    </a:srgbClr>
+                  </a:outerShdw>
+                </a:effectLst>
+                <a:latin typeface="Apache" pitchFamily="2" charset="0"/>
+              </a:rPr>
+              <a:t> </a:t>
+            </a:r>
+            <a:r>
+              <a:rPr lang="en-GB" sz="7200" b="1" dirty="0" err="1">
+                <a:effectLst>
+                  <a:outerShdw blurRad="38100" dist="38100" dir="2700000" algn="tl">
+                    <a:srgbClr val="000000">
+                      <a:alpha val="43137"/>
+                    </a:srgbClr>
+                  </a:outerShdw>
+                </a:effectLst>
                 <a:latin typeface="Apache" pitchFamily="2" charset="0"/>
               </a:rPr>
               <a:t>fanahiko</a:t>
             </a:r>
             <a:r>
-              <a:rPr lang="en-GB" sz="9600" b="1" dirty="0">
-                <a:solidFill>
-                  <a:schemeClr val="accent4"/>
-                </a:solidFill>
-                <a:latin typeface="Apache" pitchFamily="2" charset="0"/>
-              </a:rPr>
-              <a:t> </a:t>
-            </a:r>
-            <a:r>
-              <a:rPr lang="en-GB" sz="9600" b="1" dirty="0" err="1">
-                <a:solidFill>
-                  <a:schemeClr val="accent4"/>
-                </a:solidFill>
+              <a:rPr lang="en-GB" sz="7200" b="1" dirty="0">
+                <a:effectLst>
+                  <a:outerShdw blurRad="38100" dist="38100" dir="2700000" algn="tl">
+                    <a:srgbClr val="000000">
+                      <a:alpha val="43137"/>
+                    </a:srgbClr>
+                  </a:outerShdw>
+                </a:effectLst>
+                <a:latin typeface="Apache" pitchFamily="2" charset="0"/>
+              </a:rPr>
+              <a:t> </a:t>
+            </a:r>
+            <a:r>
+              <a:rPr lang="en-GB" sz="7200" b="1" dirty="0" err="1">
+                <a:effectLst>
+                  <a:outerShdw blurRad="38100" dist="38100" dir="2700000" algn="tl">
+                    <a:srgbClr val="000000">
+                      <a:alpha val="43137"/>
+                    </a:srgbClr>
+                  </a:outerShdw>
+                </a:effectLst>
                 <a:latin typeface="Apache" pitchFamily="2" charset="0"/>
               </a:rPr>
               <a:t>ho</a:t>
             </a:r>
             <a:r>
-              <a:rPr lang="en-GB" sz="9600" b="1" dirty="0">
-                <a:solidFill>
-                  <a:schemeClr val="accent4"/>
-                </a:solidFill>
-                <a:latin typeface="Apache" pitchFamily="2" charset="0"/>
-              </a:rPr>
-              <a:t> </a:t>
-            </a:r>
-            <a:r>
-              <a:rPr lang="en-GB" sz="9600" b="1" dirty="0" err="1">
-                <a:solidFill>
-                  <a:schemeClr val="accent4"/>
-                </a:solidFill>
+              <a:rPr lang="en-GB" sz="7200" b="1" dirty="0">
+                <a:effectLst>
+                  <a:outerShdw blurRad="38100" dist="38100" dir="2700000" algn="tl">
+                    <a:srgbClr val="000000">
+                      <a:alpha val="43137"/>
+                    </a:srgbClr>
+                  </a:outerShdw>
+                </a:effectLst>
+                <a:latin typeface="Apache" pitchFamily="2" charset="0"/>
+              </a:rPr>
+              <a:t> </a:t>
+            </a:r>
+            <a:r>
+              <a:rPr lang="en-GB" sz="7200" b="1" dirty="0" err="1">
+                <a:effectLst>
+                  <a:outerShdw blurRad="38100" dist="38100" dir="2700000" algn="tl">
+                    <a:srgbClr val="000000">
+                      <a:alpha val="43137"/>
+                    </a:srgbClr>
+                  </a:outerShdw>
+                </a:effectLst>
                 <a:latin typeface="Apache" pitchFamily="2" charset="0"/>
               </a:rPr>
               <a:t>velominy</a:t>
             </a:r>
-            <a:endParaRPr lang="fr-FR" sz="9600" b="1" dirty="0">
-              <a:solidFill>
-                <a:schemeClr val="accent4"/>
-              </a:solidFill>
+            <a:endParaRPr lang="fr-FR" sz="7200" b="1" dirty="0">
+              <a:effectLst>
+                <a:outerShdw blurRad="38100" dist="38100" dir="2700000" algn="tl">
+                  <a:srgbClr val="000000">
+                    <a:alpha val="43137"/>
+                  </a:srgbClr>
+                </a:outerShdw>
+              </a:effectLst>
               <a:latin typeface="Apache" pitchFamily="2" charset="0"/>
             </a:endParaRPr>
           </a:p>
           <a:p>
-            <a:pPr algn="ctr"/>
-            <a:r>
-              <a:rPr lang="en-GB" sz="9600" b="1" dirty="0" err="1">
-                <a:solidFill>
-                  <a:schemeClr val="accent4"/>
-                </a:solidFill>
+            <a:pPr algn="ctr">
+              <a:lnSpc>
+                <a:spcPct val="150000"/>
+              </a:lnSpc>
+            </a:pPr>
+            <a:r>
+              <a:rPr lang="en-GB" sz="7200" b="1" dirty="0" err="1">
+                <a:effectLst>
+                  <a:outerShdw blurRad="38100" dist="38100" dir="2700000" algn="tl">
+                    <a:srgbClr val="000000">
+                      <a:alpha val="43137"/>
+                    </a:srgbClr>
+                  </a:outerShdw>
+                </a:effectLst>
                 <a:latin typeface="Apache" pitchFamily="2" charset="0"/>
               </a:rPr>
               <a:t>Miasa</a:t>
             </a:r>
             <a:r>
-              <a:rPr lang="en-GB" sz="9600" b="1" dirty="0">
-                <a:solidFill>
-                  <a:schemeClr val="accent4"/>
-                </a:solidFill>
-                <a:latin typeface="Apache" pitchFamily="2" charset="0"/>
-              </a:rPr>
-              <a:t> </a:t>
-            </a:r>
-            <a:r>
-              <a:rPr lang="en-GB" sz="9600" b="1" dirty="0" err="1">
-                <a:solidFill>
-                  <a:schemeClr val="accent4"/>
-                </a:solidFill>
+              <a:rPr lang="en-GB" sz="7200" b="1" dirty="0">
+                <a:effectLst>
+                  <a:outerShdw blurRad="38100" dist="38100" dir="2700000" algn="tl">
+                    <a:srgbClr val="000000">
+                      <a:alpha val="43137"/>
+                    </a:srgbClr>
+                  </a:outerShdw>
+                </a:effectLst>
+                <a:latin typeface="Apache" pitchFamily="2" charset="0"/>
+              </a:rPr>
+              <a:t> </a:t>
+            </a:r>
+            <a:r>
+              <a:rPr lang="en-GB" sz="7200" b="1" dirty="0" err="1">
+                <a:effectLst>
+                  <a:outerShdw blurRad="38100" dist="38100" dir="2700000" algn="tl">
+                    <a:srgbClr val="000000">
+                      <a:alpha val="43137"/>
+                    </a:srgbClr>
+                  </a:outerShdw>
+                </a:effectLst>
                 <a:latin typeface="Apache" pitchFamily="2" charset="0"/>
               </a:rPr>
               <a:t>Izy</a:t>
             </a:r>
             <a:r>
-              <a:rPr lang="en-GB" sz="9600" b="1" dirty="0">
-                <a:solidFill>
-                  <a:schemeClr val="accent4"/>
-                </a:solidFill>
-                <a:latin typeface="Apache" pitchFamily="2" charset="0"/>
-              </a:rPr>
-              <a:t> </a:t>
-            </a:r>
-            <a:r>
-              <a:rPr lang="en-GB" sz="9600" b="1" dirty="0" err="1">
-                <a:solidFill>
-                  <a:schemeClr val="accent4"/>
-                </a:solidFill>
+              <a:rPr lang="en-GB" sz="7200" b="1" dirty="0">
+                <a:effectLst>
+                  <a:outerShdw blurRad="38100" dist="38100" dir="2700000" algn="tl">
+                    <a:srgbClr val="000000">
+                      <a:alpha val="43137"/>
+                    </a:srgbClr>
+                  </a:outerShdw>
+                </a:effectLst>
+                <a:latin typeface="Apache" pitchFamily="2" charset="0"/>
+              </a:rPr>
+              <a:t> </a:t>
+            </a:r>
+            <a:r>
+              <a:rPr lang="en-GB" sz="7200" b="1" dirty="0" err="1">
+                <a:effectLst>
+                  <a:outerShdw blurRad="38100" dist="38100" dir="2700000" algn="tl">
+                    <a:srgbClr val="000000">
+                      <a:alpha val="43137"/>
+                    </a:srgbClr>
+                  </a:outerShdw>
+                </a:effectLst>
                 <a:latin typeface="Apache" pitchFamily="2" charset="0"/>
               </a:rPr>
               <a:t>tsy</a:t>
             </a:r>
             <a:r>
-              <a:rPr lang="en-GB" sz="9600" b="1" dirty="0">
-                <a:solidFill>
-                  <a:schemeClr val="accent4"/>
-                </a:solidFill>
-                <a:latin typeface="Apache" pitchFamily="2" charset="0"/>
-              </a:rPr>
-              <a:t> </a:t>
-            </a:r>
-            <a:r>
-              <a:rPr lang="en-GB" sz="9600" b="1" dirty="0" err="1">
-                <a:solidFill>
-                  <a:schemeClr val="accent4"/>
-                </a:solidFill>
+              <a:rPr lang="en-GB" sz="7200" b="1" dirty="0">
+                <a:effectLst>
+                  <a:outerShdw blurRad="38100" dist="38100" dir="2700000" algn="tl">
+                    <a:srgbClr val="000000">
+                      <a:alpha val="43137"/>
+                    </a:srgbClr>
+                  </a:outerShdw>
+                </a:effectLst>
+                <a:latin typeface="Apache" pitchFamily="2" charset="0"/>
+              </a:rPr>
+              <a:t> </a:t>
+            </a:r>
+            <a:r>
+              <a:rPr lang="en-GB" sz="7200" b="1" dirty="0" err="1">
+                <a:effectLst>
+                  <a:outerShdw blurRad="38100" dist="38100" dir="2700000" algn="tl">
+                    <a:srgbClr val="000000">
+                      <a:alpha val="43137"/>
+                    </a:srgbClr>
+                  </a:outerShdw>
+                </a:effectLst>
                 <a:latin typeface="Apache" pitchFamily="2" charset="0"/>
               </a:rPr>
               <a:t>mba</a:t>
             </a:r>
             <a:r>
-              <a:rPr lang="en-GB" sz="9600" b="1" dirty="0">
-                <a:solidFill>
-                  <a:schemeClr val="accent4"/>
-                </a:solidFill>
-                <a:latin typeface="Apache" pitchFamily="2" charset="0"/>
-              </a:rPr>
-              <a:t> </a:t>
-            </a:r>
-            <a:r>
-              <a:rPr lang="en-GB" sz="9600" b="1" dirty="0" err="1">
-                <a:solidFill>
-                  <a:schemeClr val="accent4"/>
-                </a:solidFill>
+              <a:rPr lang="en-GB" sz="7200" b="1" dirty="0">
+                <a:effectLst>
+                  <a:outerShdw blurRad="38100" dist="38100" dir="2700000" algn="tl">
+                    <a:srgbClr val="000000">
+                      <a:alpha val="43137"/>
+                    </a:srgbClr>
+                  </a:outerShdw>
+                </a:effectLst>
+                <a:latin typeface="Apache" pitchFamily="2" charset="0"/>
+              </a:rPr>
+              <a:t> </a:t>
+            </a:r>
+            <a:r>
+              <a:rPr lang="en-GB" sz="7200" b="1" dirty="0" err="1">
+                <a:effectLst>
+                  <a:outerShdw blurRad="38100" dist="38100" dir="2700000" algn="tl">
+                    <a:srgbClr val="000000">
+                      <a:alpha val="43137"/>
+                    </a:srgbClr>
+                  </a:outerShdw>
+                </a:effectLst>
                 <a:latin typeface="Apache" pitchFamily="2" charset="0"/>
               </a:rPr>
               <a:t>matory</a:t>
             </a:r>
             <a:r>
-              <a:rPr lang="en-GB" sz="9600" b="1" dirty="0">
-                <a:solidFill>
-                  <a:schemeClr val="accent4"/>
-                </a:solidFill>
+              <a:rPr lang="en-GB" sz="7200" b="1" dirty="0">
+                <a:effectLst>
+                  <a:outerShdw blurRad="38100" dist="38100" dir="2700000" algn="tl">
+                    <a:srgbClr val="000000">
+                      <a:alpha val="43137"/>
+                    </a:srgbClr>
+                  </a:outerShdw>
+                </a:effectLst>
                 <a:latin typeface="Apache" pitchFamily="2" charset="0"/>
               </a:rPr>
               <a:t>,</a:t>
             </a:r>
-            <a:endParaRPr lang="fr-FR" sz="9600" b="1" dirty="0">
-              <a:solidFill>
-                <a:schemeClr val="accent4"/>
-              </a:solidFill>
+            <a:endParaRPr lang="fr-FR" sz="7200" b="1" dirty="0">
+              <a:effectLst>
+                <a:outerShdw blurRad="38100" dist="38100" dir="2700000" algn="tl">
+                  <a:srgbClr val="000000">
+                    <a:alpha val="43137"/>
+                  </a:srgbClr>
+                </a:outerShdw>
+              </a:effectLst>
               <a:latin typeface="Apache" pitchFamily="2" charset="0"/>
             </a:endParaRPr>
           </a:p>
           <a:p>
-            <a:pPr algn="ctr"/>
-            <a:r>
-              <a:rPr lang="en-GB" sz="9600" b="1" dirty="0">
-                <a:solidFill>
-                  <a:schemeClr val="accent4"/>
-                </a:solidFill>
+            <a:pPr algn="ctr">
+              <a:lnSpc>
+                <a:spcPct val="150000"/>
+              </a:lnSpc>
+            </a:pPr>
+            <a:r>
+              <a:rPr lang="en-GB" sz="7200" b="1" dirty="0">
+                <a:effectLst>
+                  <a:outerShdw blurRad="38100" dist="38100" dir="2700000" algn="tl">
+                    <a:srgbClr val="000000">
+                      <a:alpha val="43137"/>
+                    </a:srgbClr>
+                  </a:outerShdw>
+                </a:effectLst>
                 <a:latin typeface="Apache" pitchFamily="2" charset="0"/>
               </a:rPr>
               <a:t>  </a:t>
             </a:r>
             <a:r>
-              <a:rPr lang="en-GB" sz="9600" b="1" dirty="0" err="1">
-                <a:solidFill>
-                  <a:schemeClr val="accent4"/>
-                </a:solidFill>
+              <a:rPr lang="en-GB" sz="7200" b="1" dirty="0" err="1">
+                <a:effectLst>
+                  <a:outerShdw blurRad="38100" dist="38100" dir="2700000" algn="tl">
+                    <a:srgbClr val="000000">
+                      <a:alpha val="43137"/>
+                    </a:srgbClr>
+                  </a:outerShdw>
+                </a:effectLst>
                 <a:latin typeface="Apache" pitchFamily="2" charset="0"/>
               </a:rPr>
               <a:t>Lala</a:t>
             </a:r>
             <a:r>
-              <a:rPr lang="en-GB" sz="9600" b="1" dirty="0">
-                <a:solidFill>
-                  <a:schemeClr val="accent4"/>
-                </a:solidFill>
+              <a:rPr lang="en-GB" sz="7200" b="1" dirty="0">
+                <a:effectLst>
+                  <a:outerShdw blurRad="38100" dist="38100" dir="2700000" algn="tl">
+                    <a:srgbClr val="000000">
+                      <a:alpha val="43137"/>
+                    </a:srgbClr>
+                  </a:outerShdw>
+                </a:effectLst>
                 <a:latin typeface="Apache" pitchFamily="2" charset="0"/>
               </a:rPr>
               <a:t>-marina </a:t>
             </a:r>
             <a:r>
-              <a:rPr lang="en-GB" sz="9600" b="1" dirty="0" err="1">
-                <a:solidFill>
-                  <a:schemeClr val="accent4"/>
-                </a:solidFill>
+              <a:rPr lang="en-GB" sz="7200" b="1" dirty="0" err="1">
+                <a:effectLst>
+                  <a:outerShdw blurRad="38100" dist="38100" dir="2700000" algn="tl">
+                    <a:srgbClr val="000000">
+                      <a:alpha val="43137"/>
+                    </a:srgbClr>
+                  </a:outerShdw>
+                </a:effectLst>
                 <a:latin typeface="Apache" pitchFamily="2" charset="0"/>
               </a:rPr>
               <a:t>itondrany</a:t>
             </a:r>
-            <a:endParaRPr lang="fr-FR" sz="9600" b="1" dirty="0">
-              <a:solidFill>
-                <a:schemeClr val="accent4"/>
-              </a:solidFill>
+            <a:endParaRPr lang="fr-FR" sz="7200" b="1" dirty="0">
+              <a:effectLst>
+                <a:outerShdw blurRad="38100" dist="38100" dir="2700000" algn="tl">
+                  <a:srgbClr val="000000">
+                    <a:alpha val="43137"/>
+                  </a:srgbClr>
+                </a:outerShdw>
+              </a:effectLst>
               <a:latin typeface="Apache" pitchFamily="2" charset="0"/>
             </a:endParaRPr>
           </a:p>
           <a:p>
-            <a:pPr algn="ctr"/>
-            <a:r>
-              <a:rPr lang="en-GB" sz="9600" b="1" dirty="0">
-                <a:solidFill>
-                  <a:schemeClr val="accent4"/>
-                </a:solidFill>
+            <a:pPr algn="ctr">
+              <a:lnSpc>
+                <a:spcPct val="150000"/>
+              </a:lnSpc>
+            </a:pPr>
+            <a:r>
+              <a:rPr lang="en-GB" sz="7200" b="1" dirty="0">
+                <a:effectLst>
+                  <a:outerShdw blurRad="38100" dist="38100" dir="2700000" algn="tl">
+                    <a:srgbClr val="000000">
+                      <a:alpha val="43137"/>
+                    </a:srgbClr>
+                  </a:outerShdw>
+                </a:effectLst>
                 <a:latin typeface="Apache" pitchFamily="2" charset="0"/>
               </a:rPr>
               <a:t>  </a:t>
             </a:r>
             <a:r>
-              <a:rPr lang="en-GB" sz="9600" b="1" dirty="0" err="1" smtClean="0">
-                <a:solidFill>
-                  <a:schemeClr val="accent4"/>
-                </a:solidFill>
+              <a:rPr lang="en-GB" sz="7200" b="1" dirty="0" err="1" smtClean="0">
+                <a:effectLst>
+                  <a:outerShdw blurRad="38100" dist="38100" dir="2700000" algn="tl">
+                    <a:srgbClr val="000000">
+                      <a:alpha val="43137"/>
+                    </a:srgbClr>
+                  </a:outerShdw>
+                </a:effectLst>
                 <a:latin typeface="Apache" pitchFamily="2" charset="0"/>
               </a:rPr>
               <a:t>Tsy</a:t>
             </a:r>
             <a:r>
-              <a:rPr lang="en-GB" sz="9600" b="1" dirty="0" smtClean="0">
-                <a:solidFill>
-                  <a:schemeClr val="accent4"/>
-                </a:solidFill>
-                <a:latin typeface="Apache" pitchFamily="2" charset="0"/>
-              </a:rPr>
-              <a:t> </a:t>
-            </a:r>
-            <a:r>
-              <a:rPr lang="en-GB" sz="9600" b="1" dirty="0" err="1">
-                <a:solidFill>
-                  <a:schemeClr val="accent4"/>
-                </a:solidFill>
+              <a:rPr lang="en-GB" sz="7200" b="1" dirty="0" smtClean="0">
+                <a:effectLst>
+                  <a:outerShdw blurRad="38100" dist="38100" dir="2700000" algn="tl">
+                    <a:srgbClr val="000000">
+                      <a:alpha val="43137"/>
+                    </a:srgbClr>
+                  </a:outerShdw>
+                </a:effectLst>
+                <a:latin typeface="Apache" pitchFamily="2" charset="0"/>
+              </a:rPr>
+              <a:t> </a:t>
+            </a:r>
+            <a:r>
+              <a:rPr lang="en-GB" sz="7200" b="1" dirty="0" err="1">
+                <a:effectLst>
+                  <a:outerShdw blurRad="38100" dist="38100" dir="2700000" algn="tl">
+                    <a:srgbClr val="000000">
+                      <a:alpha val="43137"/>
+                    </a:srgbClr>
+                  </a:outerShdw>
+                </a:effectLst>
                 <a:latin typeface="Apache" pitchFamily="2" charset="0"/>
               </a:rPr>
               <a:t>ho</a:t>
             </a:r>
             <a:r>
-              <a:rPr lang="en-GB" sz="9600" b="1" dirty="0">
-                <a:solidFill>
-                  <a:schemeClr val="accent4"/>
-                </a:solidFill>
-                <a:latin typeface="Apache" pitchFamily="2" charset="0"/>
-              </a:rPr>
-              <a:t> </a:t>
-            </a:r>
-            <a:r>
-              <a:rPr lang="en-GB" sz="9600" b="1" dirty="0" err="1">
-                <a:solidFill>
-                  <a:schemeClr val="accent4"/>
-                </a:solidFill>
+              <a:rPr lang="en-GB" sz="7200" b="1" dirty="0">
+                <a:effectLst>
+                  <a:outerShdw blurRad="38100" dist="38100" dir="2700000" algn="tl">
+                    <a:srgbClr val="000000">
+                      <a:alpha val="43137"/>
+                    </a:srgbClr>
+                  </a:outerShdw>
+                </a:effectLst>
+                <a:latin typeface="Apache" pitchFamily="2" charset="0"/>
+              </a:rPr>
+              <a:t> </a:t>
+            </a:r>
+            <a:r>
+              <a:rPr lang="en-GB" sz="7200" b="1" dirty="0" err="1">
+                <a:effectLst>
+                  <a:outerShdw blurRad="38100" dist="38100" dir="2700000" algn="tl">
+                    <a:srgbClr val="000000">
+                      <a:alpha val="43137"/>
+                    </a:srgbClr>
+                  </a:outerShdw>
+                </a:effectLst>
                 <a:latin typeface="Apache" pitchFamily="2" charset="0"/>
               </a:rPr>
               <a:t>foiko</a:t>
             </a:r>
             <a:r>
-              <a:rPr lang="en-GB" sz="9600" b="1" dirty="0">
-                <a:solidFill>
-                  <a:schemeClr val="accent4"/>
-                </a:solidFill>
+              <a:rPr lang="en-GB" sz="7200" b="1" dirty="0">
+                <a:effectLst>
+                  <a:outerShdw blurRad="38100" dist="38100" dir="2700000" algn="tl">
+                    <a:srgbClr val="000000">
+                      <a:alpha val="43137"/>
+                    </a:srgbClr>
+                  </a:outerShdw>
+                </a:effectLst>
                 <a:latin typeface="Apache" pitchFamily="2" charset="0"/>
               </a:rPr>
               <a:t>.</a:t>
             </a:r>
             <a:r>
-              <a:rPr lang="fr-FR" sz="9600" b="1" dirty="0" smtClean="0"/>
-              <a:t> </a:t>
-            </a:r>
-            <a:endParaRPr lang="fr-FR" sz="9600" b="1" dirty="0"/>
+              <a:rPr lang="fr-FR" sz="7200" b="1" dirty="0" smtClean="0">
+                <a:effectLst>
+                  <a:outerShdw blurRad="38100" dist="38100" dir="2700000" algn="tl">
+                    <a:srgbClr val="000000">
+                      <a:alpha val="43137"/>
+                    </a:srgbClr>
+                  </a:outerShdw>
+                </a:effectLst>
+              </a:rPr>
+              <a:t> </a:t>
+            </a:r>
           </a:p>
         </p:txBody>
       </p:sp>
     </p:spTree>
     <p:extLst>
       <p:ext uri="{BB962C8B-B14F-4D97-AF65-F5344CB8AC3E}">
-        <p14:creationId xmlns:p14="http://schemas.microsoft.com/office/powerpoint/2010/main" val="3346409318"/>
+        <p14:creationId xmlns:p14="http://schemas.microsoft.com/office/powerpoint/2010/main" val="1528286206"/>
       </p:ext>
     </p:extLst>
   </p:cSld>
@@ -8681,7 +9793,7 @@
   <a:extraClrSchemeLst/>
   <a:extLst>
     <a:ext uri="{05A4C25C-085E-4340-85A3-A5531E510DB2}">
-      <thm15:themeFamily xmlns:thm15="http://schemas.microsoft.com/office/thememl/2012/main" xmlns="" name="Office Theme" id="{62F939B6-93AF-4DB8-9C6B-D6C7DFDC589F}" vid="{4A3C46E8-61CC-4603-A589-7422A47A8E4A}"/>
+      <thm15:themeFamily xmlns:thm15="http://schemas.microsoft.com/office/thememl/2012/main" name="Office Theme" id="{62F939B6-93AF-4DB8-9C6B-D6C7DFDC589F}" vid="{4A3C46E8-61CC-4603-A589-7422A47A8E4A}"/>
     </a:ext>
   </a:extLst>
 </a:theme>
